--- a/_site/materials/OS-M3/OS-M3-S6-Quarto/OS-M3-S6-Quarto-slides.pptx
+++ b/_site/materials/OS-M3/OS-M3-S6-Quarto/OS-M3-S6-Quarto-slides.pptx
@@ -9850,7 +9850,7 @@
             </a:pPr>
             <a:r>
               <a:rPr/>
-              <a:t>28/08/2025</a:t>
+              <a:t>29/08/2025</a:t>
             </a:r>
           </a:p>
         </p:txBody>

--- a/_site/materials/OS-M3/OS-M3-S6-Quarto/OS-M3-S6-Quarto-slides.pptx
+++ b/_site/materials/OS-M3/OS-M3-S6-Quarto/OS-M3-S6-Quarto-slides.pptx
@@ -643,7 +643,7 @@
             </a:r>
             <a:r>
               <a:rPr/>
-              <a:t>: Instructor notes provide teaching support but are not intended to be spoken directly. These notes contain additional context, such as learning objectives, common issues, and pedagogical tips, to help the instructor adapt their teaching to the learner’s needs as well as anticipate challenges.</a:t>
+              <a:t>: Instructor notes provide teaching support but are not intended to be communicated to the students directly. These notes contain additional context, such as learning objectives, common issues, and pedagogical tips, to help the instructor adapt their teaching to the learner’s needs as well as anticipate challenges.</a:t>
             </a:r>
           </a:p>
         </p:txBody>
@@ -665,7 +665,7 @@
           <a:p>
             <a:fld id="{18BDFEC3-8487-43E8-A154-7C12CBC1FFF2}" type="slidenum">
               <a:rPr lang="en-US"/>
-              <a:t>3</a:t>
+              <a:t>2</a:t>
             </a:fld>
             <a:endParaRPr lang="en-US"/>
           </a:p>
@@ -729,7 +729,15 @@
             </a:r>
             <a:r>
               <a:rPr/>
-              <a:t>: - Quarto documents can be rendered either manually or automatically when you save. - Manual rendering gives you control meaning you decide when to update the document, which is helpful if you’re making lots of edits and don’t want constant re-renders. - Render on Save automatically updates your document every time you hit Save, which is great for quick feedback and seeing your changes instantly. In this lesson, you can try both to see which workflow feels more comfortable for you.</a:t>
+              <a:t>: A Quarto document or file gets the extension of .qmd. There are different components within a Quarto document that are important for rendering. First, we have the YAML header, which is the section at the top of the Quarto document that controls settings like the title, output format, and author. Second, we have the code chunks, the sections of the document that contain code (from R or Python, for example) that are used for showing results such as tables, plots, or calculations. Finally, we have the Quarto markdown text, which is the component that combines text, codes, and formatting to create the actual content of the document. </a:t>
+            </a:r>
+            <a:r>
+              <a:rPr b="1"/>
+              <a:t>Instructor Notes</a:t>
+            </a:r>
+            <a:r>
+              <a:rPr/>
+              <a:t>:  - Aim: Introduce key terms and definitions that students will come across throughout the session. - This first part of the lesson is useful to establish an understanding of important vocabulary- it can be helpful to remind students of the meaning of these terms as they appear in the upcoming sections.</a:t>
             </a:r>
           </a:p>
         </p:txBody>
@@ -751,7 +759,7 @@
           <a:p>
             <a:fld id="{18BDFEC3-8487-43E8-A154-7C12CBC1FFF2}" type="slidenum">
               <a:rPr lang="en-US"/>
-              <a:t>13</a:t>
+              <a:t>11</a:t>
             </a:fld>
             <a:endParaRPr lang="en-US"/>
           </a:p>
@@ -815,15 +823,7 @@
             </a:r>
             <a:r>
               <a:rPr/>
-              <a:t>: - Base yourself on conceptual change theory and examine existing concepts in relation to some key terms. - Re-examine formation of new concepts at the end of the lesson. - WYSIWYM is an acronym for “What You Say is What You Mean” which means that whatever you see in your document will be what you see even when you save or render the document as PDF or as HTML. - Quarto documents can be created and edited in either Source mode or Visual mode. Both modes work with the same file, but they provide slightly different experiences. In this lesson, most of our tasks will be done in Source mode, but you’ll also have a chance to try Visual mode so you can compare how the same content looks and feels in each. </a:t>
-            </a:r>
-            <a:r>
-              <a:rPr b="1"/>
-              <a:t>Instructor Notes</a:t>
-            </a:r>
-            <a:r>
-              <a:rPr/>
-              <a:t>: - “Authoring process” is mentioned here but not defined because it will be explained further in later slides.</a:t>
+              <a:t>:  - Quarto documents can be rendered either manually or automatically when you save. - Manual rendering gives you control meaning you decide when to update the document, which is helpful if you’re making lots of edits and don’t want constant re-renders. - Render on Save automatically updates your document every time you hit Save, which is great for quick feedback and seeing your changes instantly. In this lesson, you can try both to see which workflow feels more comfortable for you.</a:t>
             </a:r>
           </a:p>
         </p:txBody>
@@ -845,7 +845,7 @@
           <a:p>
             <a:fld id="{18BDFEC3-8487-43E8-A154-7C12CBC1FFF2}" type="slidenum">
               <a:rPr lang="en-US"/>
-              <a:t>14</a:t>
+              <a:t>12</a:t>
             </a:fld>
             <a:endParaRPr lang="en-US"/>
           </a:p>
@@ -909,7 +909,15 @@
             </a:r>
             <a:r>
               <a:rPr/>
-              <a:t>: - To get started with Quarto in RStudio, the first step is simply creating a new Quarto document. - You see options for both Quarto Document and Quarto Presentation. What’s the difference between the two? - A Quarto Document is best for reports or articles because it produces continuous text like a paper. - A Quarto Presentation is for creating slide decks, like PowerPoint or Reveal.js slides.</a:t>
+              <a:t>:  - Base yourself on conceptual change theory and examine existing concepts in relation to some key terms. - Re-examine formation of new concepts at the end of the lesson. - WYSIWYM is an acronym for “What You Say is What You Mean” which means that whatever you see in your document will be what you see even when you save or render the document as PDF or as HTML. - Quarto documents can be created and edited in either Source mode or Visual mode. Both modes work with the same file, but they provide slightly different experiences. In this lesson, most of our tasks will be done in Source mode, but you’ll also have a chance to try Visual mode so you can compare how the same content looks and feels in each. </a:t>
+            </a:r>
+            <a:r>
+              <a:rPr b="1"/>
+              <a:t>Instructor Notes</a:t>
+            </a:r>
+            <a:r>
+              <a:rPr/>
+              <a:t>:  - “Authoring process” is mentioned here but not defined because it will be explained further in later slides.</a:t>
             </a:r>
           </a:p>
         </p:txBody>
@@ -931,7 +939,7 @@
           <a:p>
             <a:fld id="{18BDFEC3-8487-43E8-A154-7C12CBC1FFF2}" type="slidenum">
               <a:rPr lang="en-US"/>
-              <a:t>16</a:t>
+              <a:t>13</a:t>
             </a:fld>
             <a:endParaRPr lang="en-US"/>
           </a:p>
@@ -995,7 +1003,7 @@
             </a:r>
             <a:r>
               <a:rPr/>
-              <a:t>: - This creates your document where you can now customize the YAML header, add Markdown text, and insert code chunks. - The default format is html but this can be changed later on by editing the YAML header directly in the document.</a:t>
+              <a:t>:  - To get started with Quarto in RStudio, the first step is simply creating a new Quarto document. - You see options for both Quarto Document and Quarto Presentation. What’s the difference between the two? - A Quarto Document is best for reports or articles because it produces continuous text like a paper. - A Quarto Presentation is for creating slide decks, like PowerPoint or Reveal.js slides.</a:t>
             </a:r>
           </a:p>
         </p:txBody>
@@ -1017,7 +1025,7 @@
           <a:p>
             <a:fld id="{18BDFEC3-8487-43E8-A154-7C12CBC1FFF2}" type="slidenum">
               <a:rPr lang="en-US"/>
-              <a:t>18</a:t>
+              <a:t>15</a:t>
             </a:fld>
             <a:endParaRPr lang="en-US"/>
           </a:p>
@@ -1076,8 +1084,12 @@
               <a:buNone/>
             </a:pPr>
             <a:r>
-              <a:rPr/>
-              <a:t>*:Speaker Notes**: - Ensure students know where their Quarto project folder is located on their device. This will make it easier for them to find files in later tasks. Encourage them to save the document right after creating it by selecting “Save As”, so they can intentionally choose the document location (e.g., Desktop, a dedicated course folder, etc.).</a:t>
+              <a:rPr b="1"/>
+              <a:t>Speaker Notes</a:t>
+            </a:r>
+            <a:r>
+              <a:rPr/>
+              <a:t>:  - This creates your document where you can now customize the YAML header, add Markdown text, and insert code chunks. - The default format is html but this can be changed later on by editing the YAML header directly in the document.</a:t>
             </a:r>
           </a:p>
         </p:txBody>
@@ -1099,7 +1111,7 @@
           <a:p>
             <a:fld id="{18BDFEC3-8487-43E8-A154-7C12CBC1FFF2}" type="slidenum">
               <a:rPr lang="en-US"/>
-              <a:t>19</a:t>
+              <a:t>17</a:t>
             </a:fld>
             <a:endParaRPr lang="en-US"/>
           </a:p>
@@ -1163,7 +1175,7 @@
             </a:r>
             <a:r>
               <a:rPr/>
-              <a:t>: - The YAML header is the section at the very top, wrapped in three dashes (—). It holds the document’s settings, like the title, author, date, and output format. - Below that, we use Markdown to write the actual content which are things like headings, bullet points, bold or italic text. </a:t>
+              <a:t>: ADDD </a:t>
             </a:r>
             <a:r>
               <a:rPr b="1"/>
@@ -1171,7 +1183,7 @@
             </a:r>
             <a:r>
               <a:rPr/>
-              <a:t>: - Reminding students on the meanings of YAML Header and Markdown will be helpful especially to those with very little prior knowledge for working with Quarto.</a:t>
+              <a:t>: Ensure students know where their Quarto project folder is located on their device. This will make it easier for them to find files in later tasks. Encourage them to save the document right after creating it by selecting “Save As”, so they can intentionally choose the document location (for example, on the Desktop or a dedicated course folder).</a:t>
             </a:r>
           </a:p>
         </p:txBody>
@@ -1193,7 +1205,7 @@
           <a:p>
             <a:fld id="{18BDFEC3-8487-43E8-A154-7C12CBC1FFF2}" type="slidenum">
               <a:rPr lang="en-US"/>
-              <a:t>20</a:t>
+              <a:t>18</a:t>
             </a:fld>
             <a:endParaRPr lang="en-US"/>
           </a:p>
@@ -1257,25 +1269,15 @@
             </a:r>
             <a:r>
               <a:rPr/>
-              <a:t>: - Remember that the YAML Header goes at the top of the document in both Source and Visual Modes. - In the YAML header, the format field tells Quarto what kind of output to create. Here we’ve set it to html, which means the document will render as a web page. You could choose other formats like PDF or Word, but for this lesson we’ll stick with HTML so everyone has the same experience.</a:t>
-            </a:r>
-          </a:p>
-          <a:p>
-            <a:pPr lvl="0" indent="0" marL="0">
-              <a:buNone/>
-            </a:pPr>
-          </a:p>
-          <a:p>
-            <a:pPr lvl="0" indent="0" marL="0">
-              <a:buNone/>
-            </a:pPr>
+              <a:t>:  - Authoring is combining the YAML header with the markdown text. This means that what you do to customize, add to, and develop your document is the process of authoring - The YAML header is the section at the very top, wrapped in three dashes (—). It holds the document’s settings, like the title, author, date, and output format. - Below that, we use Markdown text to write the actual content which are things like headings, bullet points, bold or italic text, and the actual body of your document. </a:t>
+            </a:r>
             <a:r>
               <a:rPr b="1"/>
               <a:t>Instructor Notes</a:t>
             </a:r>
             <a:r>
               <a:rPr/>
-              <a:t>: - There is a small clipboard icon at the top-right of the text box. Let students know they can simply click the icon to copy all the text in that specific text box. This icon will appear for every text box moving forward so you can remind them of it the next few times a task requires them to copy the content of a text box.</a:t>
+              <a:t>:  - Reminding students on the meanings of YAML Header and Markdown text will be helpful especially to those with very little prior knowledge as these are terms that appear very often when working with Quarto.</a:t>
             </a:r>
           </a:p>
         </p:txBody>
@@ -1297,7 +1299,7 @@
           <a:p>
             <a:fld id="{18BDFEC3-8487-43E8-A154-7C12CBC1FFF2}" type="slidenum">
               <a:rPr lang="en-US"/>
-              <a:t>21</a:t>
+              <a:t>19</a:t>
             </a:fld>
             <a:endParaRPr lang="en-US"/>
           </a:p>
@@ -1361,7 +1363,25 @@
             </a:r>
             <a:r>
               <a:rPr/>
-              <a:t>: - In Markdown, we can format text with very simple symbols. It works the same way in both Source and Visual mode with the only difference being how you see it while typing. - In Source mode you see the symbols, while in Visual mode it looks like regular bold or italic text right away.</a:t>
+              <a:t>:  - Remember that the YAML Header goes at the top of the document in both Source and Visual Modes. - In the YAML header, the format field tells Quarto what kind of output to create. Here we’ve set it to html, which means the document will render as a web page. You could choose other formats like PDF or Word, but for this lesson we’ll stick with HTML so everyone has the same experience.</a:t>
+            </a:r>
+          </a:p>
+          <a:p>
+            <a:pPr lvl="0" indent="0" marL="0">
+              <a:buNone/>
+            </a:pPr>
+          </a:p>
+          <a:p>
+            <a:pPr lvl="0" indent="0" marL="0">
+              <a:buNone/>
+            </a:pPr>
+            <a:r>
+              <a:rPr b="1"/>
+              <a:t>Instructor Notes</a:t>
+            </a:r>
+            <a:r>
+              <a:rPr/>
+              <a:t>: There is a small clipboard icon at the top-right of the text box. Let students know they can simply click the icon to copy all the text in that specific text box. This icon will appear for every text box moving forward so you can remind them of it the next few times a task requires them to copy the content of a text box.</a:t>
             </a:r>
           </a:p>
         </p:txBody>
@@ -1383,7 +1403,7 @@
           <a:p>
             <a:fld id="{18BDFEC3-8487-43E8-A154-7C12CBC1FFF2}" type="slidenum">
               <a:rPr lang="en-US"/>
-              <a:t>22</a:t>
+              <a:t>20</a:t>
             </a:fld>
             <a:endParaRPr lang="en-US"/>
           </a:p>
@@ -1447,7 +1467,7 @@
             </a:r>
             <a:r>
               <a:rPr/>
-              <a:t>: - Aim: Help students feel comfortable using Markdown by showing how simple and familiar it really is. - the words “Markdown Text” may seem technical or complicated for those new to Quarto. But Markdown can simply be understood as just typing (like writing in any normal document), sometimes with a few simple symbols to add structure or emphasis.</a:t>
+              <a:t>:  - With Markdown text, we can format text with very simple symbols. It works the same way in both Source and Visual mode with the only difference being how you see it while typing. - In Source mode you see the symbols, while in Visual mode it looks like regular bold or italic text right away.</a:t>
             </a:r>
           </a:p>
         </p:txBody>
@@ -1469,7 +1489,7 @@
           <a:p>
             <a:fld id="{18BDFEC3-8487-43E8-A154-7C12CBC1FFF2}" type="slidenum">
               <a:rPr lang="en-US"/>
-              <a:t>23</a:t>
+              <a:t>21</a:t>
             </a:fld>
             <a:endParaRPr lang="en-US"/>
           </a:p>
@@ -1533,7 +1553,7 @@
             </a:r>
             <a:r>
               <a:rPr/>
-              <a:t>: - Also instruct students to render their document after each practical exercise (where applicable) so they can see the changes as they make them and identify issues.</a:t>
+              <a:t>:  - Aim: Help students feel comfortable using Markdown text by showing how simple and familiar it really is. - the words “Markdown Text” may seem technical or complicated for those new to Quarto. But Markdown text can simply be understood as just typing (like writing in any normal document), sometimes with a few simple symbols to add structure or emphasis.</a:t>
             </a:r>
           </a:p>
         </p:txBody>
@@ -1555,7 +1575,7 @@
           <a:p>
             <a:fld id="{18BDFEC3-8487-43E8-A154-7C12CBC1FFF2}" type="slidenum">
               <a:rPr lang="en-US"/>
-              <a:t>24</a:t>
+              <a:t>22</a:t>
             </a:fld>
             <a:endParaRPr lang="en-US"/>
           </a:p>
@@ -1614,12 +1634,30 @@
               <a:buNone/>
             </a:pPr>
             <a:r>
-              <a:rPr i="1"/>
+              <a:rPr b="1"/>
               <a:t>Speaker Notes</a:t>
             </a:r>
             <a:r>
               <a:rPr/>
-              <a:t> - Aim: clarify questions from the previous submodule and/or to discuss assignments. - Additional slides may need to be added depending on the nature of the homework assignments. - It is critical for the learning process to ensure that students are on the same page and have been able to achieve the learning goals of the previous workshop. - Not applicable if this set of slides corresponds to the first submodule of a new module.</a:t>
+              <a:t>: Let us first take a look at these prerequisites. These are important to complete this submodule.</a:t>
+            </a:r>
+          </a:p>
+          <a:p>
+            <a:pPr lvl="0" indent="0" marL="0">
+              <a:buNone/>
+            </a:pPr>
+          </a:p>
+          <a:p>
+            <a:pPr lvl="0" indent="0" marL="0">
+              <a:buNone/>
+            </a:pPr>
+            <a:r>
+              <a:rPr b="1"/>
+              <a:t>Instructor Notes</a:t>
+            </a:r>
+            <a:r>
+              <a:rPr/>
+              <a:t>: These are the prerequisites for this submodule. Before you get started on this submodule with your audience, you need to ensure that the audience fulfills these criteria. In this session, we will assume that your audience has basic R skills and completed the corresponding workshops. We also assume familiariy with Git and GitHub and that the audience has also completed those submodules. Finally, we assume that, through the previos workshops, participants have downloaded and installed R and RStudio on their local machines, and also have the desktop app for Zotero.</a:t>
             </a:r>
           </a:p>
         </p:txBody>
@@ -1641,7 +1679,7 @@
           <a:p>
             <a:fld id="{18BDFEC3-8487-43E8-A154-7C12CBC1FFF2}" type="slidenum">
               <a:rPr lang="en-US"/>
-              <a:t>4</a:t>
+              <a:t>3</a:t>
             </a:fld>
             <a:endParaRPr lang="en-US"/>
           </a:p>
@@ -1700,20 +1738,20 @@
               <a:buNone/>
             </a:pPr>
             <a:r>
-              <a:rPr i="1"/>
+              <a:rPr b="1"/>
               <a:t>Speaker Notes</a:t>
             </a:r>
             <a:r>
               <a:rPr/>
-              <a:t> - Callout boxes are a way to highlight important information in your document. They stand out visually, so readers immediately notice them. You can use them to emphasize tips, warnings, examples, or key takeaways. - Acknowledge that the look of the callout boxes changes depending on if “-important,” “-tip,” or “-note” follows the word “callout” </a:t>
-            </a:r>
-            <a:r>
-              <a:rPr i="1"/>
+              <a:t>: ADD </a:t>
+            </a:r>
+            <a:r>
+              <a:rPr b="1"/>
               <a:t>Instructor Notes</a:t>
             </a:r>
             <a:r>
               <a:rPr/>
-              <a:t> - These are just examples of callout boxes. How to actually create one will be covered in the next slide/task.</a:t>
+              <a:t>: Instruct students to render their document after each practical exercise (where applicable) so they can see the changes as they make them and identify issues.</a:t>
             </a:r>
           </a:p>
         </p:txBody>
@@ -1735,7 +1773,7 @@
           <a:p>
             <a:fld id="{18BDFEC3-8487-43E8-A154-7C12CBC1FFF2}" type="slidenum">
               <a:rPr lang="en-US"/>
-              <a:t>25</a:t>
+              <a:t>23</a:t>
             </a:fld>
             <a:endParaRPr lang="en-US"/>
           </a:p>
@@ -1794,12 +1832,20 @@
               <a:buNone/>
             </a:pPr>
             <a:r>
-              <a:rPr i="1"/>
-              <a:t>Speaker Note</a:t>
-            </a:r>
-            <a:r>
-              <a:rPr/>
-              <a:t> - Inside the box, you can add a heading and text. - These aren’t just for highlighting important information but can be used for supplementary or by-the-way information.</a:t>
+              <a:rPr b="1"/>
+              <a:t>Speaker Notes</a:t>
+            </a:r>
+            <a:r>
+              <a:rPr/>
+              <a:t>:  - Callout boxes are a way to highlight important information in your document. They stand out visually, so readers immediately notice them. You can use them to emphasize tips, warnings, examples, or key takeaways. - Acknowledge that the look of the callout boxes changes depending on if “-important,” “-tip,” or “-note” follows the word “callout” </a:t>
+            </a:r>
+            <a:r>
+              <a:rPr b="1"/>
+              <a:t>Instructor Notes</a:t>
+            </a:r>
+            <a:r>
+              <a:rPr/>
+              <a:t>: These are just examples of callout boxes. How to actually create one will be covered in the next slide/task.</a:t>
             </a:r>
           </a:p>
         </p:txBody>
@@ -1821,7 +1867,7 @@
           <a:p>
             <a:fld id="{18BDFEC3-8487-43E8-A154-7C12CBC1FFF2}" type="slidenum">
               <a:rPr lang="en-US"/>
-              <a:t>26</a:t>
+              <a:t>24</a:t>
             </a:fld>
             <a:endParaRPr lang="en-US"/>
           </a:p>
@@ -1880,50 +1926,12 @@
               <a:buNone/>
             </a:pPr>
             <a:r>
-              <a:rPr i="1"/>
-              <a:t>Speaker Note</a:t>
-            </a:r>
-            <a:r>
-              <a:rPr/>
-              <a:t> - Aim: Understand and practice the specific format of a callout box. - When rendered, acknowledge how the callout boxes sets its contents apart from the rest of the document to draw the reader’s attention </a:t>
-            </a:r>
-            <a:r>
-              <a:rPr i="1"/>
-              <a:t>Instructor Note</a:t>
-            </a:r>
-            <a:r>
-              <a:rPr/>
-              <a:t> - The details in the formatting are very important (for callout boxes and for all authoring features) - Specific details: - beginning and ending in 3 </a:t>
-            </a:r>
-            <a:r>
-              <a:rPr>
-                <a:latin typeface="Courier"/>
-              </a:rPr>
-              <a:t>:::</a:t>
-            </a:r>
-            <a:r>
-              <a:rPr/>
-              <a:t>; - single space between the first </a:t>
-            </a:r>
-            <a:r>
-              <a:rPr>
-                <a:latin typeface="Courier"/>
-              </a:rPr>
-              <a:t>:::</a:t>
-            </a:r>
-            <a:r>
-              <a:rPr/>
-              <a:t> and callout-note; - single space between </a:t>
-            </a:r>
-            <a:r>
-              <a:rPr>
-                <a:latin typeface="Courier"/>
-              </a:rPr>
-              <a:t>##</a:t>
-            </a:r>
-            <a:r>
-              <a:rPr/>
-              <a:t> and title</a:t>
+              <a:rPr b="1"/>
+              <a:t>Speaker Notes</a:t>
+            </a:r>
+            <a:r>
+              <a:rPr/>
+              <a:t>:  - Inside the box, you can add a heading and text. - These aren’t just for highlighting important information but can be used for supplementary or by-the-way information as well as warnings.</a:t>
             </a:r>
           </a:p>
         </p:txBody>
@@ -1945,7 +1953,7 @@
           <a:p>
             <a:fld id="{18BDFEC3-8487-43E8-A154-7C12CBC1FFF2}" type="slidenum">
               <a:rPr lang="en-US"/>
-              <a:t>27</a:t>
+              <a:t>25</a:t>
             </a:fld>
             <a:endParaRPr lang="en-US"/>
           </a:p>
@@ -2004,20 +2012,60 @@
               <a:buNone/>
             </a:pPr>
             <a:r>
-              <a:rPr i="1"/>
+              <a:rPr b="1"/>
               <a:t>Speaker Notes</a:t>
             </a:r>
             <a:r>
               <a:rPr/>
-              <a:t> - Code chunks are sections of a Quarto document where we can run code directly inside our file. They’re marked by three backticks followed by the language name, like {r} or {python}. - These let us write and execute code, and then display the results, such as tables, plots, or calculations, right in the document. Code chunks make it possible to combine text and analysis in one place, so the document stays reproducible and dynamic. </a:t>
-            </a:r>
-            <a:r>
-              <a:rPr i="1"/>
+              <a:t>:  - The details in the formatting are very important (for callout boxes and for all authoring features) - Specific details: - beginning and ending in 3 </a:t>
+            </a:r>
+            <a:r>
+              <a:rPr>
+                <a:latin typeface="Courier"/>
+              </a:rPr>
+              <a:t>:::</a:t>
+            </a:r>
+            <a:r>
+              <a:rPr/>
+              <a:t>; - single space between the first </a:t>
+            </a:r>
+            <a:r>
+              <a:rPr>
+                <a:latin typeface="Courier"/>
+              </a:rPr>
+              <a:t>:::</a:t>
+            </a:r>
+            <a:r>
+              <a:rPr/>
+              <a:t> and callout-note; - single space between </a:t>
+            </a:r>
+            <a:r>
+              <a:rPr>
+                <a:latin typeface="Courier"/>
+              </a:rPr>
+              <a:t>##</a:t>
+            </a:r>
+            <a:r>
+              <a:rPr/>
+              <a:t> and title</a:t>
+            </a:r>
+          </a:p>
+          <a:p>
+            <a:pPr lvl="0" indent="0" marL="0">
+              <a:buNone/>
+            </a:pPr>
+          </a:p>
+          <a:p>
+            <a:pPr lvl="0" indent="0" marL="0">
+              <a:buNone/>
+            </a:pPr>
+            <a:r>
+              <a:rPr b="1"/>
               <a:t>Instructor Notes</a:t>
             </a:r>
             <a:r>
               <a:rPr/>
-              <a:t> - using {r} to start the Code Chunk indicates that the coding language that we’re using is R. This is relevant for this lesson as students will be using R Studio and ossession of some background knowledge in R is assumed.</a:t>
+              <a:t>:  - Aim: Understand and practice the specific format of a callout box. - When rendered, acknowledge how the callout boxes sets its contents apart from the rest of the document to draw the reader’s attention</a:t>
             </a:r>
           </a:p>
         </p:txBody>
@@ -2039,7 +2087,7 @@
           <a:p>
             <a:fld id="{18BDFEC3-8487-43E8-A154-7C12CBC1FFF2}" type="slidenum">
               <a:rPr lang="en-US"/>
-              <a:t>28</a:t>
+              <a:t>26</a:t>
             </a:fld>
             <a:endParaRPr lang="en-US"/>
           </a:p>
@@ -2098,22 +2146,20 @@
               <a:buNone/>
             </a:pPr>
             <a:r>
-              <a:rPr i="1"/>
-              <a:t>Speaker Note</a:t>
-            </a:r>
-          </a:p>
-          <a:p>
-            <a:pPr lvl="0" indent="0" marL="0">
-              <a:buNone/>
-            </a:pPr>
-          </a:p>
-          <a:p>
-            <a:pPr lvl="0" indent="0" marL="0">
-              <a:buNone/>
-            </a:pPr>
-            <a:r>
-              <a:rPr/>
-              <a:t>Add instructor notes here.</a:t>
+              <a:rPr b="1"/>
+              <a:t>Speaker Notes</a:t>
+            </a:r>
+            <a:r>
+              <a:rPr/>
+              <a:t>:  - Code chunks are sections of a Quarto document where we can run code directly inside our file. They’re marked by three backticks followed by the language name, like {r} or {python}. - These let us write and execute code, and then display the results, such as tables, plots, or calculations, right in the document. Code chunks make it possible to combine text and analysis in one place, so the document stays reproducible and dynamic. </a:t>
+            </a:r>
+            <a:r>
+              <a:rPr b="1"/>
+              <a:t>Instructor Notes</a:t>
+            </a:r>
+            <a:r>
+              <a:rPr/>
+              <a:t>: - using {r} to start the Code Chunk indicates that the coding language that we’re using is R. This is relevant for this lesson as students will be using R Studio and ossession of some background knowledge in R is assumed.</a:t>
             </a:r>
           </a:p>
         </p:txBody>
@@ -2135,7 +2181,7 @@
           <a:p>
             <a:fld id="{18BDFEC3-8487-43E8-A154-7C12CBC1FFF2}" type="slidenum">
               <a:rPr lang="en-US"/>
-              <a:t>29</a:t>
+              <a:t>27</a:t>
             </a:fld>
             <a:endParaRPr lang="en-US"/>
           </a:p>
@@ -2194,20 +2240,40 @@
               <a:buNone/>
             </a:pPr>
             <a:r>
-              <a:rPr i="1"/>
-              <a:t>Speaker Note</a:t>
-            </a:r>
-            <a:r>
-              <a:rPr/>
-              <a:t> - Encourage students to try using both methods to insert coding chunks for this exercise. - Note that the code is in two separate text boxes/coding chunks for teaching purposes but can actually both be put in 1 coding chunk. You do not have to start a new coding chunk each time you want to use a different R function. - After students render the output and observe how the code appears together with the markdown text from the previous activities, use this as an opportunity to exemplify and emphasize how Quarto is useful for combining text and code into one document. </a:t>
-            </a:r>
-            <a:r>
-              <a:rPr i="1"/>
-              <a:t>Instructor Note</a:t>
-            </a:r>
-            <a:r>
-              <a:rPr/>
-              <a:t> - Students don’t need to hit Ctrl + Enter (Windows) or Command + Enter (Mac) to run the code. After placing it in the coding chunk, rendering the document will run the code and print the output.</a:t>
+              <a:rPr b="1"/>
+              <a:t>Speaker Notes</a:t>
+            </a:r>
+            <a:r>
+              <a:rPr/>
+              <a:t>:  - For example, here we’re summarizing the ChickWeight dataset, and below, we’re using </a:t>
+            </a:r>
+            <a:r>
+              <a:rPr>
+                <a:latin typeface="Courier"/>
+              </a:rPr>
+              <a:t>ggplot2</a:t>
+            </a:r>
+            <a:r>
+              <a:rPr/>
+              <a:t> to create a visualization of chick growth over time. Notice how the code is written inside a chunk, and when rendered, Quarto automatically runs the code and shows the results in your output. This is what makes Quarto so powerful, it combines text, code, and results all in one place.</a:t>
+            </a:r>
+          </a:p>
+          <a:p>
+            <a:pPr lvl="0" indent="0" marL="0">
+              <a:buNone/>
+            </a:pPr>
+          </a:p>
+          <a:p>
+            <a:pPr lvl="0" indent="0" marL="0">
+              <a:buNone/>
+            </a:pPr>
+            <a:r>
+              <a:rPr b="1"/>
+              <a:t>Instructor Notes</a:t>
+            </a:r>
+            <a:r>
+              <a:rPr/>
+              <a:t>:  - It’s also possible to see the output of the code before rendering by clicking the small, green arrow at the top-right corner of the code chunk. Hover over it and it would say “Run Current Chunk.”</a:t>
             </a:r>
           </a:p>
         </p:txBody>
@@ -2229,7 +2295,7 @@
           <a:p>
             <a:fld id="{18BDFEC3-8487-43E8-A154-7C12CBC1FFF2}" type="slidenum">
               <a:rPr lang="en-US"/>
-              <a:t>30</a:t>
+              <a:t>28</a:t>
             </a:fld>
             <a:endParaRPr lang="en-US"/>
           </a:p>
@@ -2288,22 +2354,20 @@
               <a:buNone/>
             </a:pPr>
             <a:r>
-              <a:rPr i="1"/>
+              <a:rPr b="1"/>
               <a:t>Speaker Notes</a:t>
             </a:r>
             <a:r>
               <a:rPr/>
-              <a:t> - clarify that “not collapsible” means that we cannot chose to hide the code, we cannot fold it closed (as we will see when we set it to </a:t>
-            </a:r>
-            <a:r>
-              <a:rPr>
-                <a:latin typeface="Courier"/>
-              </a:rPr>
-              <a:t>code-fold: true</a:t>
-            </a:r>
-            <a:r>
-              <a:rPr/>
-              <a:t>) - Quarto gives us several options for controlling how code appears in our documents. For example, we can choose whether to show or hide the code itself, whether readers can fold code open and closed, or whether only the results are shown. - These settings don’t change the analysis, but just change how it’s displayed. This flexibility is helpful because sometimes we want to highlight the process by showing the code, and other times we want readers to focus on the results. - In open research, showing the underlying code isn’t just a technical choice, it’s important for building trust and reproducibility.</a:t>
+              <a:t>:  - ADD </a:t>
+            </a:r>
+            <a:r>
+              <a:rPr b="1"/>
+              <a:t>Instructor Notes</a:t>
+            </a:r>
+            <a:r>
+              <a:rPr/>
+              <a:t>:  - Students don’t need to hit Ctrl + Enter (Windows) or Command + Enter (Mac) to run the code. After placing it in the coding chunk, rendering the document will run the code and print the output. - Encourage students to try using both methods to insert coding chunks for this exercise. - Note that the code is in two separate text boxes/coding chunks for teaching purposes but can actually both be put in 1 coding chunk. You do not have to start a new coding chunk each time you want to use a different R function. - After students render the output and observe how the code appears together with the markdown text from the previous activities, use this as an opportunity to exemplify and emphasize how Quarto is useful for combining text and code into one document.</a:t>
             </a:r>
           </a:p>
         </p:txBody>
@@ -2325,7 +2389,7 @@
           <a:p>
             <a:fld id="{18BDFEC3-8487-43E8-A154-7C12CBC1FFF2}" type="slidenum">
               <a:rPr lang="en-US"/>
-              <a:t>31</a:t>
+              <a:t>29</a:t>
             </a:fld>
             <a:endParaRPr lang="en-US"/>
           </a:p>
@@ -2384,80 +2448,30 @@
               <a:buNone/>
             </a:pPr>
             <a:r>
-              <a:rPr i="1"/>
+              <a:rPr b="1"/>
               <a:t>Speaker Notes</a:t>
             </a:r>
             <a:r>
               <a:rPr/>
-              <a:t> - </a:t>
+              <a:t>: ADD </a:t>
+            </a:r>
+            <a:r>
+              <a:rPr b="1"/>
+              <a:t>Instructor Notes</a:t>
+            </a:r>
+            <a:r>
+              <a:rPr/>
+              <a:t>: - Clarify that “not collapsible” means that we cannot chose to hide the code, we cannot fold it closed (as we will see when we set it to </a:t>
             </a:r>
             <a:r>
               <a:rPr>
                 <a:latin typeface="Courier"/>
               </a:rPr>
-              <a:t>echo: true</a:t>
-            </a:r>
-            <a:r>
-              <a:rPr/>
-              <a:t> and </a:t>
-            </a:r>
-            <a:r>
-              <a:rPr>
-                <a:latin typeface="Courier"/>
-              </a:rPr>
-              <a:t>code-fold: false</a:t>
-            </a:r>
-            <a:r>
-              <a:rPr/>
-              <a:t> both affect how code is shown, but in different ways. </a:t>
-            </a:r>
-            <a:r>
-              <a:rPr>
-                <a:latin typeface="Courier"/>
-              </a:rPr>
-              <a:t>echo</a:t>
-            </a:r>
-            <a:r>
-              <a:rPr/>
-              <a:t> decides if the code prints at all, while </a:t>
-            </a:r>
-            <a:r>
-              <a:rPr>
-                <a:latin typeface="Courier"/>
-              </a:rPr>
-              <a:t>code-fold</a:t>
-            </a:r>
-            <a:r>
-              <a:rPr/>
-              <a:t> lets readers toggle it open or closed, deciding whether the code can be hidden or expanded. </a:t>
-            </a:r>
-            <a:r>
-              <a:rPr i="1"/>
-              <a:t>Instructor Notes</a:t>
-            </a:r>
-            <a:r>
-              <a:rPr/>
-              <a:t> - It’s easy to confuse </a:t>
-            </a:r>
-            <a:r>
-              <a:rPr>
-                <a:latin typeface="Courier"/>
-              </a:rPr>
-              <a:t>echo</a:t>
-            </a:r>
-            <a:r>
-              <a:rPr/>
-              <a:t> and </a:t>
-            </a:r>
-            <a:r>
-              <a:rPr>
-                <a:latin typeface="Courier"/>
-              </a:rPr>
-              <a:t>code-fold</a:t>
-            </a:r>
-            <a:r>
-              <a:rPr/>
-              <a:t> because they both deal with code visibility. Be clear on the difference.</a:t>
+              <a:t>code-fold: true</a:t>
+            </a:r>
+            <a:r>
+              <a:rPr/>
+              <a:t>) - Quarto gives us several options for controlling how code appears in our documents. For example, we can choose whether to show or hide the code itself, whether readers can fold code open and closed, or whether only the results are shown. - These settings don’t change the analysis, but just change how it’s displayed. This flexibility is helpful because sometimes we want to highlight the process by showing the code, and other times we want readers to focus on the results. - In open research, showing the underlying code isn’t just a technical choice, it’s important for building trust and reproducibility.</a:t>
             </a:r>
           </a:p>
         </p:txBody>
@@ -2479,7 +2493,7 @@
           <a:p>
             <a:fld id="{18BDFEC3-8487-43E8-A154-7C12CBC1FFF2}" type="slidenum">
               <a:rPr lang="en-US"/>
-              <a:t>32</a:t>
+              <a:t>30</a:t>
             </a:fld>
             <a:endParaRPr lang="en-US"/>
           </a:p>
@@ -2538,12 +2552,80 @@
               <a:buNone/>
             </a:pPr>
             <a:r>
-              <a:rPr i="1"/>
-              <a:t>Speaker Note</a:t>
-            </a:r>
-            <a:r>
-              <a:rPr/>
-              <a:t> - Engage students by asking for possible reasons why one would want their code to be visible or not.</a:t>
+              <a:rPr b="1"/>
+              <a:t>Speaker Notes</a:t>
+            </a:r>
+            <a:r>
+              <a:rPr/>
+              <a:t>:  - </a:t>
+            </a:r>
+            <a:r>
+              <a:rPr>
+                <a:latin typeface="Courier"/>
+              </a:rPr>
+              <a:t>echo: true</a:t>
+            </a:r>
+            <a:r>
+              <a:rPr/>
+              <a:t> and </a:t>
+            </a:r>
+            <a:r>
+              <a:rPr>
+                <a:latin typeface="Courier"/>
+              </a:rPr>
+              <a:t>code-fold: false</a:t>
+            </a:r>
+            <a:r>
+              <a:rPr/>
+              <a:t> both affect how code is shown, but in different ways. </a:t>
+            </a:r>
+            <a:r>
+              <a:rPr>
+                <a:latin typeface="Courier"/>
+              </a:rPr>
+              <a:t>echo</a:t>
+            </a:r>
+            <a:r>
+              <a:rPr/>
+              <a:t> decides if the code prints at all, while </a:t>
+            </a:r>
+            <a:r>
+              <a:rPr>
+                <a:latin typeface="Courier"/>
+              </a:rPr>
+              <a:t>code-fold</a:t>
+            </a:r>
+            <a:r>
+              <a:rPr/>
+              <a:t> lets readers toggle it open or closed, deciding whether the code can be hidden or expanded. </a:t>
+            </a:r>
+            <a:r>
+              <a:rPr b="1"/>
+              <a:t>Instructor Notes</a:t>
+            </a:r>
+            <a:r>
+              <a:rPr/>
+              <a:t>:  - It’s easy to confuse </a:t>
+            </a:r>
+            <a:r>
+              <a:rPr>
+                <a:latin typeface="Courier"/>
+              </a:rPr>
+              <a:t>echo</a:t>
+            </a:r>
+            <a:r>
+              <a:rPr/>
+              <a:t> and </a:t>
+            </a:r>
+            <a:r>
+              <a:rPr>
+                <a:latin typeface="Courier"/>
+              </a:rPr>
+              <a:t>code-fold</a:t>
+            </a:r>
+            <a:r>
+              <a:rPr/>
+              <a:t> because they both deal with code visibility. Be clear on the difference.</a:t>
             </a:r>
           </a:p>
         </p:txBody>
@@ -2565,7 +2647,7 @@
           <a:p>
             <a:fld id="{18BDFEC3-8487-43E8-A154-7C12CBC1FFF2}" type="slidenum">
               <a:rPr lang="en-US"/>
-              <a:t>33</a:t>
+              <a:t>31</a:t>
             </a:fld>
             <a:endParaRPr lang="en-US"/>
           </a:p>
@@ -2624,12 +2706,20 @@
               <a:buNone/>
             </a:pPr>
             <a:r>
-              <a:rPr i="1"/>
-              <a:t>Speaker Note</a:t>
-            </a:r>
-            <a:r>
-              <a:rPr/>
-              <a:t> - Before the break, take a moment to review the things we covered in the first part of this lesson. It’s important to have an idea of these key terms because they will reappear many times throughout the rest of this lesson.</a:t>
+              <a:rPr b="1"/>
+              <a:t>Speaker Notes</a:t>
+            </a:r>
+            <a:r>
+              <a:rPr/>
+              <a:t>: ADD </a:t>
+            </a:r>
+            <a:r>
+              <a:rPr b="1"/>
+              <a:t>Instructor Notes</a:t>
+            </a:r>
+            <a:r>
+              <a:rPr/>
+              <a:t>: Engage students by asking for possible reasons why one would want their code to be visible or not.</a:t>
             </a:r>
           </a:p>
         </p:txBody>
@@ -2651,7 +2741,7 @@
           <a:p>
             <a:fld id="{18BDFEC3-8487-43E8-A154-7C12CBC1FFF2}" type="slidenum">
               <a:rPr lang="en-US"/>
-              <a:t>34</a:t>
+              <a:t>32</a:t>
             </a:fld>
             <a:endParaRPr lang="en-US"/>
           </a:p>
@@ -2715,7 +2805,7 @@
             </a:r>
             <a:r>
               <a:rPr/>
-              <a:t>: - Let’s start the session by guaging where our skills are at this point. Please answer honestly and don’t worry about having little to no prior knowledge about Quarto. This lesson is for beginners. </a:t>
+              <a:t>: Are there any questions from what we discussed during the last session? Are there any remaining thoughts or discussion points?  </a:t>
             </a:r>
             <a:r>
               <a:rPr b="1"/>
@@ -2723,7 +2813,7 @@
             </a:r>
             <a:r>
               <a:rPr/>
-              <a:t>: - Aim: the pre-submodule survey serves to examine students’ prior knowledge about the submodule’s topic. - Use free survey software such as particify or formR) to establish this. You can use the example survey, edit it or create your own.</a:t>
+              <a:t>:  - Aim: clarify questions from the previous submodule and/or to discuss assignments. - Additional slides may need to be added depending on the nature of the homework assignments. - It is critical for the learning process to ensure that students are on the same page and have been able to achieve the learning goals of the previous workshop. - Not applicable if this set of slides corresponds to the first submodule of a new module.</a:t>
             </a:r>
           </a:p>
         </p:txBody>
@@ -2745,7 +2835,7 @@
           <a:p>
             <a:fld id="{18BDFEC3-8487-43E8-A154-7C12CBC1FFF2}" type="slidenum">
               <a:rPr lang="en-US"/>
-              <a:t>6</a:t>
+              <a:t>4</a:t>
             </a:fld>
             <a:endParaRPr lang="en-US"/>
           </a:p>
@@ -2804,20 +2894,20 @@
               <a:buNone/>
             </a:pPr>
             <a:r>
-              <a:rPr i="1"/>
+              <a:rPr b="1"/>
               <a:t>Speaker Notes</a:t>
             </a:r>
             <a:r>
               <a:rPr/>
-              <a:t> - This survey has a few simple recap questions about what we’ve covered so far in Quarto. The goal isn’t to test you, but to help you reflect on what you’ve learned and for me to see if anything needs a bit more clarification. </a:t>
-            </a:r>
-            <a:r>
-              <a:rPr i="1"/>
+              <a:t>: ADD </a:t>
+            </a:r>
+            <a:r>
+              <a:rPr b="1"/>
               <a:t>Instructor Notes</a:t>
             </a:r>
             <a:r>
               <a:rPr/>
-              <a:t> - Aim: This pre-break survey serves to examine students’ current understanding of key concepts of the submodule - Use free survey software such as or other survey software (Menti, particify, formR) to establish the following questions.</a:t>
+              <a:t>:  - Before the break, take a moment to review the things we covered in the first part of this lesson. It’s important to have an idea of these key terms because they will reappear many times throughout the rest of this lesson.</a:t>
             </a:r>
           </a:p>
         </p:txBody>
@@ -2839,7 +2929,7 @@
           <a:p>
             <a:fld id="{18BDFEC3-8487-43E8-A154-7C12CBC1FFF2}" type="slidenum">
               <a:rPr lang="en-US"/>
-              <a:t>35</a:t>
+              <a:t>33</a:t>
             </a:fld>
             <a:endParaRPr lang="en-US"/>
           </a:p>
@@ -2898,12 +2988,20 @@
               <a:buNone/>
             </a:pPr>
             <a:r>
-              <a:rPr i="1"/>
+              <a:rPr b="1"/>
               <a:t>Speaker Notes</a:t>
             </a:r>
             <a:r>
               <a:rPr/>
-              <a:t> - Aim: To clarify concepts and aspects that are not yet understood - Highlight specific answers given during the survey - Also, use this time to clarify any confusions or questions on specific topics students may have from the first part of the session.</a:t>
+              <a:t>: This survey has a few simple recap questions about what we’ve covered so far in Quarto. The goal isn’t to test you, but to help you reflect on what you’ve learned and for me to see if anything needs a bit more clarification. </a:t>
+            </a:r>
+            <a:r>
+              <a:rPr b="1"/>
+              <a:t>Instructor Notes</a:t>
+            </a:r>
+            <a:r>
+              <a:rPr/>
+              <a:t>:  - Aim: This pre-break survey serves to examine students’ current understanding of key concepts of the submodule - Use free survey software such as or other survey software (Menti, particify, formR) to establish the following questions.</a:t>
             </a:r>
           </a:p>
         </p:txBody>
@@ -2925,7 +3023,7 @@
           <a:p>
             <a:fld id="{18BDFEC3-8487-43E8-A154-7C12CBC1FFF2}" type="slidenum">
               <a:rPr lang="en-US"/>
-              <a:t>41</a:t>
+              <a:t>34</a:t>
             </a:fld>
             <a:endParaRPr lang="en-US"/>
           </a:p>
@@ -2989,7 +3087,7 @@
             </a:r>
             <a:r>
               <a:rPr/>
-              <a:t> - Beyond writing plain text, Quarto also allows us to add features like hyperlinks, images or videos, and multi-column layouts. These improve how our document communicates. - Hyperlinks let us connect to sources or other sections, media like images and video help explain complex ideas more clearly, and multi-column layouts make the content easier to read and more visually appealing. - Using these features thoughtfully improves both the usability and the overall look of the document.</a:t>
+              <a:t> - Aim: To clarify concepts and aspects that are not yet understood - Highlight specific answers given during the survey - Also, use this time to clarify any confusions or questions on specific topics students may have from the first part of the session.</a:t>
             </a:r>
           </a:p>
         </p:txBody>
@@ -3011,7 +3109,7 @@
           <a:p>
             <a:fld id="{18BDFEC3-8487-43E8-A154-7C12CBC1FFF2}" type="slidenum">
               <a:rPr lang="en-US"/>
-              <a:t>42</a:t>
+              <a:t>40</a:t>
             </a:fld>
             <a:endParaRPr lang="en-US"/>
           </a:p>
@@ -3075,7 +3173,7 @@
             </a:r>
             <a:r>
               <a:rPr/>
-              <a:t> - You can insert a link with a title using square brackets for the text and parentheses for the URL. This is helpful when you want the link to be descriptive or if you want to hyperlink written text. - You can also add a link without a title by simply wrapping the URL in angle brackets (&lt;…&gt;). This shows the raw link, which is fine if the URL itself is clear and concise enough. - A good rule of thumb is to use titled links for readability, and untitled links when you want to show the exact URL.</a:t>
+              <a:t> - Beyond writing plain text, Quarto also allows us to add features like hyperlinks, images or videos, and multi-column layouts. These improve how our document communicates. - Hyperlinks let us connect to sources or other sections, media like images and video help explain complex ideas more clearly, and multi-column layouts make the content easier to read and more visually appealing. - Using these features thoughtfully improves both the usability and the overall look of the document.</a:t>
             </a:r>
           </a:p>
         </p:txBody>
@@ -3097,7 +3195,7 @@
           <a:p>
             <a:fld id="{18BDFEC3-8487-43E8-A154-7C12CBC1FFF2}" type="slidenum">
               <a:rPr lang="en-US"/>
-              <a:t>43</a:t>
+              <a:t>41</a:t>
             </a:fld>
             <a:endParaRPr lang="en-US"/>
           </a:p>
@@ -3161,7 +3259,7 @@
             </a:r>
             <a:r>
               <a:rPr/>
-              <a:t> - A benefit of using Quarto is the ability to easily add media, such as images, to your documents. - For this lesson, we will focus on just adding images. You can add the image by itself with no additional text, such as a caption. - The “path” tells Quarto where to find the image on your device. If the image is stored in the same folder as your .qmd file, you only need to use the image’s file name. If the image is inside a subfolder (e.g., an images folder next to your .qmd), then you just include the folder name in the path, like images/picture.png.</a:t>
+              <a:t> - You can insert a link with a title using square brackets for the text and parentheses for the URL. This is helpful when you want the link to be descriptive or if you want to hyperlink written text. - You can also add a link without a title by simply wrapping the URL in angle brackets (&lt;…&gt;). This shows the raw link, which is fine if the URL itself is clear and concise enough. - A good rule of thumb is to use titled links for readability, and untitled links when you want to show the exact URL.</a:t>
             </a:r>
           </a:p>
         </p:txBody>
@@ -3183,7 +3281,7 @@
           <a:p>
             <a:fld id="{18BDFEC3-8487-43E8-A154-7C12CBC1FFF2}" type="slidenum">
               <a:rPr lang="en-US"/>
-              <a:t>44</a:t>
+              <a:t>42</a:t>
             </a:fld>
             <a:endParaRPr lang="en-US"/>
           </a:p>
@@ -3247,7 +3345,7 @@
             </a:r>
             <a:r>
               <a:rPr/>
-              <a:t> - Images can also be inserted with a caption placed below it. - Helps with clarity and accessibility, since captions explain the relevance of the image. - Also useful in reports, presentations, or academic writing where figures must be labeled.</a:t>
+              <a:t> - A benefit of using Quarto is the ability to easily add media, such as images, to your documents. - For this lesson, we will focus on just adding images. You can add the image by itself with no additional text, such as a caption. - The “path” tells Quarto where to find the image on your device. If the image is stored in the same folder as your .qmd file, you only need to use the image’s file name. If the image is inside a subfolder (For example, an images folder next to your .qmd), then you just include the folder name in the path, like images/picture.png.</a:t>
             </a:r>
           </a:p>
         </p:txBody>
@@ -3269,7 +3367,7 @@
           <a:p>
             <a:fld id="{18BDFEC3-8487-43E8-A154-7C12CBC1FFF2}" type="slidenum">
               <a:rPr lang="en-US"/>
-              <a:t>45</a:t>
+              <a:t>43</a:t>
             </a:fld>
             <a:endParaRPr lang="en-US"/>
           </a:p>
@@ -3333,7 +3431,7 @@
             </a:r>
             <a:r>
               <a:rPr/>
-              <a:t> - Images can also be inserted with links embedded in them. - This allows readers to click and explore more details (e.g., linking a screenshot to a website or dataset). - Keeps documents concise while still offering extra resources for those who want them.</a:t>
+              <a:t> - Images can also be inserted with a caption placed below it. - Helps with clarity and accessibility, since captions explain the relevance of the image. - Also useful in reports, presentations, or academic writing where figures must be labeled.</a:t>
             </a:r>
           </a:p>
         </p:txBody>
@@ -3355,7 +3453,7 @@
           <a:p>
             <a:fld id="{18BDFEC3-8487-43E8-A154-7C12CBC1FFF2}" type="slidenum">
               <a:rPr lang="en-US"/>
-              <a:t>46</a:t>
+              <a:t>44</a:t>
             </a:fld>
             <a:endParaRPr lang="en-US"/>
           </a:p>
@@ -3419,15 +3517,7 @@
             </a:r>
             <a:r>
               <a:rPr/>
-              <a:t> - Aims: to reinforce how to add images, how to insert captions, and how paths work. - Simply click the link and the image will automatically download. - The text inside the square brackets is the caption, and the text inside the parentheses is the path to the image file. - Reminder that the path tells Quarto where to look for the image on your deivce. - If your image is saved directly in the same folder as your .qmd file, you only need the file name. If it’s in a subfolder, include the folder name in the path. </a:t>
-            </a:r>
-            <a:r>
-              <a:rPr i="1"/>
-              <a:t>Instructor Notes</a:t>
-            </a:r>
-            <a:r>
-              <a:rPr/>
-              <a:t> - Setting the path can be tricky depending on where the files are located - It’s a good practice to save these files in the same main folder as your Quarto document files (ideally in a dedicated subfolder named “images” to keep paths organized and easy to manage). If students saved and placed their main folder earlier, then locating it should be easy. - in the Task above, the text says “images/chickpic1.png” assuming the picture is saved in a folder called “Images” in a main folder containing all the Quarto document files.</a:t>
+              <a:t> - Images can also be inserted with links embedded in them. - This allows readers to click and explore more details (for example, linking a screenshot to a website or dataset). - Keeps documents concise while still offering extra resources for those who want them.</a:t>
             </a:r>
           </a:p>
         </p:txBody>
@@ -3449,7 +3539,7 @@
           <a:p>
             <a:fld id="{18BDFEC3-8487-43E8-A154-7C12CBC1FFF2}" type="slidenum">
               <a:rPr lang="en-US"/>
-              <a:t>47</a:t>
+              <a:t>45</a:t>
             </a:fld>
             <a:endParaRPr lang="en-US"/>
           </a:p>
@@ -3513,7 +3603,15 @@
             </a:r>
             <a:r>
               <a:rPr/>
-              <a:t> - Columns are useful when you want to organize content side by side instead of in a long vertical flow. For e.g., you might place an image in one column and an explanation in the other, or compare two code outputs directly next to each other like comparing two separate plots. - Columns help make information easier to scan and can improve the balance and readability of your slides or documents.</a:t>
+              <a:t> - Aims: to reinforce how to add images, how to insert captions, and how paths work. - Simply click the link and the image will automatically download. - The text inside the square brackets is the caption, and the text inside the parentheses is the path to the image file. - Reminder that the path tells Quarto where to look for the image on your deivce. - If your image is saved directly in the same folder as your .qmd file, you only need the file name. If it’s in a subfolder, include the folder name in the path. </a:t>
+            </a:r>
+            <a:r>
+              <a:rPr i="1"/>
+              <a:t>Instructor Notes</a:t>
+            </a:r>
+            <a:r>
+              <a:rPr/>
+              <a:t> - Setting the path can be tricky depending on where the files are located - It’s a good practice to save these files in the same main folder as your Quarto document files (ideally in a dedicated subfolder named “images” to keep paths organized and easy to manage). If students saved and placed their main folder earlier, then locating it should be easy. - in the Task above, the text says “images/chickpic1.png” assuming the picture is saved in a folder called “Images” in a main folder containing all the Quarto document files.</a:t>
             </a:r>
           </a:p>
         </p:txBody>
@@ -3535,7 +3633,7 @@
           <a:p>
             <a:fld id="{18BDFEC3-8487-43E8-A154-7C12CBC1FFF2}" type="slidenum">
               <a:rPr lang="en-US"/>
-              <a:t>48</a:t>
+              <a:t>46</a:t>
             </a:fld>
             <a:endParaRPr lang="en-US"/>
           </a:p>
@@ -3599,7 +3697,7 @@
             </a:r>
             <a:r>
               <a:rPr/>
-              <a:t> - One of the ways you can utlilize columns is by placing an image on one side and bullet points next to it. - The link leads to separate image from the previous one, please click to initiate another download. - Reminder that where the image is stored is important for setting the path.</a:t>
+              <a:t> - Columns are useful when you want to organize content side by side instead of in a long vertical flow. For example, you might place an image in one column and an explanation in the other, or compare two code outputs directly next to each other like comparing two separate plots. - Columns help make information easier to scan and can improve the balance and readability of your slides or documents.</a:t>
             </a:r>
           </a:p>
         </p:txBody>
@@ -3621,7 +3719,7 @@
           <a:p>
             <a:fld id="{18BDFEC3-8487-43E8-A154-7C12CBC1FFF2}" type="slidenum">
               <a:rPr lang="en-US"/>
-              <a:t>49</a:t>
+              <a:t>47</a:t>
             </a:fld>
             <a:endParaRPr lang="en-US"/>
           </a:p>
@@ -3685,7 +3783,15 @@
             </a:r>
             <a:r>
               <a:rPr/>
-              <a:t>: - Aim: briefly examine the answers given to each question interactively with the group. - Use visuals from the survey to highlight specific answers. - Make it clear to the group that there will be a similar post-submodule survey to examine understanding and learning progress.</a:t>
+              <a:t>:  - Let’s start the session by gauging where our Quarto skills are at this point. Please answer honestly and don’t worry about having little to no prior knowledge about Quarto. This lesson is for beginners. </a:t>
+            </a:r>
+            <a:r>
+              <a:rPr b="1"/>
+              <a:t>Instructor Notes</a:t>
+            </a:r>
+            <a:r>
+              <a:rPr/>
+              <a:t>:  - Aim: the pre-submodule survey serves to examine students’ prior knowledge about the submodule’s topic. - Use free survey software such as particify to establish this. You can use the example survey, edit it or create your own. Make sure to have a QR code for easy scanning, as well as the link displayed on the slides.</a:t>
             </a:r>
           </a:p>
         </p:txBody>
@@ -3707,7 +3813,7 @@
           <a:p>
             <a:fld id="{18BDFEC3-8487-43E8-A154-7C12CBC1FFF2}" type="slidenum">
               <a:rPr lang="en-US"/>
-              <a:t>7</a:t>
+              <a:t>5</a:t>
             </a:fld>
             <a:endParaRPr lang="en-US"/>
           </a:p>
@@ -3771,85 +3877,7 @@
             </a:r>
             <a:r>
               <a:rPr/>
-              <a:t> - The image in this exercise will be inserted without caption, hence, the square brackets are left blank. But it is still necessary to add them. - This is also an opportunity to see how bullet points are added: by using a dash (-), followed by a single space, then the content. </a:t>
-            </a:r>
-            <a:r>
-              <a:rPr i="1"/>
-              <a:t>Instructor Note</a:t>
-            </a:r>
-            <a:r>
-              <a:rPr/>
-              <a:t> - The details of the syntax for columns is very important here too: - beginning and ending with exatly 6 </a:t>
-            </a:r>
-            <a:r>
-              <a:rPr>
-                <a:latin typeface="Courier"/>
-              </a:rPr>
-              <a:t>::::::</a:t>
-            </a:r>
-            <a:r>
-              <a:rPr/>
-              <a:t> - beginning the layout with the word </a:t>
-            </a:r>
-            <a:r>
-              <a:rPr>
-                <a:latin typeface="Courier"/>
-              </a:rPr>
-              <a:t>columns</a:t>
-            </a:r>
-            <a:r>
-              <a:rPr/>
-              <a:t> (plural) then using </a:t>
-            </a:r>
-            <a:r>
-              <a:rPr>
-                <a:latin typeface="Courier"/>
-              </a:rPr>
-              <a:t>column</a:t>
-            </a:r>
-            <a:r>
-              <a:rPr/>
-              <a:t> (singular) to divide each subsequent column - a single space between </a:t>
-            </a:r>
-            <a:r>
-              <a:rPr>
-                <a:latin typeface="Courier"/>
-              </a:rPr>
-              <a:t>::::::</a:t>
-            </a:r>
-            <a:r>
-              <a:rPr/>
-              <a:t> and </a:t>
-            </a:r>
-            <a:r>
-              <a:rPr>
-                <a:latin typeface="Courier"/>
-              </a:rPr>
-              <a:t>columns</a:t>
-            </a:r>
-            <a:r>
-              <a:rPr/>
-              <a:t> as well as between </a:t>
-            </a:r>
-            <a:r>
-              <a:rPr>
-                <a:latin typeface="Courier"/>
-              </a:rPr>
-              <a:t>:::</a:t>
-            </a:r>
-            <a:r>
-              <a:rPr/>
-              <a:t> and </a:t>
-            </a:r>
-            <a:r>
-              <a:rPr>
-                <a:latin typeface="Courier"/>
-              </a:rPr>
-              <a:t>column</a:t>
-            </a:r>
-            <a:r>
-              <a:rPr/>
-              <a:t> - Mistakes here will result in warning messages when rendering</a:t>
+              <a:t> - One of the ways you can utlilize columns is by placing an image on one side and bullet points next to it. - The link leads to separate image from the previous one, please click to initiate another download. - Reminder that where the image is stored is important for setting the path.</a:t>
             </a:r>
           </a:p>
         </p:txBody>
@@ -3871,7 +3899,7 @@
           <a:p>
             <a:fld id="{18BDFEC3-8487-43E8-A154-7C12CBC1FFF2}" type="slidenum">
               <a:rPr lang="en-US"/>
-              <a:t>50</a:t>
+              <a:t>48</a:t>
             </a:fld>
             <a:endParaRPr lang="en-US"/>
           </a:p>
@@ -3935,7 +3963,85 @@
             </a:r>
             <a:r>
               <a:rPr/>
-              <a:t> - Zotero is a reference manager that helps you collect and organize research articles, books, and other sources. When you connect Zotero to Quarto, you can easily insert citations while writing and then automatically generate a reference list at the end. This saves time and reduces errors compared to typing citations manually.</a:t>
+              <a:t> - The image in this exercise will be inserted without caption, hence, the square brackets are left blank. But it is still necessary to add them. - This is also an opportunity to see how bullet points are added: by using a dash (-), followed by a single space, then the content. </a:t>
+            </a:r>
+            <a:r>
+              <a:rPr i="1"/>
+              <a:t>Instructor Note</a:t>
+            </a:r>
+            <a:r>
+              <a:rPr/>
+              <a:t> - The details of the syntax for columns is very important here too: - beginning and ending with exatly 6 </a:t>
+            </a:r>
+            <a:r>
+              <a:rPr>
+                <a:latin typeface="Courier"/>
+              </a:rPr>
+              <a:t>::::::</a:t>
+            </a:r>
+            <a:r>
+              <a:rPr/>
+              <a:t> - beginning the layout with the word </a:t>
+            </a:r>
+            <a:r>
+              <a:rPr>
+                <a:latin typeface="Courier"/>
+              </a:rPr>
+              <a:t>columns</a:t>
+            </a:r>
+            <a:r>
+              <a:rPr/>
+              <a:t> (plural) then using </a:t>
+            </a:r>
+            <a:r>
+              <a:rPr>
+                <a:latin typeface="Courier"/>
+              </a:rPr>
+              <a:t>column</a:t>
+            </a:r>
+            <a:r>
+              <a:rPr/>
+              <a:t> (singular) to divide each subsequent column - a single space between </a:t>
+            </a:r>
+            <a:r>
+              <a:rPr>
+                <a:latin typeface="Courier"/>
+              </a:rPr>
+              <a:t>::::::</a:t>
+            </a:r>
+            <a:r>
+              <a:rPr/>
+              <a:t> and </a:t>
+            </a:r>
+            <a:r>
+              <a:rPr>
+                <a:latin typeface="Courier"/>
+              </a:rPr>
+              <a:t>columns</a:t>
+            </a:r>
+            <a:r>
+              <a:rPr/>
+              <a:t> as well as between </a:t>
+            </a:r>
+            <a:r>
+              <a:rPr>
+                <a:latin typeface="Courier"/>
+              </a:rPr>
+              <a:t>:::</a:t>
+            </a:r>
+            <a:r>
+              <a:rPr/>
+              <a:t> and </a:t>
+            </a:r>
+            <a:r>
+              <a:rPr>
+                <a:latin typeface="Courier"/>
+              </a:rPr>
+              <a:t>column</a:t>
+            </a:r>
+            <a:r>
+              <a:rPr/>
+              <a:t> - Mistakes here will result in warning messages when rendering</a:t>
             </a:r>
           </a:p>
         </p:txBody>
@@ -3957,7 +4063,7 @@
           <a:p>
             <a:fld id="{18BDFEC3-8487-43E8-A154-7C12CBC1FFF2}" type="slidenum">
               <a:rPr lang="en-US"/>
-              <a:t>51</a:t>
+              <a:t>49</a:t>
             </a:fld>
             <a:endParaRPr lang="en-US"/>
           </a:p>
@@ -4021,17 +4127,7 @@
             </a:r>
             <a:r>
               <a:rPr/>
-              <a:t> - To add citations in Quarto, you’ll need Zotero open on your device. - In RStudio, switch to the Visual Editor, which makes citation insertion easier. - Make sure your YAML header includes </a:t>
-            </a:r>
-            <a:r>
-              <a:rPr>
-                <a:latin typeface="Courier"/>
-              </a:rPr>
-              <a:t>bibliography: references.bib</a:t>
-            </a:r>
-            <a:r>
-              <a:rPr/>
-              <a:t> so Quarto knows where to look for your references. - Then, simply go to the toolbar, click Insert → Citation, and you’ll be able to search your Zotero library directly. - Once you add citations in the text, Quarto automatically generates a reference list or bibliography at the end of your document so that you don’t have to format it manually.</a:t>
+              <a:t> - Zotero is a reference manager that helps you collect and organize research articles, books, and other sources. When you connect Zotero to Quarto, you can easily insert citations while writing and then automatically generate a reference list at the end. This saves time and reduces errors compared to typing citations manually.</a:t>
             </a:r>
           </a:p>
         </p:txBody>
@@ -4053,7 +4149,7 @@
           <a:p>
             <a:fld id="{18BDFEC3-8487-43E8-A154-7C12CBC1FFF2}" type="slidenum">
               <a:rPr lang="en-US"/>
-              <a:t>53</a:t>
+              <a:t>50</a:t>
             </a:fld>
             <a:endParaRPr lang="en-US"/>
           </a:p>
@@ -4117,15 +4213,17 @@
             </a:r>
             <a:r>
               <a:rPr/>
-              <a:t> - When you click “My Library,” it mirrors what folders you’ve created in Zotero Library. This helps you navigate to the folder where the citation is stored. - After inserting a citation once, you see what citation key is assigned to it for easier referencing later in the text. But the way the citation key is written is different for regular and in-text citations. </a:t>
-            </a:r>
-            <a:r>
-              <a:rPr i="1"/>
-              <a:t>Instructor Note</a:t>
-            </a:r>
-            <a:r>
-              <a:rPr/>
-              <a:t> - the Zotero program needs to be open on the device for the “Zotero” option to show up in RStudio like it does in the image.</a:t>
+              <a:t> - To add citations in Quarto, you’ll need Zotero open on your device. - In RStudio, switch to the Visual Editor, which makes citation insertion easier. - Make sure your YAML header includes </a:t>
+            </a:r>
+            <a:r>
+              <a:rPr>
+                <a:latin typeface="Courier"/>
+              </a:rPr>
+              <a:t>bibliography: references.bib</a:t>
+            </a:r>
+            <a:r>
+              <a:rPr/>
+              <a:t> so Quarto knows where to look for your references. - Then, simply go to the toolbar, click Insert → Citation, and you’ll be able to search your Zotero library directly. - Once you add citations in the text, Quarto automatically generates a reference list or bibliography at the end of your document so that you don’t have to format it manually.</a:t>
             </a:r>
           </a:p>
         </p:txBody>
@@ -4147,7 +4245,7 @@
           <a:p>
             <a:fld id="{18BDFEC3-8487-43E8-A154-7C12CBC1FFF2}" type="slidenum">
               <a:rPr lang="en-US"/>
-              <a:t>54</a:t>
+              <a:t>52</a:t>
             </a:fld>
             <a:endParaRPr lang="en-US"/>
           </a:p>
@@ -4211,15 +4309,15 @@
             </a:r>
             <a:r>
               <a:rPr/>
-              <a:t> - Aim: to show how using Zotero with RStudio to insert citations and generates bibliography simplifies the referencing process - Follow these steps to add a citation to your Zotero library and add some information extracted from it to your Quarto document. </a:t>
+              <a:t> - When you click “My Library,” it mirrors what folders you’ve created in Zotero Library. This helps you navigate to the folder where the citation is stored. - After inserting a citation once, you see what citation key is assigned to it for easier referencing later in the text. But the way the citation key is written is different for regular and in-text citations. </a:t>
             </a:r>
             <a:r>
               <a:rPr i="1"/>
-              <a:t>Instructor Notes</a:t>
-            </a:r>
-            <a:r>
-              <a:rPr/>
-              <a:t> - There are several ways to add a citation to your Zotero library but an easy way is using the ‘magic wand’ (adding the item by its identifier). Here, you can just copy the DOI of the study, hit Enter, and it will be added to Zotero. The DOIs of the articles in these tasks will be clearly visible so this method is recommended.</a:t>
+              <a:t>Instructor Note</a:t>
+            </a:r>
+            <a:r>
+              <a:rPr/>
+              <a:t> - the Zotero program needs to be open on the device for the “Zotero” option to show up in RStudio like it does in the image.</a:t>
             </a:r>
           </a:p>
         </p:txBody>
@@ -4241,7 +4339,7 @@
           <a:p>
             <a:fld id="{18BDFEC3-8487-43E8-A154-7C12CBC1FFF2}" type="slidenum">
               <a:rPr lang="en-US"/>
-              <a:t>55</a:t>
+              <a:t>53</a:t>
             </a:fld>
             <a:endParaRPr lang="en-US"/>
           </a:p>
@@ -4305,7 +4403,7 @@
             </a:r>
             <a:r>
               <a:rPr/>
-              <a:t> - Follow these steps to add the citation to the end of the text. - It is possible to add citations in Source mode, but it is easier and more efficient to do it in Visual mdoe. </a:t>
+              <a:t> - Aim: to show how using Zotero with RStudio to insert citations and generates bibliography simplifies the referencing process - Follow these steps to add a citation to your Zotero library and add some information extracted from it to your Quarto document. </a:t>
             </a:r>
             <a:r>
               <a:rPr i="1"/>
@@ -4313,7 +4411,7 @@
             </a:r>
             <a:r>
               <a:rPr/>
-              <a:t> - This is also a good opportunity for students to see all the work they’ve done so far in the Quarto document now in Visual mode.</a:t>
+              <a:t> - There are several ways to add a citation to your Zotero library but an easy way is using the ‘magic wand’ (adding the item by its identifier). Here, you can just copy the DOI of the study, hit Enter, and it will be added to Zotero. The DOIs of the articles in these tasks will be clearly visible so this method is recommended.</a:t>
             </a:r>
           </a:p>
         </p:txBody>
@@ -4335,7 +4433,7 @@
           <a:p>
             <a:fld id="{18BDFEC3-8487-43E8-A154-7C12CBC1FFF2}" type="slidenum">
               <a:rPr lang="en-US"/>
-              <a:t>56</a:t>
+              <a:t>54</a:t>
             </a:fld>
             <a:endParaRPr lang="en-US"/>
           </a:p>
@@ -4399,7 +4497,15 @@
             </a:r>
             <a:r>
               <a:rPr/>
-              <a:t> - Follow these steps to place an in-text citation at the beginning of the text. This is another article, meaning that you will have to click the link to go to it and add it to your Zotero library. - Reminder that in-text citation is a short reference within the sentence itself that points to the full source that you’re citing.</a:t>
+              <a:t> - Follow these steps to add the citation to the end of the text. - It is possible to add citations in Source mode, but it is easier and more efficient to do it in Visual mdoe. </a:t>
+            </a:r>
+            <a:r>
+              <a:rPr i="1"/>
+              <a:t>Instructor Notes</a:t>
+            </a:r>
+            <a:r>
+              <a:rPr/>
+              <a:t> - This is also a good opportunity for students to see all the work they’ve done so far in the Quarto document now in Visual mode.</a:t>
             </a:r>
           </a:p>
         </p:txBody>
@@ -4421,7 +4527,7 @@
           <a:p>
             <a:fld id="{18BDFEC3-8487-43E8-A154-7C12CBC1FFF2}" type="slidenum">
               <a:rPr lang="en-US"/>
-              <a:t>57</a:t>
+              <a:t>55</a:t>
             </a:fld>
             <a:endParaRPr lang="en-US"/>
           </a:p>
@@ -4485,7 +4591,7 @@
             </a:r>
             <a:r>
               <a:rPr/>
-              <a:t> - This box needs to be checked and un-checked accordingly when adding citations.</a:t>
+              <a:t> - Follow these steps to place an in-text citation at the beginning of the text. This is another article, meaning that you will have to click the link to go to it and add it to your Zotero library. - Reminder that in-text citation is a short reference within the sentence itself that points to the full source that you’re citing.</a:t>
             </a:r>
           </a:p>
         </p:txBody>
@@ -4507,7 +4613,7 @@
           <a:p>
             <a:fld id="{18BDFEC3-8487-43E8-A154-7C12CBC1FFF2}" type="slidenum">
               <a:rPr lang="en-US"/>
-              <a:t>59</a:t>
+              <a:t>56</a:t>
             </a:fld>
             <a:endParaRPr lang="en-US"/>
           </a:p>
@@ -4571,7 +4677,7 @@
             </a:r>
             <a:r>
               <a:rPr/>
-              <a:t> - When you render, you should have three key elements in your Quarto document: a citation, an in-text citation, and a reference list or bibliography at the end. - As you can see, Quarto does most of the heavy lifting as long as you insert citations correctly and the bibliography builds automatically. - Also, if you ever need to follow a specific format, like APA or Chicago, you can easily change the citation style by adding a CSL file in your YAML. It can be a link directly to the Zotero website so that you don’t have to download any additional files.</a:t>
+              <a:t> - This box needs to be checked and un-checked accordingly when adding citations.</a:t>
             </a:r>
           </a:p>
         </p:txBody>
@@ -4593,7 +4699,7 @@
           <a:p>
             <a:fld id="{18BDFEC3-8487-43E8-A154-7C12CBC1FFF2}" type="slidenum">
               <a:rPr lang="en-US"/>
-              <a:t>62</a:t>
+              <a:t>58</a:t>
             </a:fld>
             <a:endParaRPr lang="en-US"/>
           </a:p>
@@ -4657,25 +4763,7 @@
             </a:r>
             <a:r>
               <a:rPr/>
-              <a:t> - Publishing in Quarto is all about making your work accessible to others. Once you’ve created and rendered your document, you can share it online so that collaborators, students, or the wider community can view it. Quarto supports multiple publishing options, including GitHub Pages, Quarto Pub, or even your own personal website.</a:t>
-            </a:r>
-          </a:p>
-          <a:p>
-            <a:pPr lvl="0" indent="0" marL="0">
-              <a:buNone/>
-            </a:pPr>
-          </a:p>
-          <a:p>
-            <a:pPr lvl="0" indent="0" marL="0">
-              <a:buNone/>
-            </a:pPr>
-            <a:r>
-              <a:rPr i="1"/>
-              <a:t>Instructor Notes</a:t>
-            </a:r>
-            <a:r>
-              <a:rPr/>
-              <a:t> - The key takeaway here is that publishing turns your local work into something that can be accessed from anywhere.</a:t>
+              <a:t> - When you render, you should have three key elements in your Quarto document: a citation, an in-text citation, and a reference list or bibliography at the end. - As you can see, Quarto does most of the heavy lifting as long as you insert citations correctly and the bibliography builds automatically. - Also, if you ever need to follow a specific format, like APA or Chicago, you can easily change the citation style by adding a CSL file in your YAML. It can be a link directly to the Zotero website so that you don’t have to download any additional files.</a:t>
             </a:r>
           </a:p>
         </p:txBody>
@@ -4697,7 +4785,7 @@
           <a:p>
             <a:fld id="{18BDFEC3-8487-43E8-A154-7C12CBC1FFF2}" type="slidenum">
               <a:rPr lang="en-US"/>
-              <a:t>63</a:t>
+              <a:t>61</a:t>
             </a:fld>
             <a:endParaRPr lang="en-US"/>
           </a:p>
@@ -4756,8 +4844,20 @@
               <a:buNone/>
             </a:pPr>
             <a:r>
-              <a:rPr/>
-              <a:t>:*Speaker Notes**: - Aim: Place the topic of the current submodule within a broader context. - Remind students what you are working towards and what the bigger picture is.</a:t>
+              <a:rPr b="1"/>
+              <a:t>Speaker Notes</a:t>
+            </a:r>
+            <a:r>
+              <a:rPr/>
+              <a:t>: Looking at the results from this small survey, what can we take from this?  </a:t>
+            </a:r>
+            <a:r>
+              <a:rPr b="1"/>
+              <a:t>Instructor Notes</a:t>
+            </a:r>
+            <a:r>
+              <a:rPr/>
+              <a:t>:  - Aim: briefly examine the answers given to each question interactively with the group. - Use visuals from the survey to highlight specific answers. - Make it clear to the group that there will be a similar post-submodule survey to examine understanding and learning progress.</a:t>
             </a:r>
           </a:p>
         </p:txBody>
@@ -4779,7 +4879,7 @@
           <a:p>
             <a:fld id="{18BDFEC3-8487-43E8-A154-7C12CBC1FFF2}" type="slidenum">
               <a:rPr lang="en-US"/>
-              <a:t>8</a:t>
+              <a:t>6</a:t>
             </a:fld>
             <a:endParaRPr lang="en-US"/>
           </a:p>
@@ -4843,7 +4943,25 @@
             </a:r>
             <a:r>
               <a:rPr/>
-              <a:t> - GitHub is one of the most common platforms for sharing code and documents. One of its biggest advantages is version control, which means you can track every change made to your files and even go back to earlier versions if needed. - For Quarto, publishing to GitHub is a great option because it’s free, widely used, and makes your work easily accessible to others. - The simplest way is through GitHub Pages, which lets you turn your Quarto document into a live website that anyone can access.</a:t>
+              <a:t> - Publishing in Quarto is all about making your work accessible to others. Once you’ve created and rendered your document, you can share it online so that collaborators, students, or the wider community can view it. Quarto supports multiple publishing options, including GitHub Pages, Quarto Pub, or even your own personal website.</a:t>
+            </a:r>
+          </a:p>
+          <a:p>
+            <a:pPr lvl="0" indent="0" marL="0">
+              <a:buNone/>
+            </a:pPr>
+          </a:p>
+          <a:p>
+            <a:pPr lvl="0" indent="0" marL="0">
+              <a:buNone/>
+            </a:pPr>
+            <a:r>
+              <a:rPr i="1"/>
+              <a:t>Instructor Notes</a:t>
+            </a:r>
+            <a:r>
+              <a:rPr/>
+              <a:t> - The key takeaway here is that publishing turns your local work into something that can be accessed from anywhere.</a:t>
             </a:r>
           </a:p>
         </p:txBody>
@@ -4865,7 +4983,7 @@
           <a:p>
             <a:fld id="{18BDFEC3-8487-43E8-A154-7C12CBC1FFF2}" type="slidenum">
               <a:rPr lang="en-US"/>
-              <a:t>64</a:t>
+              <a:t>62</a:t>
             </a:fld>
             <a:endParaRPr lang="en-US"/>
           </a:p>
@@ -4929,7 +5047,25 @@
             </a:r>
             <a:r>
               <a:rPr/>
-              <a:t> - GitHub Pages makes it possible to publish Quarto content as a live website, directly from your GitHub repository. There are three main ways to do this: - The simplest way is to render your document to a docs folder and commit it to your repo. GitHub Pages can then serve those files as a website. “Docs” here is a folder in your project where you put the files that should be published as a website. - You can also use the quarto publish command, which pushes your rendered site to GitHub Pages automatically. - For a more advanced setup, you can use GitHub Actions so that every time you push changes to your repo, the site automatically re-renders and updates online. - Whichever method you use depends on how automated you want the process to be.</a:t>
+              <a:t> - As practitioners of open research, sharing your work is more than just making it available. It’s also about being responsible and following certain standards. There are legal aspects of sharing that we should consider such as - Licenses that define how other may use your work, - The importance of archiving to preserve your work in the long run - Established best practices to make sure our research remains credible and reusable.</a:t>
+            </a:r>
+          </a:p>
+          <a:p>
+            <a:pPr lvl="0" indent="0" marL="0">
+              <a:buNone/>
+            </a:pPr>
+          </a:p>
+          <a:p>
+            <a:pPr lvl="0" indent="0" marL="0">
+              <a:buNone/>
+            </a:pPr>
+            <a:r>
+              <a:rPr i="1"/>
+              <a:t>Instructor Notes</a:t>
+            </a:r>
+            <a:r>
+              <a:rPr/>
+              <a:t> - Aim: To inform students that open science involves thoughtful practices. In this case, sharing should be done with legality, licenses, and reusability in mind. - We will not practice this in the session but it is good to know moving forward.</a:t>
             </a:r>
           </a:p>
         </p:txBody>
@@ -4951,7 +5087,7 @@
           <a:p>
             <a:fld id="{18BDFEC3-8487-43E8-A154-7C12CBC1FFF2}" type="slidenum">
               <a:rPr lang="en-US"/>
-              <a:t>65</a:t>
+              <a:t>63</a:t>
             </a:fld>
             <a:endParaRPr lang="en-US"/>
           </a:p>
@@ -5015,7 +5151,7 @@
             </a:r>
             <a:r>
               <a:rPr/>
-              <a:t> - For this lesson, we will publish our completed Quarto document with all the additions we’ve made to Git Pages using the “Render to docs” method.</a:t>
+              <a:t> - GitHub is one of the most common platforms for sharing code and documents. One of its biggest advantages is version control, which means you can track every change made to your files and even go back to earlier versions if needed. - For Quarto, publishing to GitHub is a great option because it’s free, widely used, and makes your work easily accessible to others. - The simplest way is through GitHub Pages, which lets you turn your Quarto document into a live website that anyone can access.</a:t>
             </a:r>
           </a:p>
         </p:txBody>
@@ -5037,7 +5173,7 @@
           <a:p>
             <a:fld id="{18BDFEC3-8487-43E8-A154-7C12CBC1FFF2}" type="slidenum">
               <a:rPr lang="en-US"/>
-              <a:t>66</a:t>
+              <a:t>64</a:t>
             </a:fld>
             <a:endParaRPr lang="en-US"/>
           </a:p>
@@ -5101,15 +5237,7 @@
             </a:r>
             <a:r>
               <a:rPr/>
-              <a:t> - When publishing to GitHub, we’ll often use Git Bash, which is a command-line tool for running Git commands. Fortunately, you don’t have to leave RStudio to use it by opening Git Bash directly inside RStudio’s Terminal tab. - To do this, go to Terminal → Terminal Options, and under ‘New terminals open with,’ select Git Bash. Then, when you click Terminal → New Terminal, it will open Git Bash automatically, ready for you to start working. - This setup keeps everything in one place so you don’t need to switch between RStudio and an external terminal. </a:t>
-            </a:r>
-            <a:r>
-              <a:rPr i="1"/>
-              <a:t>Instructor Notes</a:t>
-            </a:r>
-            <a:r>
-              <a:rPr/>
-              <a:t> - Git Bash should be installed on the student’s device. - When you click the drop-down arrow by Terminal, the options may look different than what’s in the image in this slide, but the “Terminal Options…” will be at the end (you may have to scroll a bit). - The last step (open a new Terminal) is important because the current Terminal does not automatically change to Git Bash.</a:t>
+              <a:t> - GitHub Pages makes it possible to publish Quarto content as a live website, directly from your GitHub repository. There are three main ways to do this: - The simplest way is to render your document to a docs folder and commit it to your repo. GitHub Pages can then serve those files as a website. “Docs” here is a folder in your project where you put the files that should be published as a website. - You can also use the quarto publish command, which pushes your rendered site to GitHub Pages automatically. - For a more advanced setup, you can use GitHub Actions so that every time you push changes to your repo, the site automatically re-renders and updates online. - Whichever method you use depends on how automated you want the process to be.</a:t>
             </a:r>
           </a:p>
         </p:txBody>
@@ -5131,7 +5259,7 @@
           <a:p>
             <a:fld id="{18BDFEC3-8487-43E8-A154-7C12CBC1FFF2}" type="slidenum">
               <a:rPr lang="en-US"/>
-              <a:t>69</a:t>
+              <a:t>65</a:t>
             </a:fld>
             <a:endParaRPr lang="en-US"/>
           </a:p>
@@ -5195,71 +5323,7 @@
             </a:r>
             <a:r>
               <a:rPr/>
-              <a:t> - In this exercise, we’re preparing our Quarto document so it can be published on GitHub Pages. First, edit the YAML header of your Quarto document to define it as a website project and set the output to the docs folder. This tells Quarto where to place the rendered files that GitHub Pages will serve. - Next, set up your terminal in RStudio to use Git Bash by following the steps in the previous slide. - From there, you’ll use the </a:t>
-            </a:r>
-            <a:r>
-              <a:rPr>
-                <a:latin typeface="Courier"/>
-              </a:rPr>
-              <a:t>cd</a:t>
-            </a:r>
-            <a:r>
-              <a:rPr/>
-              <a:t> command to change into the main folder where your Quarto files are stored. This step makes sure any Git commands you run apply to the right project folder. </a:t>
-            </a:r>
-            <a:r>
-              <a:rPr i="1"/>
-              <a:t>Instructor Notes</a:t>
-            </a:r>
-            <a:r>
-              <a:rPr/>
-              <a:t> - Reminder that copying &amp; pasting with keyboard shortcuts do not work the same in Git Bash. Right-clicking and selecting Paste is an easy option. - Sometimes in Git Bash/Terminal, just copying &amp; pasting will run the command, but sometimes you need to hit Enter. - Setting the directory can be tricky. - Backslashes (</a:t>
-            </a:r>
-            <a:r>
-              <a:rPr>
-                <a:latin typeface="Courier"/>
-              </a:rPr>
-              <a:t>\</a:t>
-            </a:r>
-            <a:r>
-              <a:rPr/>
-              <a:t>) need to be changes to forward slashes (</a:t>
-            </a:r>
-            <a:r>
-              <a:rPr>
-                <a:latin typeface="Courier"/>
-              </a:rPr>
-              <a:t>/</a:t>
-            </a:r>
-            <a:r>
-              <a:rPr/>
-              <a:t>). - If you’re pasting the exact path of the folder, wrap it in quotation marks (</a:t>
-            </a:r>
-            <a:r>
-              <a:rPr>
-                <a:latin typeface="Courier"/>
-              </a:rPr>
-              <a:t>"..."</a:t>
-            </a:r>
-            <a:r>
-              <a:rPr/>
-              <a:t>) - OR an easy way so change the directory is by typing </a:t>
-            </a:r>
-            <a:r>
-              <a:rPr>
-                <a:latin typeface="Courier"/>
-              </a:rPr>
-              <a:t>cd</a:t>
-            </a:r>
-            <a:r>
-              <a:rPr/>
-              <a:t> then selecting and dragging the folder directly into Git Bash- this puts the folder path after the </a:t>
-            </a:r>
-            <a:r>
-              <a:rPr>
-                <a:latin typeface="Courier"/>
-              </a:rPr>
-              <a:t>cd</a:t>
+              <a:t> - For this lesson, we will publish our completed Quarto document with all the additions we’ve made to Git Pages using the “Render to docs” method.</a:t>
             </a:r>
           </a:p>
         </p:txBody>
@@ -5281,7 +5345,7 @@
           <a:p>
             <a:fld id="{18BDFEC3-8487-43E8-A154-7C12CBC1FFF2}" type="slidenum">
               <a:rPr lang="en-US"/>
-              <a:t>70</a:t>
+              <a:t>66</a:t>
             </a:fld>
             <a:endParaRPr lang="en-US"/>
           </a:p>
@@ -5345,7 +5409,15 @@
             </a:r>
             <a:r>
               <a:rPr/>
-              <a:t> - Here, we’re setting up the basic project files GitHub Pages needs in order to publish our Quarto website. - First, we’ll create a _quarto.yml file using the Terminal. This file tells Quarto that the project is a website and that the rendered output should go into the docs folder. - Next, we’ll add a special file called .nojekyll. By default, GitHub Pages uses Jekyll to process websites, but that can interfere with Quarto’s output. Adding a .nojekyll file tells GitHub Pages to leave our site exactly as Quarto created it.</a:t>
+              <a:t> - When publishing to GitHub, we’ll often use Git Bash, which is a command-line tool for running Git commands. Fortunately, you don’t have to leave RStudio to use it by opening Git Bash directly inside RStudio’s Terminal tab. - To do this, go to Terminal → Terminal Options, and under ‘New terminals open with,’ select Git Bash. Then, when you click Terminal → New Terminal, it will open Git Bash automatically, ready for you to start working. - This setup keeps everything in one place so you don’t need to switch between RStudio and an external terminal. </a:t>
+            </a:r>
+            <a:r>
+              <a:rPr i="1"/>
+              <a:t>Instructor Notes</a:t>
+            </a:r>
+            <a:r>
+              <a:rPr/>
+              <a:t> - Git Bash should be installed on the student’s device. - When you click the drop-down arrow by Terminal, the options may look different than what’s in the image in this slide, but the “Terminal Options…” will be at the end (you may have to scroll a bit). - The last step (open a new Terminal) is important because the current Terminal does not automatically change to Git Bash.</a:t>
             </a:r>
           </a:p>
         </p:txBody>
@@ -5367,7 +5439,7 @@
           <a:p>
             <a:fld id="{18BDFEC3-8487-43E8-A154-7C12CBC1FFF2}" type="slidenum">
               <a:rPr lang="en-US"/>
-              <a:t>71</a:t>
+              <a:t>69</a:t>
             </a:fld>
             <a:endParaRPr lang="en-US"/>
           </a:p>
@@ -5431,55 +5503,71 @@
             </a:r>
             <a:r>
               <a:rPr/>
-              <a:t> - Running </a:t>
+              <a:t> - In this exercise, we’re preparing our Quarto document so it can be published on GitHub Pages. First, edit the YAML header of your Quarto document to define it as a website project and set the output to the docs folder. This tells Quarto where to place the rendered files that GitHub Pages will serve. - Next, set up your terminal in RStudio to use Git Bash by following the steps in the previous slide. - From there, you’ll use the </a:t>
             </a:r>
             <a:r>
               <a:rPr>
                 <a:latin typeface="Courier"/>
               </a:rPr>
-              <a:t>quarto render</a:t>
-            </a:r>
-            <a:r>
-              <a:rPr/>
-              <a:t> in the Terminal takes your Quarto project and produces the HTML files in the docs folder. These are the files GitHub Pages will serve as your website. - Next, we need to initialize Git in the project folder so we can connect it to GitHub. The command </a:t>
+              <a:t>cd</a:t>
+            </a:r>
+            <a:r>
+              <a:rPr/>
+              <a:t> command to change into the main folder where your Quarto files are stored. This step makes sure any Git commands you run apply to the right project folder. </a:t>
+            </a:r>
+            <a:r>
+              <a:rPr i="1"/>
+              <a:t>Instructor Notes</a:t>
+            </a:r>
+            <a:r>
+              <a:rPr/>
+              <a:t> - Reminder that copying and pasting with keyboard shortcuts do not work the same in Git Bash. Right-clicking and selecting Paste is an easy option. - Sometimes in Git Bash/Terminal, just copying and pasting will run the command, but sometimes you need to hit Enter. - Setting the directory can be tricky. - Backslashes (</a:t>
             </a:r>
             <a:r>
               <a:rPr>
                 <a:latin typeface="Courier"/>
               </a:rPr>
-              <a:t>git init</a:t>
-            </a:r>
-            <a:r>
-              <a:rPr/>
-              <a:t> sets up Git tracking, and </a:t>
+              <a:t>\</a:t>
+            </a:r>
+            <a:r>
+              <a:rPr/>
+              <a:t>) need to be changes to forward slashes (</a:t>
             </a:r>
             <a:r>
               <a:rPr>
                 <a:latin typeface="Courier"/>
               </a:rPr>
-              <a:t>git branch -M main</a:t>
-            </a:r>
-            <a:r>
-              <a:rPr/>
-              <a:t> renames the default branch from “master” to “main,” which is the standard branch name used in this session. </a:t>
-            </a:r>
-            <a:r>
-              <a:rPr i="1"/>
-              <a:t>Instructor Notes</a:t>
-            </a:r>
-            <a:r>
-              <a:rPr/>
-              <a:t> - You will see a warning about </a:t>
+              <a:t>/</a:t>
+            </a:r>
+            <a:r>
+              <a:rPr/>
+              <a:t>). - If you’re pasting the exact path of the folder, wrap it in quotation marks (</a:t>
             </a:r>
             <a:r>
               <a:rPr>
                 <a:latin typeface="Courier"/>
               </a:rPr>
-              <a:t>references.bib not found in resource path</a:t>
-            </a:r>
-            <a:r>
-              <a:rPr/>
-              <a:t> which usually happens because Quarto looks for the file in the project’s root or resource path, but Git Bash is case-sensitive and strict with paths. - So, you will see in your completed Git Pages web page that the citations look strange but we will leave it like that for now. - Extra steps are needed to correct this that will be covered in the Advanced Intro to Quarto Activity PDF.</a:t>
+              <a:t>"..."</a:t>
+            </a:r>
+            <a:r>
+              <a:rPr/>
+              <a:t>) - OR an easy way so change the directory is by typing </a:t>
+            </a:r>
+            <a:r>
+              <a:rPr>
+                <a:latin typeface="Courier"/>
+              </a:rPr>
+              <a:t>cd</a:t>
+            </a:r>
+            <a:r>
+              <a:rPr/>
+              <a:t> then selecting and dragging the folder directly into Git Bash- this puts the folder path after the </a:t>
+            </a:r>
+            <a:r>
+              <a:rPr>
+                <a:latin typeface="Courier"/>
+              </a:rPr>
+              <a:t>cd</a:t>
             </a:r>
           </a:p>
         </p:txBody>
@@ -5501,7 +5589,7 @@
           <a:p>
             <a:fld id="{18BDFEC3-8487-43E8-A154-7C12CBC1FFF2}" type="slidenum">
               <a:rPr lang="en-US"/>
-              <a:t>72</a:t>
+              <a:t>70</a:t>
             </a:fld>
             <a:endParaRPr lang="en-US"/>
           </a:p>
@@ -5565,35 +5653,7 @@
             </a:r>
             <a:r>
               <a:rPr/>
-              <a:t> - Now to put everything together. We need to create a new repository on GitHub which is where our project files will be held. - Then, we connect our local project to GitHub using </a:t>
-            </a:r>
-            <a:r>
-              <a:rPr>
-                <a:latin typeface="Courier"/>
-              </a:rPr>
-              <a:t>git remote add origin</a:t>
-            </a:r>
-            <a:r>
-              <a:rPr/>
-              <a:t> followed by the repo’s HTTPS link (found on the GitHub website). This tells Git where to send the files when we push them with </a:t>
-            </a:r>
-            <a:r>
-              <a:rPr>
-                <a:latin typeface="Courier"/>
-              </a:rPr>
-              <a:t>git push -u origin main</a:t>
-            </a:r>
-            <a:r>
-              <a:rPr/>
-              <a:t>. </a:t>
-            </a:r>
-            <a:r>
-              <a:rPr i="1"/>
-              <a:t>Instructor Notes</a:t>
-            </a:r>
-            <a:r>
-              <a:rPr/>
-              <a:t> - For this to work, the repo created must be set to Public</a:t>
+              <a:t> - Here, we’re setting up the basic project files GitHub Pages needs in order to publish our Quarto website. - First, we’ll create a _quarto.yml file using the Terminal. This file tells Quarto that the project is a website and that the rendered output should go into the docs folder. - Next, we’ll add a special file called .nojekyll. By default, GitHub Pages uses Jekyll to process websites, but that can interfere with Quarto’s output. Adding a .nojekyll file tells GitHub Pages to leave our site exactly as Quarto created it.</a:t>
             </a:r>
           </a:p>
         </p:txBody>
@@ -5615,7 +5675,7 @@
           <a:p>
             <a:fld id="{18BDFEC3-8487-43E8-A154-7C12CBC1FFF2}" type="slidenum">
               <a:rPr lang="en-US"/>
-              <a:t>73</a:t>
+              <a:t>71</a:t>
             </a:fld>
             <a:endParaRPr lang="en-US"/>
           </a:p>
@@ -5679,7 +5739,37 @@
             </a:r>
             <a:r>
               <a:rPr/>
-              <a:t> - The last stepp to make the site public is to configure the GitHub repository settings under “Pages.” - Follow the steps to switch to the branch we are working on and switch the folder where Quarto rendered the website files. </a:t>
+              <a:t> - Running </a:t>
+            </a:r>
+            <a:r>
+              <a:rPr>
+                <a:latin typeface="Courier"/>
+              </a:rPr>
+              <a:t>quarto render</a:t>
+            </a:r>
+            <a:r>
+              <a:rPr/>
+              <a:t> in the Terminal takes your Quarto project and produces the HTML files in the docs folder. These are the files GitHub Pages will serve as your website. - Next, we need to initialize Git in the project folder so we can connect it to GitHub. The command </a:t>
+            </a:r>
+            <a:r>
+              <a:rPr>
+                <a:latin typeface="Courier"/>
+              </a:rPr>
+              <a:t>git init</a:t>
+            </a:r>
+            <a:r>
+              <a:rPr/>
+              <a:t> sets up Git tracking, and </a:t>
+            </a:r>
+            <a:r>
+              <a:rPr>
+                <a:latin typeface="Courier"/>
+              </a:rPr>
+              <a:t>git branch -M main</a:t>
+            </a:r>
+            <a:r>
+              <a:rPr/>
+              <a:t> renames the default branch from “master” to “main,” which is the standard branch name used in this session. </a:t>
             </a:r>
             <a:r>
               <a:rPr i="1"/>
@@ -5687,7 +5777,17 @@
             </a:r>
             <a:r>
               <a:rPr/>
-              <a:t> - Reminder that the citations will not be complete because configuring to include the bibliography was not done. That’s an additional step.</a:t>
+              <a:t> - You will see a warning about </a:t>
+            </a:r>
+            <a:r>
+              <a:rPr>
+                <a:latin typeface="Courier"/>
+              </a:rPr>
+              <a:t>references.bib not found in resource path</a:t>
+            </a:r>
+            <a:r>
+              <a:rPr/>
+              <a:t> which usually happens because Quarto looks for the file in the project’s root or resource path, but Git Bash is case-sensitive and strict with paths. - So, you will see in your completed Git Pages web page that the citations look strange but we will leave it like that for now. - Extra steps are needed to correct this that will be covered in the Homework Assignment/Extra Activities PDF.</a:t>
             </a:r>
           </a:p>
         </p:txBody>
@@ -5709,7 +5809,7 @@
           <a:p>
             <a:fld id="{18BDFEC3-8487-43E8-A154-7C12CBC1FFF2}" type="slidenum">
               <a:rPr lang="en-US"/>
-              <a:t>74</a:t>
+              <a:t>72</a:t>
             </a:fld>
             <a:endParaRPr lang="en-US"/>
           </a:p>
@@ -5769,19 +5869,39 @@
             </a:pPr>
             <a:r>
               <a:rPr i="1"/>
-              <a:t>Speaker Note</a:t>
-            </a:r>
-            <a:r>
-              <a:rPr/>
-              <a:t> - Here are some of the key things covered in the lesson that give a general overview of Quarto and what it contains. </a:t>
+              <a:t>Speaker Notes</a:t>
+            </a:r>
+            <a:r>
+              <a:rPr/>
+              <a:t> - Now to put everything together. We need to create a new repository on GitHub which is where our project files will be held. - Then, we connect our local project to GitHub using </a:t>
+            </a:r>
+            <a:r>
+              <a:rPr>
+                <a:latin typeface="Courier"/>
+              </a:rPr>
+              <a:t>git remote add origin</a:t>
+            </a:r>
+            <a:r>
+              <a:rPr/>
+              <a:t> followed by the repo’s HTTPS link (found on the GitHub website). This tells Git where to send the files when we push them with </a:t>
+            </a:r>
+            <a:r>
+              <a:rPr>
+                <a:latin typeface="Courier"/>
+              </a:rPr>
+              <a:t>git push -u origin main</a:t>
+            </a:r>
+            <a:r>
+              <a:rPr/>
+              <a:t>. </a:t>
             </a:r>
             <a:r>
               <a:rPr i="1"/>
-              <a:t>Instructor Note</a:t>
-            </a:r>
-            <a:r>
-              <a:rPr/>
-              <a:t> - Aim: to give a recap of important elements of Quarto covered in the lesson.</a:t>
+              <a:t>Instructor Notes</a:t>
+            </a:r>
+            <a:r>
+              <a:rPr/>
+              <a:t> - For this to work, the repo created must be set to Public</a:t>
             </a:r>
           </a:p>
         </p:txBody>
@@ -5803,7 +5923,7 @@
           <a:p>
             <a:fld id="{18BDFEC3-8487-43E8-A154-7C12CBC1FFF2}" type="slidenum">
               <a:rPr lang="en-US"/>
-              <a:t>75</a:t>
+              <a:t>73</a:t>
             </a:fld>
             <a:endParaRPr lang="en-US"/>
           </a:p>
@@ -5867,15 +5987,25 @@
             </a:r>
             <a:r>
               <a:rPr/>
-              <a:t> - Quarto is an open-source publishing system, this means it is free to use and community-driven. Anyone can download it, contribute towards its improvement, and adapt it. - It’s designed for combining text, code, and media in a way that makes your work transparent and reprodcible, this means that anyone can read it, rerun the code, and even check the results themselves. - The 3 key things you can do with Quarto are: - Analyze and work with data, text, or research content directly in your document - Share or present your results as reports, slides, or even full websites - Make your workflow reproducible so others can repeat them. </a:t>
-            </a:r>
-            <a:r>
-              <a:rPr i="1"/>
+              <a:t>:  - Let’s first answer the question, “why are we learning Quarto?” Research can be messy and scattered sometimes, especially when you want to use different elements like text, code, and media. This can also be an obstacle when sharing and ensuring your work is reproducible. - This is where Quarto comes in! It brings these elements together where we can type, run code, embed media, and cite literature all in one place. It also allows for different ways to share and ensure our research is transparent and reproducible. - So this lesson is just part of a bigger journey in integrating Open Research practices in our work.</a:t>
+            </a:r>
+          </a:p>
+          <a:p>
+            <a:pPr lvl="0" indent="0" marL="0">
+              <a:buNone/>
+            </a:pPr>
+          </a:p>
+          <a:p>
+            <a:pPr lvl="0" indent="0" marL="0">
+              <a:buNone/>
+            </a:pPr>
+            <a:r>
+              <a:rPr b="1"/>
               <a:t>Instructor Notes</a:t>
             </a:r>
             <a:r>
               <a:rPr/>
-              <a:t> - Establishing a clear idea of what Quarto is at the beginning of the lesson is useful for building context and purpose - Context: how all the parts of Quarto work together to create intended document(s) - Purpose: reasons why one would use Quarto (its versatile, customizable, and shareable)</a:t>
+              <a:t>:  - Aim: Place the topic of the current submodule within a broader context. - Consider Quarto as a solution to some existing challenges in Open Research to remind students what they are working towards and what the bigger picture is.</a:t>
             </a:r>
           </a:p>
         </p:txBody>
@@ -5897,7 +6027,7 @@
           <a:p>
             <a:fld id="{18BDFEC3-8487-43E8-A154-7C12CBC1FFF2}" type="slidenum">
               <a:rPr lang="en-US"/>
-              <a:t>9</a:t>
+              <a:t>7</a:t>
             </a:fld>
             <a:endParaRPr lang="en-US"/>
           </a:p>
@@ -5957,19 +6087,19 @@
             </a:pPr>
             <a:r>
               <a:rPr i="1"/>
-              <a:t>Speaker Note</a:t>
-            </a:r>
-            <a:r>
-              <a:rPr/>
-              <a:t> - Here are some of the authoring features that were discussed and applied in the lesson to create and customize the Quarto document that we then shared using GitHub Pages. - For quick reference, a downloadable cheat sheet is provided with this lesson. It offers beginner-friendly instructions summarizing the key terms, features, and functions of Quarto. </a:t>
+              <a:t>Speaker Notes</a:t>
+            </a:r>
+            <a:r>
+              <a:rPr/>
+              <a:t> - The last stepp to make the site public is to configure the GitHub repository settings under “Pages.” - Follow the steps to switch to the branch we are working on and switch the folder where Quarto rendered the website files. </a:t>
             </a:r>
             <a:r>
               <a:rPr i="1"/>
-              <a:t>Instructor Note</a:t>
-            </a:r>
-            <a:r>
-              <a:rPr/>
-              <a:t> - Aim: to give a recap of things you can do to edit the Quarto document and then make it shareable. - Instruct students to download a cheat-sheet to have a summary of information and features that were covered in this session.</a:t>
+              <a:t>Instructor Notes</a:t>
+            </a:r>
+            <a:r>
+              <a:rPr/>
+              <a:t> - Reminder that the citations will not be complete because configuring to include the bibliography was not done. That’s an additional step.</a:t>
             </a:r>
           </a:p>
         </p:txBody>
@@ -5991,7 +6121,7 @@
           <a:p>
             <a:fld id="{18BDFEC3-8487-43E8-A154-7C12CBC1FFF2}" type="slidenum">
               <a:rPr lang="en-US"/>
-              <a:t>76</a:t>
+              <a:t>74</a:t>
             </a:fld>
             <a:endParaRPr lang="en-US"/>
           </a:p>
@@ -6055,15 +6185,25 @@
             </a:r>
             <a:r>
               <a:rPr/>
-              <a:t> - In an interactive setting, discuss how the new skills could be applied in practise with specific examples. Use the questions on the slide to guide the discussion. </a:t>
-            </a:r>
+              <a:t> - Here are some of the key things covered in the lesson that give a general overview of Quarto and what it contains. - Quarto is more than just a tool to write documents, it’s designed to bring together text, code, and media in one .qmd file that ensures transparency and reproducibility. - Quarto supports simple formatting, like bold and italics, which makes writing cleaner and more efficient without the need for complex styling tools.</a:t>
+            </a:r>
+          </a:p>
+          <a:p>
+            <a:pPr lvl="0" indent="0" marL="0">
+              <a:buNone/>
+            </a:pPr>
+          </a:p>
+          <a:p>
+            <a:pPr lvl="0" indent="0" marL="0">
+              <a:buNone/>
+            </a:pPr>
             <a:r>
               <a:rPr i="1"/>
               <a:t>Instructor Note</a:t>
             </a:r>
             <a:r>
               <a:rPr/>
-              <a:t> - Aim: To work out the relevance of the topic to your students, examine downfalls, and practical obstacles.</a:t>
+              <a:t> - Aim: to give a recap of important elements of Quarto covered in the lesson.</a:t>
             </a:r>
           </a:p>
         </p:txBody>
@@ -6085,7 +6225,7 @@
           <a:p>
             <a:fld id="{18BDFEC3-8487-43E8-A154-7C12CBC1FFF2}" type="slidenum">
               <a:rPr lang="en-US"/>
-              <a:t>77</a:t>
+              <a:t>75</a:t>
             </a:fld>
             <a:endParaRPr lang="en-US"/>
           </a:p>
@@ -6145,19 +6285,19 @@
             </a:pPr>
             <a:r>
               <a:rPr i="1"/>
-              <a:t>Speaker Notes</a:t>
-            </a:r>
-            <a:r>
-              <a:rPr/>
-              <a:t> - Encourage students to share one sentence take-home messages. You can collect them verbally or in a shared doc/board. </a:t>
+              <a:t>Speaker Note</a:t>
+            </a:r>
+            <a:r>
+              <a:rPr/>
+              <a:t> - Here are some of the features for customization and improved usability that were discussed and applied in the lesson to create the Quarto document. We then shared it using GitHub Pages. - Zotero integration streamlines citation management and bibliography building, which is essential for academic and research writing. - Quarto enables sharing work through platforms like Quarto Pub or GitHub Pages, which makes research accessible and reproducible. - For quick reference, a downloadable cheatsheet is provided with this lesson. It offers beginner-friendly instructions summarizing the key terms, features, and functions of Quarto. </a:t>
             </a:r>
             <a:r>
               <a:rPr i="1"/>
-              <a:t>Instructor Notes</a:t>
-            </a:r>
-            <a:r>
-              <a:rPr/>
-              <a:t> - Aim: End lesson on clear take-home message that are interactively compiled by students. - Reinforce that Quarto is not just a tool, but a mindset shift toward openness and collaboration.</a:t>
+              <a:t>Instructor Note</a:t>
+            </a:r>
+            <a:r>
+              <a:rPr/>
+              <a:t> - Aim: to give a recap of things you can do to edit the Quarto document and then make it shareable. - Instruct students to download a cheatsheet to have a summary of information and features that were covered in this session.</a:t>
             </a:r>
           </a:p>
         </p:txBody>
@@ -6179,7 +6319,7 @@
           <a:p>
             <a:fld id="{18BDFEC3-8487-43E8-A154-7C12CBC1FFF2}" type="slidenum">
               <a:rPr lang="en-US"/>
-              <a:t>78</a:t>
+              <a:t>76</a:t>
             </a:fld>
             <a:endParaRPr lang="en-US"/>
           </a:p>
@@ -6239,11 +6379,11 @@
             </a:pPr>
             <a:r>
               <a:rPr i="1"/>
-              <a:t>Speaker Notes</a:t>
-            </a:r>
-            <a:r>
-              <a:rPr/>
-              <a:t> - The homework contains activities that take what we practiced today to the next level. Each item builds on the knowledge and exercises that were covered in this session. </a:t>
+              <a:t>Speaker Note</a:t>
+            </a:r>
+            <a:r>
+              <a:rPr/>
+              <a:t> - Let’s discuss how the new skills could be applied in practise with specific examples. Use the questions on the slide to guide the discussion. </a:t>
             </a:r>
             <a:r>
               <a:rPr i="1"/>
@@ -6251,7 +6391,7 @@
             </a:r>
             <a:r>
               <a:rPr/>
-              <a:t> - Aim: to reinforce what was learned in this session and to have an opportunity to apply the knowledge in a more challenging way. - Use this homework sheet as it is or use it as an example to create your own based on the needs of the class or the specific requirements for future lessons.</a:t>
+              <a:t> - Aim: To work out the relevance of the topic to your students, examine downfalls, and practical obstacles in an interactive setting.</a:t>
             </a:r>
           </a:p>
         </p:txBody>
@@ -6273,7 +6413,7 @@
           <a:p>
             <a:fld id="{18BDFEC3-8487-43E8-A154-7C12CBC1FFF2}" type="slidenum">
               <a:rPr lang="en-US"/>
-              <a:t>79</a:t>
+              <a:t>77</a:t>
             </a:fld>
             <a:endParaRPr lang="en-US"/>
           </a:p>
@@ -6337,7 +6477,7 @@
             </a:r>
             <a:r>
               <a:rPr/>
-              <a:t> - To end this lesson, let’s use this survey to see where we stand in our knowledge of Quarto and what we can focus on more moving forward to become more proficient in literate programming with it. </a:t>
+              <a:t> - Encourage students to share one sentence take-home messages. You can collect them verbally or in a shared doc/board. </a:t>
             </a:r>
             <a:r>
               <a:rPr i="1"/>
@@ -6345,7 +6485,7 @@
             </a:r>
             <a:r>
               <a:rPr/>
-              <a:t> - Aim: This post-submodule survey serves to examine students’ current knowledge about the sumodule’s topic. - Use free survey software such as or other survey software (particify, formR) to establish the following questions (these are examples that can be adapted to suit your needs):</a:t>
+              <a:t> - Aim: End lesson on clear take-home message that are interactively compiled by students. - Reinforce that Quarto is not just a tool, but a mindset shift toward openness and collaboration.</a:t>
             </a:r>
           </a:p>
         </p:txBody>
@@ -6367,7 +6507,7 @@
           <a:p>
             <a:fld id="{18BDFEC3-8487-43E8-A154-7C12CBC1FFF2}" type="slidenum">
               <a:rPr lang="en-US"/>
-              <a:t>80</a:t>
+              <a:t>78</a:t>
             </a:fld>
             <a:endParaRPr lang="en-US"/>
           </a:p>
@@ -6431,6 +6571,204 @@
             </a:r>
             <a:r>
               <a:rPr/>
+              <a:t> - - Aim: Practice additional Quarto features. The homework activity builds on the document created during this lesson to add more to the content and layout. - The homework contains activities that take what we practiced today to the next level. Each item builds on the knowledge and exercises that were covered in this session.</a:t>
+            </a:r>
+          </a:p>
+          <a:p>
+            <a:pPr lvl="0" indent="0" marL="0">
+              <a:buNone/>
+            </a:pPr>
+          </a:p>
+          <a:p>
+            <a:pPr lvl="0" indent="0" marL="0">
+              <a:buNone/>
+            </a:pPr>
+            <a:r>
+              <a:rPr i="1"/>
+              <a:t>Instructor Note</a:t>
+            </a:r>
+            <a:r>
+              <a:rPr/>
+              <a:t> - Aim: to reinforce what was learned in this session and to have an opportunity to apply the knowledge in a more challenging way. - Use this homework sheet as it is or use it as an example to create your own based on the needs of the class or the specific requirements for future lessons. - Examine whether/how it will be assessed - Mention scoring rubrics, if applicable - Design a peer-review system for assignments to place students in role of reviewer and author</a:t>
+            </a:r>
+          </a:p>
+        </p:txBody>
+      </p:sp>
+      <p:sp>
+        <p:nvSpPr>
+          <p:cNvPr id="4" name="Slide Number Placeholder 3"/>
+          <p:cNvSpPr>
+            <a:spLocks noGrp="1"/>
+          </p:cNvSpPr>
+          <p:nvPr>
+            <p:ph type="sldNum" sz="quarter" idx="10"/>
+          </p:nvPr>
+        </p:nvSpPr>
+        <p:spPr/>
+        <p:txBody>
+          <a:bodyPr/>
+          <a:lstStyle/>
+          <a:p>
+            <a:fld id="{18BDFEC3-8487-43E8-A154-7C12CBC1FFF2}" type="slidenum">
+              <a:rPr lang="en-US"/>
+              <a:t>79</a:t>
+            </a:fld>
+            <a:endParaRPr lang="en-US"/>
+          </a:p>
+        </p:txBody>
+      </p:sp>
+    </p:spTree>
+  </p:cSld>
+</p:notes>
+</file>
+
+<file path=ppt/notesSlides/notesSlide66.xml><?xml version="1.0" encoding="utf-8"?>
+<p:notes xmlns:a="http://schemas.openxmlformats.org/drawingml/2006/main" xmlns:r="http://schemas.openxmlformats.org/officeDocument/2006/relationships" xmlns:p="http://schemas.openxmlformats.org/presentationml/2006/main">
+  <p:cSld>
+    <p:spTree>
+      <p:nvGrpSpPr>
+        <p:cNvPr id="1" name=""/>
+        <p:cNvGrpSpPr/>
+        <p:nvPr/>
+      </p:nvGrpSpPr>
+      <p:grpSpPr>
+        <a:xfrm>
+          <a:off x="0" y="0"/>
+          <a:ext cx="0" cy="0"/>
+          <a:chOff x="0" y="0"/>
+          <a:chExt cx="0" cy="0"/>
+        </a:xfrm>
+      </p:grpSpPr>
+      <p:sp>
+        <p:nvSpPr>
+          <p:cNvPr id="2" name="Slide Image Placeholder 1"/>
+          <p:cNvSpPr>
+            <a:spLocks noGrp="1" noRot="1" noChangeAspect="1"/>
+          </p:cNvSpPr>
+          <p:nvPr>
+            <p:ph type="sldImg"/>
+          </p:nvPr>
+        </p:nvSpPr>
+        <p:spPr/>
+      </p:sp>
+      <p:sp>
+        <p:nvSpPr>
+          <p:cNvPr id="3" name="Notes Placeholder 2"/>
+          <p:cNvSpPr>
+            <a:spLocks noGrp="1"/>
+          </p:cNvSpPr>
+          <p:nvPr>
+            <p:ph type="body" idx="1"/>
+          </p:nvPr>
+        </p:nvSpPr>
+        <p:spPr/>
+        <p:txBody>
+          <a:bodyPr/>
+          <a:lstStyle/>
+          <a:p>
+            <a:pPr lvl="0" indent="0" marL="0">
+              <a:buNone/>
+            </a:pPr>
+            <a:r>
+              <a:rPr i="1"/>
+              <a:t>Speaker Notes</a:t>
+            </a:r>
+            <a:r>
+              <a:rPr/>
+              <a:t> - To end this lesson, let’s use this survey to see where we stand in our knowledge of Quarto and what we can focus on more moving forward to become more proficient in literate programming with it. </a:t>
+            </a:r>
+            <a:r>
+              <a:rPr i="1"/>
+              <a:t>Instructor Notes</a:t>
+            </a:r>
+            <a:r>
+              <a:rPr/>
+              <a:t> - Aim: This post-submodule survey serves to examine students’ current knowledge about the sumodule’s topic. - Use free survey software such as or other survey software (particify, formR) to establish the following questions (these are examples that can be adapted to suit your needs):</a:t>
+            </a:r>
+          </a:p>
+        </p:txBody>
+      </p:sp>
+      <p:sp>
+        <p:nvSpPr>
+          <p:cNvPr id="4" name="Slide Number Placeholder 3"/>
+          <p:cNvSpPr>
+            <a:spLocks noGrp="1"/>
+          </p:cNvSpPr>
+          <p:nvPr>
+            <p:ph type="sldNum" sz="quarter" idx="10"/>
+          </p:nvPr>
+        </p:nvSpPr>
+        <p:spPr/>
+        <p:txBody>
+          <a:bodyPr/>
+          <a:lstStyle/>
+          <a:p>
+            <a:fld id="{18BDFEC3-8487-43E8-A154-7C12CBC1FFF2}" type="slidenum">
+              <a:rPr lang="en-US"/>
+              <a:t>80</a:t>
+            </a:fld>
+            <a:endParaRPr lang="en-US"/>
+          </a:p>
+        </p:txBody>
+      </p:sp>
+    </p:spTree>
+  </p:cSld>
+</p:notes>
+</file>
+
+<file path=ppt/notesSlides/notesSlide67.xml><?xml version="1.0" encoding="utf-8"?>
+<p:notes xmlns:a="http://schemas.openxmlformats.org/drawingml/2006/main" xmlns:r="http://schemas.openxmlformats.org/officeDocument/2006/relationships" xmlns:p="http://schemas.openxmlformats.org/presentationml/2006/main">
+  <p:cSld>
+    <p:spTree>
+      <p:nvGrpSpPr>
+        <p:cNvPr id="1" name=""/>
+        <p:cNvGrpSpPr/>
+        <p:nvPr/>
+      </p:nvGrpSpPr>
+      <p:grpSpPr>
+        <a:xfrm>
+          <a:off x="0" y="0"/>
+          <a:ext cx="0" cy="0"/>
+          <a:chOff x="0" y="0"/>
+          <a:chExt cx="0" cy="0"/>
+        </a:xfrm>
+      </p:grpSpPr>
+      <p:sp>
+        <p:nvSpPr>
+          <p:cNvPr id="2" name="Slide Image Placeholder 1"/>
+          <p:cNvSpPr>
+            <a:spLocks noGrp="1" noRot="1" noChangeAspect="1"/>
+          </p:cNvSpPr>
+          <p:nvPr>
+            <p:ph type="sldImg"/>
+          </p:nvPr>
+        </p:nvSpPr>
+        <p:spPr/>
+      </p:sp>
+      <p:sp>
+        <p:nvSpPr>
+          <p:cNvPr id="3" name="Notes Placeholder 2"/>
+          <p:cNvSpPr>
+            <a:spLocks noGrp="1"/>
+          </p:cNvSpPr>
+          <p:nvPr>
+            <p:ph type="body" idx="1"/>
+          </p:nvPr>
+        </p:nvSpPr>
+        <p:spPr/>
+        <p:txBody>
+          <a:bodyPr/>
+          <a:lstStyle/>
+          <a:p>
+            <a:pPr lvl="0" indent="0" marL="0">
+              <a:buNone/>
+            </a:pPr>
+            <a:r>
+              <a:rPr i="1"/>
+              <a:t>Speaker Notes</a:t>
+            </a:r>
+            <a:r>
+              <a:rPr/>
               <a:t> - To end off, we can use the answers from this survey to see how much we know about Quarto after this lesson and where we should focus and explore more moving forward if we are to become proficient in using it. </a:t>
             </a:r>
             <a:r>
@@ -6525,53 +6863,15 @@
             </a:r>
             <a:r>
               <a:rPr/>
-              <a:t>: - Aim: Core theoretical introduction of submodule topic.</a:t>
-            </a:r>
-          </a:p>
-          <a:p>
-            <a:pPr lvl="0" indent="0" marL="0">
-              <a:buNone/>
-            </a:pPr>
-          </a:p>
-          <a:p>
-            <a:pPr lvl="0" indent="0" marL="0">
-              <a:buNone/>
-            </a:pPr>
-            <a:r>
-              <a:rPr/>
-              <a:t>Practical exercises on topic - Aim: practical exercises for students to apply the new skills in practise. Each submodule topic will include corresponding Tasks- adopting a “learn by doing” approach. - Depending on the topic, the exercises should be in accordance with the learning objective(s). - It’s useful to have exercises directly after a topic is taught to reinforce what was learnt.</a:t>
-            </a:r>
-          </a:p>
-          <a:p>
-            <a:pPr lvl="0" indent="0" marL="0">
-              <a:buNone/>
-            </a:pPr>
-          </a:p>
-          <a:p>
-            <a:pPr lvl="0" indent="0" marL="0">
-              <a:buNone/>
-            </a:pPr>
-            <a:r>
-              <a:rPr/>
-              <a:t>For students who advance faster: Prepare extra exercises.</a:t>
-            </a:r>
-          </a:p>
-          <a:p>
-            <a:pPr lvl="0" indent="0" marL="0">
-              <a:buNone/>
-            </a:pPr>
-          </a:p>
-          <a:p>
-            <a:pPr lvl="0" indent="0" marL="0">
-              <a:buNone/>
-            </a:pPr>
-            <a:r>
-              <a:rPr i="1"/>
-              <a:t>Intructor Note</a:t>
-            </a:r>
-            <a:r>
-              <a:rPr/>
-              <a:t> - Pair theoretical aspects with practical exercises and group discussions according to the Think-Pair-Share style and according to Cognitive Load Theory (Sweller, 1980). - For a 90-minute lesson, the instructor should try to “lecture” for only 20 minutes, students should work in groups/pairs/on their own for at least 55 minutes of the lesson (+ a 15 minute break).</a:t>
+              <a:t>:  - Quarto is an open-source publishing system, this means it is free to use and community-driven. Anyone can download it, contribute towards its improvement, and adapt it. - It’s designed for combining text, code, and media in a way that makes your work transparent and reprodcible, this means that anyone can read it, rerun the code, and even check the results themselves. - The 3 key things you can do with Quarto are: - Analyze and work with data, text, or research content directly in your document - Share or present your results as reports, slides, or even full websites - Make your workflow reproducible so others can repeat them. </a:t>
+            </a:r>
+            <a:r>
+              <a:rPr b="1"/>
+              <a:t>Instructor Notes</a:t>
+            </a:r>
+            <a:r>
+              <a:rPr/>
+              <a:t>:  - Establishing a clear idea of what Quarto is at the beginning of the lesson is useful for building context and purpose - Context: how all the parts of Quarto work together to create intended document(s) - Purpose: reasons why one would use Quarto (its versatile, customizable, and shareable)</a:t>
             </a:r>
           </a:p>
         </p:txBody>
@@ -6593,7 +6893,7 @@
           <a:p>
             <a:fld id="{18BDFEC3-8487-43E8-A154-7C12CBC1FFF2}" type="slidenum">
               <a:rPr lang="en-US"/>
-              <a:t>10</a:t>
+              <a:t>8</a:t>
             </a:fld>
             <a:endParaRPr lang="en-US"/>
           </a:p>
@@ -6657,32 +6957,25 @@
             </a:r>
             <a:r>
               <a:rPr/>
-              <a:t>: - Aim: Formulate specific, action-oriented goals learning goals which are measurable and observable in line with Bloom’s taxonomy (Anderson et al., 2001; Bloom et al., 1956) - Emphasis is placed on the </a:t>
-            </a:r>
-            <a:r>
-              <a:rPr b="1"/>
-              <a:t>verbs</a:t>
-            </a:r>
-            <a:r>
-              <a:rPr/>
-              <a:t> of the learning goals- choose verbs that align with the skills you want to develop or assess. - Examples:</a:t>
-            </a:r>
-          </a:p>
-          <a:p>
-            <a:pPr lvl="0" indent="0" marL="0">
-              <a:buNone/>
-            </a:pPr>
-          </a:p>
-          <a:p>
-            <a:pPr lvl="0" indent="0">
-              <a:buNone/>
-            </a:pPr>
-            <a:r>
-              <a:rPr>
-                <a:latin typeface="Courier"/>
-              </a:rPr>
-              <a:t>-   Students will **describe** the process of photosynthesis or
--   Students will **construct** a diagram illustrating the process of photosynthesis</a:t>
+              <a:t>:  - Aim: Core theoretical introduction of submodule topic. - This session will cover some basics in how to use Quarto and then some ways it can work with other platforms to perform functions like referencing and publishing. - We will first begin by setting up a Quarto document in RStudio, then we will look at important elements: text, code, media, links, and layout. Next, we will work with both Quarto and Zotero for quick and easy citations and, finally, we will look at sharing our work to GitHub. - All of these are pertinent steps in learning how to use Quarto to facilitate Open Research practices</a:t>
+            </a:r>
+          </a:p>
+          <a:p>
+            <a:pPr lvl="0" indent="0" marL="0">
+              <a:buNone/>
+            </a:pPr>
+          </a:p>
+          <a:p>
+            <a:pPr lvl="0" indent="0" marL="0">
+              <a:buNone/>
+            </a:pPr>
+            <a:r>
+              <a:rPr b="1"/>
+              <a:t>Instructor Notes</a:t>
+            </a:r>
+            <a:r>
+              <a:rPr/>
+              <a:t>:  - Pair theoretical aspects with practical exercises and group discussions according to the Think-Pair-Share style and according to Cognitive Load Theory (Sweller, 1980). - For a 90-minute lesson, the instructor should try to “lecture” for only 20 minutes, students should work in groups/pairs/on their own for at least 55 minutes of the lesson (+ a 15 minute break). - Practical exercises on topic - Aim: practical exercises for students to apply the new skills in practise. Each submodule topic will include corresponding Tasks- adopting a “learn by doing” approach. - Depending on the topic, the exercises should be in accordance with the learning objective(s). - It’s useful to have exercises directly after a topic is taught to reinforce what was learnt. - For students who advance faster: Prepare extra exercises.</a:t>
             </a:r>
           </a:p>
         </p:txBody>
@@ -6704,7 +6997,7 @@
           <a:p>
             <a:fld id="{18BDFEC3-8487-43E8-A154-7C12CBC1FFF2}" type="slidenum">
               <a:rPr lang="en-US"/>
-              <a:t>11</a:t>
+              <a:t>9</a:t>
             </a:fld>
             <a:endParaRPr lang="en-US"/>
           </a:p>
@@ -6763,12 +7056,38 @@
               <a:buNone/>
             </a:pPr>
             <a:r>
-              <a:rPr i="1"/>
+              <a:rPr b="1"/>
               <a:t>Speaker Notes</a:t>
             </a:r>
             <a:r>
               <a:rPr/>
-              <a:t> - Aim: Introduce key terms and definitions that students will come across throughout the session. - This first part of the lesson is useful to establish an understanding of important vocabulary- it can be helpful to remind students of the meaning of these terms as they appear in the upcoming sections.</a:t>
+              <a:t>:  - These are the goals we’re working toward in today’s session. By the end, you should be comfortable creating, editing, and rendering Quarto documents. You’ll also know how to use key features like code chunks, YAML headers, citations, and formatting. - We’ll practice inserting citations and generating bibliographies using Zotero, and finally, we’ll publish and share our work using GitHub Pages. - Think of this as the full workflow: from authoring, through referencing, to sharing your work openly.</a:t>
+            </a:r>
+          </a:p>
+          <a:p>
+            <a:pPr lvl="0" indent="0" marL="0">
+              <a:buNone/>
+            </a:pPr>
+          </a:p>
+          <a:p>
+            <a:pPr lvl="0" indent="0" marL="0">
+              <a:buNone/>
+            </a:pPr>
+            <a:r>
+              <a:rPr b="1"/>
+              <a:t>Instructor Notes</a:t>
+            </a:r>
+            <a:r>
+              <a:rPr/>
+              <a:t>:  - Aim: Formulate specific, action-oriented goals learning goals which are measurable and observable in line with Bloom’s taxonomy (Anderson et al., 2001; Bloom et al., 1956) - Emphasis is placed on the </a:t>
+            </a:r>
+            <a:r>
+              <a:rPr b="1"/>
+              <a:t>verbs</a:t>
+            </a:r>
+            <a:r>
+              <a:rPr/>
+              <a:t> of the learning goals- choose verbs that align with the skills you want to develop or assess.</a:t>
             </a:r>
           </a:p>
         </p:txBody>
@@ -6790,7 +7109,7 @@
           <a:p>
             <a:fld id="{18BDFEC3-8487-43E8-A154-7C12CBC1FFF2}" type="slidenum">
               <a:rPr lang="en-US"/>
-              <a:t>12</a:t>
+              <a:t>10</a:t>
             </a:fld>
             <a:endParaRPr lang="en-US"/>
           </a:p>
@@ -9850,7 +10169,7 @@
             </a:pPr>
             <a:r>
               <a:rPr/>
-              <a:t>29/08/2025</a:t>
+              <a:t>03/09/2025</a:t>
             </a:r>
           </a:p>
         </p:txBody>
@@ -9900,107 +10219,92 @@
             </a:pPr>
             <a:r>
               <a:rPr b="1"/>
-              <a:t>Covered in this session</a:t>
-            </a:r>
-          </a:p>
-          <a:p>
-            <a:pPr lvl="0" indent="-342900" marL="342900">
-              <a:buAutoNum type="arabicPeriod"/>
-            </a:pPr>
-            <a:r>
-              <a:rPr b="1"/>
-              <a:t>Key Terms and Definitions</a:t>
-            </a:r>
-            <a:r>
-              <a:rPr/>
-              <a:t>: Understanding core concepts in Quarto</a:t>
-            </a:r>
-          </a:p>
-          <a:p>
-            <a:pPr lvl="0" indent="-342900" marL="342900">
-              <a:buAutoNum type="arabicPeriod"/>
-            </a:pPr>
-            <a:r>
-              <a:rPr b="1"/>
-              <a:t>Setting up Quarto</a:t>
-            </a:r>
-            <a:r>
-              <a:rPr/>
-              <a:t>: Opening a Quarto document in RStudio</a:t>
-            </a:r>
-          </a:p>
-          <a:p>
-            <a:pPr lvl="0" indent="-342900" marL="342900">
-              <a:buAutoNum type="arabicPeriod"/>
-            </a:pPr>
-            <a:r>
-              <a:rPr b="1"/>
-              <a:t>Authoring</a:t>
-            </a:r>
-            <a:r>
-              <a:rPr/>
-              <a:t>: Writing text and structuring content</a:t>
-            </a:r>
-          </a:p>
-          <a:p>
-            <a:pPr lvl="0" indent="-342900" marL="342900">
-              <a:buAutoNum type="arabicPeriod"/>
-            </a:pPr>
-            <a:r>
-              <a:rPr b="1"/>
-              <a:t>Code Chunks</a:t>
-            </a:r>
-            <a:r>
-              <a:rPr/>
-              <a:t>: Running and displaying code</a:t>
-            </a:r>
-          </a:p>
-          <a:p>
-            <a:pPr lvl="0" indent="-342900" marL="342900">
-              <a:buAutoNum type="arabicPeriod"/>
-            </a:pPr>
-            <a:r>
-              <a:rPr b="1"/>
-              <a:t>Additional Authoring Features</a:t>
-            </a:r>
-            <a:r>
-              <a:rPr/>
-              <a:t>: Using images, links, and columns</a:t>
-            </a:r>
-          </a:p>
-          <a:p>
-            <a:pPr lvl="0" indent="-342900" marL="342900">
-              <a:buAutoNum type="arabicPeriod"/>
-            </a:pPr>
-            <a:r>
-              <a:rPr b="1"/>
-              <a:t>Citations</a:t>
-            </a:r>
-            <a:r>
-              <a:rPr/>
-              <a:t>: Adding citations and bibliography with Zotero</a:t>
-            </a:r>
-          </a:p>
-          <a:p>
-            <a:pPr lvl="0" indent="-342900" marL="342900">
-              <a:buAutoNum type="arabicPeriod"/>
-            </a:pPr>
-            <a:r>
-              <a:rPr b="1"/>
-              <a:t>Publishing</a:t>
-            </a:r>
-            <a:r>
-              <a:rPr/>
-              <a:t>: Sharing your Quarto document to GitHub</a:t>
-            </a:r>
-          </a:p>
-          <a:p>
-            <a:pPr lvl="0" indent="0" marL="0">
-              <a:buNone/>
-            </a:pPr>
-            <a:r>
-              <a:rPr/>
-              <a:t> maybe make these points more speicifc? Publishing what, for example? Beth: Yes, I was just using them as a list of headers but I can see how having a small description would helpful</a:t>
+              <a:t>Session learning goals</a:t>
+            </a:r>
+          </a:p>
+          <a:p>
+            <a:pPr lvl="0" indent="0" marL="0">
+              <a:buNone/>
+            </a:pPr>
+            <a:r>
+              <a:rPr/>
+              <a:t>At the end of this session, you should be able to:</a:t>
+            </a:r>
+          </a:p>
+          <a:p>
+            <a:pPr lvl="0"/>
+            <a:r>
+              <a:rPr b="1"/>
+              <a:t>Create</a:t>
+            </a:r>
+            <a:r>
+              <a:rPr/>
+              <a:t>, </a:t>
+            </a:r>
+            <a:r>
+              <a:rPr b="1"/>
+              <a:t>edit</a:t>
+            </a:r>
+            <a:r>
+              <a:rPr/>
+              <a:t>, and </a:t>
+            </a:r>
+            <a:r>
+              <a:rPr b="1"/>
+              <a:t>render</a:t>
+            </a:r>
+            <a:r>
+              <a:rPr/>
+              <a:t> Quarto documents</a:t>
+            </a:r>
+          </a:p>
+          <a:p>
+            <a:pPr lvl="0"/>
+            <a:r>
+              <a:rPr b="1"/>
+              <a:t>Use</a:t>
+            </a:r>
+            <a:r>
+              <a:rPr/>
+              <a:t> key Quarto features like code chunks, YAML headers, citations, and output formatting</a:t>
+            </a:r>
+          </a:p>
+          <a:p>
+            <a:pPr lvl="0"/>
+            <a:r>
+              <a:rPr b="1"/>
+              <a:t>Insert</a:t>
+            </a:r>
+            <a:r>
+              <a:rPr/>
+              <a:t> citations and </a:t>
+            </a:r>
+            <a:r>
+              <a:rPr b="1"/>
+              <a:t>generate</a:t>
+            </a:r>
+            <a:r>
+              <a:rPr/>
+              <a:t> a bibliography with Zotero</a:t>
+            </a:r>
+          </a:p>
+          <a:p>
+            <a:pPr lvl="0"/>
+            <a:r>
+              <a:rPr b="1"/>
+              <a:t>Publish</a:t>
+            </a:r>
+            <a:r>
+              <a:rPr/>
+              <a:t> and </a:t>
+            </a:r>
+            <a:r>
+              <a:rPr b="1"/>
+              <a:t>share</a:t>
+            </a:r>
+            <a:r>
+              <a:rPr/>
+              <a:t> your work using GitHub Pages</a:t>
             </a:r>
           </a:p>
         </p:txBody>
@@ -10050,101 +10354,66 @@
             </a:pPr>
             <a:r>
               <a:rPr b="1"/>
-              <a:t>Session learning goals</a:t>
-            </a:r>
-          </a:p>
-          <a:p>
-            <a:pPr lvl="0" indent="0" marL="0">
-              <a:buNone/>
-            </a:pPr>
-            <a:r>
-              <a:rPr/>
-              <a:t>At the end of this session, you should be able to:</a:t>
+              <a:t>Key terms and definitions</a:t>
             </a:r>
           </a:p>
           <a:p>
             <a:pPr lvl="0"/>
             <a:r>
-              <a:rPr b="1"/>
-              <a:t>Create</a:t>
-            </a:r>
-            <a:r>
-              <a:rPr/>
-              <a:t>, </a:t>
-            </a:r>
-            <a:r>
-              <a:rPr b="1"/>
-              <a:t>edit</a:t>
-            </a:r>
-            <a:r>
-              <a:rPr/>
-              <a:t>, and </a:t>
-            </a:r>
-            <a:r>
-              <a:rPr b="1"/>
-              <a:t>render</a:t>
-            </a:r>
-            <a:r>
-              <a:rPr/>
-              <a:t> Quarto documents</a:t>
+              <a:rPr/>
+              <a:t>A Quarto document is saved as a </a:t>
+            </a:r>
+            <a:r>
+              <a:rPr b="1"/>
+              <a:t>.qmd file</a:t>
             </a:r>
           </a:p>
           <a:p>
             <a:pPr lvl="0"/>
             <a:r>
-              <a:rPr b="1"/>
-              <a:t>Use</a:t>
-            </a:r>
-            <a:r>
-              <a:rPr/>
-              <a:t> key Quarto features like code chunks, YAML headers, citations, and output formatting</a:t>
-            </a:r>
-          </a:p>
-          <a:p>
-            <a:pPr lvl="0"/>
-            <a:r>
-              <a:rPr b="1"/>
-              <a:t>Insert</a:t>
-            </a:r>
-            <a:r>
-              <a:rPr/>
-              <a:t> citations and </a:t>
-            </a:r>
-            <a:r>
-              <a:rPr b="1"/>
-              <a:t>generate</a:t>
-            </a:r>
-            <a:r>
-              <a:rPr/>
-              <a:t> a bibliography with Zotero</a:t>
-            </a:r>
-          </a:p>
-          <a:p>
-            <a:pPr lvl="0"/>
-            <a:r>
-              <a:rPr b="1"/>
-              <a:t>Publish</a:t>
-            </a:r>
-            <a:r>
-              <a:rPr/>
-              <a:t> and </a:t>
-            </a:r>
-            <a:r>
-              <a:rPr b="1"/>
-              <a:t>share</a:t>
-            </a:r>
-            <a:r>
-              <a:rPr/>
-              <a:t> your work using GitHub Pages</a:t>
-            </a:r>
-          </a:p>
-          <a:p>
-            <a:pPr lvl="0" indent="0" marL="0">
-              <a:buNone/>
-            </a:pPr>
-            <a:r>
-              <a:rPr/>
-              <a:t>From SvG: Did you want to add a learning goal for Zotero? Make sure that your learning goals align with the content you are getting across here (in the name of constructional alignment) Beth: Okay yes true because that would be the only one missing</a:t>
+              <a:rPr/>
+              <a:t>Components of a </a:t>
+            </a:r>
+            <a:r>
+              <a:rPr b="1"/>
+              <a:t>.qmd file</a:t>
+            </a:r>
+            <a:r>
+              <a:rPr/>
+              <a:t>:</a:t>
+            </a:r>
+          </a:p>
+          <a:p>
+            <a:pPr lvl="1"/>
+            <a:r>
+              <a:rPr b="1"/>
+              <a:t>YAML header</a:t>
+            </a:r>
+            <a:r>
+              <a:rPr/>
+              <a:t> is the section at the top of the Quarto document that controls settings like the title, output format, and author</a:t>
+            </a:r>
+          </a:p>
+          <a:p>
+            <a:pPr lvl="1"/>
+            <a:r>
+              <a:rPr b="1"/>
+              <a:t>Code chunks</a:t>
+            </a:r>
+            <a:r>
+              <a:rPr/>
+              <a:t> are the sections of the document that contain code (from R or Python, for example) that are used for showing results such as tables, plots, or calculations</a:t>
+            </a:r>
+          </a:p>
+          <a:p>
+            <a:pPr lvl="1"/>
+            <a:r>
+              <a:rPr b="1"/>
+              <a:t>Quarto markdown text</a:t>
+            </a:r>
+            <a:r>
+              <a:rPr/>
+              <a:t> combines text, codes, and formatting to create the actual content of the document</a:t>
             </a:r>
           </a:p>
         </p:txBody>
@@ -10173,12 +10442,12 @@
       </p:grpSpPr>
       <p:sp>
         <p:nvSpPr>
-          <p:cNvPr id="3" name="Content Placeholder 2"/>
-          <p:cNvSpPr>
-            <a:spLocks noGrp="1"/>
-          </p:cNvSpPr>
-          <p:nvPr>
-            <p:ph idx="1"/>
+          <p:cNvPr id="4" name="Text Placeholder 3"/>
+          <p:cNvSpPr>
+            <a:spLocks noGrp="1"/>
+          </p:cNvSpPr>
+          <p:nvPr>
+            <p:ph idx="2" sz="half" type="body"/>
           </p:nvPr>
         </p:nvSpPr>
         <p:spPr/>
@@ -10194,127 +10463,7 @@
             </a:pPr>
             <a:r>
               <a:rPr b="1"/>
-              <a:t>1.1 Key terms and definitions</a:t>
-            </a:r>
-          </a:p>
-          <a:p>
-            <a:pPr lvl="0" indent="0" marL="0">
-              <a:buNone/>
-            </a:pPr>
-            <a:r>
-              <a:rPr/>
-              <a:t>A Quarto Markdown document is saved as a </a:t>
-            </a:r>
-            <a:r>
-              <a:rPr b="1"/>
-              <a:t>.qmd file</a:t>
-            </a:r>
-          </a:p>
-          <a:p>
-            <a:pPr lvl="0"/>
-            <a:r>
-              <a:rPr/>
-              <a:t>Components of a </a:t>
-            </a:r>
-            <a:r>
-              <a:rPr b="1"/>
-              <a:t>.qmd file</a:t>
-            </a:r>
-            <a:r>
-              <a:rPr/>
-              <a:t>:</a:t>
-            </a:r>
-          </a:p>
-          <a:p>
-            <a:pPr lvl="1"/>
-            <a:r>
-              <a:rPr b="1"/>
-              <a:t>YAML header</a:t>
-            </a:r>
-            <a:r>
-              <a:rPr/>
-              <a:t> is the section at the top of the Quarto document that controls settings like the title, output format, and author.</a:t>
-            </a:r>
-          </a:p>
-          <a:p>
-            <a:pPr lvl="1"/>
-            <a:r>
-              <a:rPr b="1"/>
-              <a:t>Code chunks</a:t>
-            </a:r>
-            <a:r>
-              <a:rPr/>
-              <a:t> are the sections of the document that contain code (from R or Python, for example) that are used for showing results such as tables, plots, or calculations</a:t>
-            </a:r>
-          </a:p>
-          <a:p>
-            <a:pPr lvl="1"/>
-            <a:r>
-              <a:rPr b="1"/>
-              <a:t>Quarto markdown</a:t>
-            </a:r>
-            <a:r>
-              <a:rPr/>
-              <a:t> combines text, codes, and formatting to create the actual content of the document</a:t>
-            </a:r>
-          </a:p>
-          <a:p>
-            <a:pPr lvl="0" indent="0" marL="0">
-              <a:buNone/>
-            </a:pPr>
-            <a:r>
-              <a:rPr/>
-              <a:t>From SvG: Did you want to make bullet points for the first two lines? Also make sure to capitalise the first word in a bulleted list, as well as titles within the call-out notes, first word of the title only  Beth: Yes making the second line a bullet point is good but I like the first line being as it is</a:t>
-            </a:r>
-          </a:p>
-        </p:txBody>
-      </p:sp>
-    </p:spTree>
-  </p:cSld>
-</p:sld>
-</file>
-
-<file path=ppt/slides/slide13.xml><?xml version="1.0" encoding="utf-8"?>
-<p:sld xmlns:a="http://schemas.openxmlformats.org/drawingml/2006/main" xmlns:r="http://schemas.openxmlformats.org/officeDocument/2006/relationships" xmlns:p="http://schemas.openxmlformats.org/presentationml/2006/main">
-  <p:cSld>
-    <p:spTree>
-      <p:nvGrpSpPr>
-        <p:cNvPr id="1" name=""/>
-        <p:cNvGrpSpPr/>
-        <p:nvPr/>
-      </p:nvGrpSpPr>
-      <p:grpSpPr>
-        <a:xfrm>
-          <a:off x="0" y="0"/>
-          <a:ext cx="0" cy="0"/>
-          <a:chOff x="0" y="0"/>
-          <a:chExt cx="0" cy="0"/>
-        </a:xfrm>
-      </p:grpSpPr>
-      <p:sp>
-        <p:nvSpPr>
-          <p:cNvPr id="4" name="Text Placeholder 3"/>
-          <p:cNvSpPr>
-            <a:spLocks noGrp="1"/>
-          </p:cNvSpPr>
-          <p:nvPr>
-            <p:ph idx="2" sz="half" type="body"/>
-          </p:nvPr>
-        </p:nvSpPr>
-        <p:spPr/>
-        <p:txBody>
-          <a:bodyPr/>
-          <a:lstStyle/>
-          <a:p>
-            <a:pPr lvl="0" indent="0" marL="0">
-              <a:spcBef>
-                <a:spcPts val="3000"/>
-              </a:spcBef>
-              <a:buNone/>
-            </a:pPr>
-            <a:r>
-              <a:rPr b="1"/>
-              <a:t>1.2 Key terms and definitions</a:t>
+              <a:t>“Rendering in Quarto”</a:t>
             </a:r>
           </a:p>
           <a:p>
@@ -10446,6 +10595,118 @@
 </p:sld>
 </file>
 
+<file path=ppt/slides/slide13.xml><?xml version="1.0" encoding="utf-8"?>
+<p:sld xmlns:a="http://schemas.openxmlformats.org/drawingml/2006/main" xmlns:r="http://schemas.openxmlformats.org/officeDocument/2006/relationships" xmlns:p="http://schemas.openxmlformats.org/presentationml/2006/main">
+  <p:cSld>
+    <p:spTree>
+      <p:nvGrpSpPr>
+        <p:cNvPr id="1" name=""/>
+        <p:cNvGrpSpPr/>
+        <p:nvPr/>
+      </p:nvGrpSpPr>
+      <p:grpSpPr>
+        <a:xfrm>
+          <a:off x="0" y="0"/>
+          <a:ext cx="0" cy="0"/>
+          <a:chOff x="0" y="0"/>
+          <a:chExt cx="0" cy="0"/>
+        </a:xfrm>
+      </p:grpSpPr>
+      <p:sp>
+        <p:nvSpPr>
+          <p:cNvPr id="3" name="Content Placeholder 2"/>
+          <p:cNvSpPr>
+            <a:spLocks noGrp="1"/>
+          </p:cNvSpPr>
+          <p:nvPr>
+            <p:ph idx="1"/>
+          </p:nvPr>
+        </p:nvSpPr>
+        <p:spPr/>
+        <p:txBody>
+          <a:bodyPr/>
+          <a:lstStyle/>
+          <a:p>
+            <a:pPr lvl="0" indent="0" marL="0">
+              <a:spcBef>
+                <a:spcPts val="3000"/>
+              </a:spcBef>
+              <a:buNone/>
+            </a:pPr>
+            <a:r>
+              <a:rPr b="1"/>
+              <a:t>Quarto modes</a:t>
+            </a:r>
+          </a:p>
+          <a:p>
+            <a:pPr lvl="0" indent="0" marL="0">
+              <a:buNone/>
+            </a:pPr>
+            <a:r>
+              <a:rPr/>
+              <a:t>You can write Quarto documents in </a:t>
+            </a:r>
+            <a:r>
+              <a:rPr b="1"/>
+              <a:t>Source mode</a:t>
+            </a:r>
+            <a:r>
+              <a:rPr/>
+              <a:t> or </a:t>
+            </a:r>
+            <a:r>
+              <a:rPr b="1"/>
+              <a:t>Visual mode</a:t>
+            </a:r>
+            <a:r>
+              <a:rPr/>
+              <a:t> in RStudio.</a:t>
+            </a:r>
+          </a:p>
+          <a:p>
+            <a:pPr lvl="0"/>
+            <a:r>
+              <a:rPr b="1"/>
+              <a:t>Source mode</a:t>
+            </a:r>
+            <a:r>
+              <a:rPr/>
+              <a:t> allows you write directly in plain text/Markdown Syntax, allowing for more control and it’s closer to raw code</a:t>
+            </a:r>
+          </a:p>
+          <a:p>
+            <a:pPr lvl="0"/>
+            <a:r>
+              <a:rPr b="1"/>
+              <a:t>Visual mode</a:t>
+            </a:r>
+            <a:r>
+              <a:rPr/>
+              <a:t> gives a WYSIWYM-style interface which is easier for beginners, but sometimes hides syntax.</a:t>
+            </a:r>
+          </a:p>
+          <a:p>
+            <a:pPr lvl="0"/>
+            <a:r>
+              <a:rPr/>
+              <a:t>This is part of the </a:t>
+            </a:r>
+            <a:r>
+              <a:rPr b="1"/>
+              <a:t>authoring process</a:t>
+            </a:r>
+            <a:r>
+              <a:rPr/>
+              <a:t>, and it allows you to format the text, add code, and build your document.</a:t>
+            </a:r>
+          </a:p>
+        </p:txBody>
+      </p:sp>
+    </p:spTree>
+  </p:cSld>
+</p:sld>
+</file>
+
 <file path=ppt/slides/slide14.xml><?xml version="1.0" encoding="utf-8"?>
 <p:sld xmlns:a="http://schemas.openxmlformats.org/drawingml/2006/main" xmlns:r="http://schemas.openxmlformats.org/officeDocument/2006/relationships" xmlns:p="http://schemas.openxmlformats.org/presentationml/2006/main">
   <p:cSld>
@@ -10486,78 +10747,16 @@
             </a:pPr>
             <a:r>
               <a:rPr b="1"/>
-              <a:t>1.3 Key terms and definitions</a:t>
-            </a:r>
-          </a:p>
-          <a:p>
-            <a:pPr lvl="0" indent="0" marL="0">
-              <a:buNone/>
-            </a:pPr>
-            <a:r>
-              <a:rPr/>
-              <a:t>You can write Quarto documents in </a:t>
-            </a:r>
-            <a:r>
-              <a:rPr b="1"/>
-              <a:t>Source mode</a:t>
-            </a:r>
-            <a:r>
-              <a:rPr/>
-              <a:t> or </a:t>
-            </a:r>
-            <a:r>
-              <a:rPr b="1"/>
-              <a:t>Visual mode</a:t>
-            </a:r>
-            <a:r>
-              <a:rPr/>
-              <a:t> in RStudio.</a:t>
-            </a:r>
-          </a:p>
-          <a:p>
-            <a:pPr lvl="0"/>
-            <a:r>
-              <a:rPr b="1"/>
-              <a:t>Source mode</a:t>
-            </a:r>
-            <a:r>
-              <a:rPr/>
-              <a:t> allows you write directly in plain text/Markdown Syntax, allowing for more control and it’s closer to raw code</a:t>
-            </a:r>
-          </a:p>
-          <a:p>
-            <a:pPr lvl="0"/>
-            <a:r>
-              <a:rPr b="1"/>
-              <a:t>Visual mode</a:t>
-            </a:r>
-            <a:r>
-              <a:rPr/>
-              <a:t> gives a WYSIWYM-style interface which is easier for beginners, but sometimes hides syntax.</a:t>
-            </a:r>
-          </a:p>
-          <a:p>
-            <a:pPr lvl="0"/>
-            <a:r>
-              <a:rPr/>
-              <a:t>This is part of the </a:t>
-            </a:r>
-            <a:r>
-              <a:rPr b="1"/>
-              <a:t>authoring process</a:t>
-            </a:r>
-            <a:r>
-              <a:rPr/>
-              <a:t>, and it allows you to format the text, add code, and build your document.</a:t>
-            </a:r>
-          </a:p>
-          <a:p>
-            <a:pPr lvl="0" indent="0" marL="0">
-              <a:buNone/>
-            </a:pPr>
-            <a:r>
-              <a:rPr/>
-              <a:t>From SvG: Does it make sense for you to have the key terms I - III like this? Added this for overview - I also did the numbering later for authoring for instance, but perhaps there you can find better titles instead of my Authoring (I) etc?  Beth: I originally wanted to number it like 1.1, 1.2, 1.3 to reflect the numbering in the “Covered in this session” section, is this okay?</a:t>
+              <a:t>Creating a Quarto document</a:t>
+            </a:r>
+          </a:p>
+          <a:p>
+            <a:pPr lvl="0" indent="0" marL="0">
+              <a:buNone/>
+            </a:pPr>
+            <a:r>
+              <a:rPr/>
+              <a:t>These are the steps to open a Quarto Document in RStudio:</a:t>
             </a:r>
           </a:p>
         </p:txBody>
@@ -10568,65 +10767,6 @@
 </file>
 
 <file path=ppt/slides/slide15.xml><?xml version="1.0" encoding="utf-8"?>
-<p:sld xmlns:a="http://schemas.openxmlformats.org/drawingml/2006/main" xmlns:r="http://schemas.openxmlformats.org/officeDocument/2006/relationships" xmlns:p="http://schemas.openxmlformats.org/presentationml/2006/main">
-  <p:cSld>
-    <p:spTree>
-      <p:nvGrpSpPr>
-        <p:cNvPr id="1" name=""/>
-        <p:cNvGrpSpPr/>
-        <p:nvPr/>
-      </p:nvGrpSpPr>
-      <p:grpSpPr>
-        <a:xfrm>
-          <a:off x="0" y="0"/>
-          <a:ext cx="0" cy="0"/>
-          <a:chOff x="0" y="0"/>
-          <a:chExt cx="0" cy="0"/>
-        </a:xfrm>
-      </p:grpSpPr>
-      <p:sp>
-        <p:nvSpPr>
-          <p:cNvPr id="3" name="Content Placeholder 2"/>
-          <p:cNvSpPr>
-            <a:spLocks noGrp="1"/>
-          </p:cNvSpPr>
-          <p:nvPr>
-            <p:ph idx="1"/>
-          </p:nvPr>
-        </p:nvSpPr>
-        <p:spPr/>
-        <p:txBody>
-          <a:bodyPr/>
-          <a:lstStyle/>
-          <a:p>
-            <a:pPr lvl="0" indent="0" marL="0">
-              <a:spcBef>
-                <a:spcPts val="3000"/>
-              </a:spcBef>
-              <a:buNone/>
-            </a:pPr>
-            <a:r>
-              <a:rPr b="1"/>
-              <a:t>2.1 Setting up Quarto</a:t>
-            </a:r>
-          </a:p>
-          <a:p>
-            <a:pPr lvl="0" indent="0" marL="0">
-              <a:buNone/>
-            </a:pPr>
-            <a:r>
-              <a:rPr/>
-              <a:t>These are the steps to open a Quarto Document in RStudio:</a:t>
-            </a:r>
-          </a:p>
-        </p:txBody>
-      </p:sp>
-    </p:spTree>
-  </p:cSld>
-</p:sld>
-</file>
-
-<file path=ppt/slides/slide16.xml><?xml version="1.0" encoding="utf-8"?>
 <p:sld xmlns:a="http://schemas.openxmlformats.org/drawingml/2006/main" xmlns:r="http://schemas.openxmlformats.org/officeDocument/2006/relationships" xmlns:p="http://schemas.openxmlformats.org/presentationml/2006/main">
   <p:cSld>
     <p:spTree>
@@ -10729,7 +10869,7 @@
 </p:sld>
 </file>
 
-<file path=ppt/slides/slide17.xml><?xml version="1.0" encoding="utf-8"?>
+<file path=ppt/slides/slide16.xml><?xml version="1.0" encoding="utf-8"?>
 <p:sld xmlns:a="http://schemas.openxmlformats.org/drawingml/2006/main" xmlns:r="http://schemas.openxmlformats.org/officeDocument/2006/relationships" xmlns:p="http://schemas.openxmlformats.org/presentationml/2006/main">
   <p:cSld>
     <p:spTree>
@@ -10769,7 +10909,7 @@
             </a:pPr>
             <a:r>
               <a:rPr b="1"/>
-              <a:t>2.2 Setting up Quarto</a:t>
+              <a:t>Setting up Quarto document</a:t>
             </a:r>
           </a:p>
         </p:txBody>
@@ -10779,7 +10919,7 @@
 </p:sld>
 </file>
 
-<file path=ppt/slides/slide18.xml><?xml version="1.0" encoding="utf-8"?>
+<file path=ppt/slides/slide17.xml><?xml version="1.0" encoding="utf-8"?>
 <p:sld xmlns:a="http://schemas.openxmlformats.org/drawingml/2006/main" xmlns:r="http://schemas.openxmlformats.org/officeDocument/2006/relationships" xmlns:p="http://schemas.openxmlformats.org/presentationml/2006/main">
   <p:cSld>
     <p:spTree>
@@ -10872,6 +11012,63 @@
 </p:sld>
 </file>
 
+<file path=ppt/slides/slide18.xml><?xml version="1.0" encoding="utf-8"?>
+<p:sld xmlns:a="http://schemas.openxmlformats.org/drawingml/2006/main" xmlns:r="http://schemas.openxmlformats.org/officeDocument/2006/relationships" xmlns:p="http://schemas.openxmlformats.org/presentationml/2006/main">
+  <p:cSld>
+    <p:spTree>
+      <p:nvGrpSpPr>
+        <p:cNvPr id="1" name=""/>
+        <p:cNvGrpSpPr/>
+        <p:nvPr/>
+      </p:nvGrpSpPr>
+      <p:grpSpPr>
+        <a:xfrm>
+          <a:off x="0" y="0"/>
+          <a:ext cx="0" cy="0"/>
+          <a:chOff x="0" y="0"/>
+          <a:chExt cx="0" cy="0"/>
+        </a:xfrm>
+      </p:grpSpPr>
+      <p:sp>
+        <p:nvSpPr>
+          <p:cNvPr id="3" name="Content Placeholder 2"/>
+          <p:cNvSpPr>
+            <a:spLocks noGrp="1"/>
+          </p:cNvSpPr>
+          <p:nvPr>
+            <p:ph idx="1"/>
+          </p:nvPr>
+        </p:nvSpPr>
+        <p:spPr/>
+        <p:txBody>
+          <a:bodyPr/>
+          <a:lstStyle/>
+          <a:p>
+            <a:pPr lvl="0" indent="0" marL="0">
+              <a:spcBef>
+                <a:spcPts val="3000"/>
+              </a:spcBef>
+              <a:buNone/>
+            </a:pPr>
+            <a:r>
+              <a:rPr b="1"/>
+              <a:t>Practical exercise 1</a:t>
+            </a:r>
+          </a:p>
+          <a:p>
+            <a:pPr lvl="0"/>
+            <a:r>
+              <a:rPr/>
+              <a:t>☐ Repeat the steps to create a new Quarto Document</a:t>
+            </a:r>
+          </a:p>
+        </p:txBody>
+      </p:sp>
+    </p:spTree>
+  </p:cSld>
+</p:sld>
+</file>
+
 <file path=ppt/slides/slide19.xml><?xml version="1.0" encoding="utf-8"?>
 <p:sld xmlns:a="http://schemas.openxmlformats.org/drawingml/2006/main" xmlns:r="http://schemas.openxmlformats.org/officeDocument/2006/relationships" xmlns:p="http://schemas.openxmlformats.org/presentationml/2006/main">
   <p:cSld>
@@ -10912,14 +11109,50 @@
             </a:pPr>
             <a:r>
               <a:rPr b="1"/>
-              <a:t>Practical exercise 1</a:t>
+              <a:t>Authoring a Quarto document</a:t>
+            </a:r>
+          </a:p>
+          <a:p>
+            <a:pPr lvl="0" indent="0" marL="0">
+              <a:buNone/>
+            </a:pPr>
+            <a:r>
+              <a:rPr/>
+              <a:t>What is </a:t>
+            </a:r>
+            <a:r>
+              <a:rPr b="1"/>
+              <a:t>authoring</a:t>
+            </a:r>
+            <a:r>
+              <a:rPr/>
+              <a:t>? The process of writing and structuring the Quarto document.</a:t>
             </a:r>
           </a:p>
           <a:p>
             <a:pPr lvl="0"/>
             <a:r>
               <a:rPr/>
-              <a:t>☐ Repeat the steps to create a new Quarto Document</a:t>
+              <a:t>Consider it as a formula: </a:t>
+            </a:r>
+            <a:r>
+              <a:rPr b="1"/>
+              <a:t>Authoring = YAML Header + Markdown</a:t>
+            </a:r>
+          </a:p>
+          <a:p>
+            <a:pPr lvl="0"/>
+            <a:r>
+              <a:rPr/>
+              <a:t>To practice authoring in Quarto, let’s start with setting the YAML header and adding markdown text in </a:t>
+            </a:r>
+            <a:r>
+              <a:rPr b="1"/>
+              <a:t>Source mode</a:t>
+            </a:r>
+            <a:r>
+              <a:rPr/>
+              <a:t>.</a:t>
             </a:r>
           </a:p>
         </p:txBody>
@@ -11020,13 +11253,22 @@
             </a:r>
             <a:r>
               <a:rPr>
-                <a:hlinkClick r:id="rId2"/>
+                <a:hlinkClick r:id="rId3"/>
               </a:rPr>
               <a:t>Creative Commons Attribution 4.0 International License</a:t>
             </a:r>
             <a:r>
               <a:rPr/>
               <a:t>.</a:t>
+            </a:r>
+          </a:p>
+          <a:p>
+            <a:pPr lvl="0" indent="0" marL="0">
+              <a:buNone/>
+            </a:pPr>
+            <a:r>
+              <a:rPr/>
+              <a:t>From SvG: I think you are mixing instructor and speaker notes throughout - make sure to add what you would say for a slide to the students to speaker notes, and any tips or things instructors need to pay attention to to the instructor notes. Also make sure to have consistent formatting for these notes, like the speaker notes in bold and if there are bullet points separated by a  see the first 20 slides or so and revise the rest accordingly. Also check the creation manual for naming of the images and edit! </a:t>
             </a:r>
           </a:p>
         </p:txBody>
@@ -11076,50 +11318,278 @@
             </a:pPr>
             <a:r>
               <a:rPr b="1"/>
-              <a:t>3.1 Authoring</a:t>
-            </a:r>
-          </a:p>
-          <a:p>
-            <a:pPr lvl="0" indent="0" marL="0">
-              <a:buNone/>
-            </a:pPr>
-            <a:r>
-              <a:rPr/>
-              <a:t>What is </a:t>
-            </a:r>
-            <a:r>
-              <a:rPr b="1"/>
-              <a:t>authoring</a:t>
-            </a:r>
-            <a:r>
-              <a:rPr/>
-              <a:t>? The process of writing and structuring the Quarto document.</a:t>
-            </a:r>
-          </a:p>
-          <a:p>
-            <a:pPr lvl="0" indent="0" marL="0">
-              <a:buNone/>
-            </a:pPr>
-            <a:r>
-              <a:rPr b="1"/>
-              <a:t>Authoring = YAML Header + Markdown</a:t>
-            </a:r>
-          </a:p>
-          <a:p>
-            <a:pPr lvl="0" indent="0" marL="0">
-              <a:buNone/>
-            </a:pPr>
-            <a:r>
-              <a:rPr/>
-              <a:t>To practice authoring in Quarto, let’s start with setting the YAML header and adding markdown text in </a:t>
-            </a:r>
-            <a:r>
-              <a:rPr b="1"/>
-              <a:t>Source</a:t>
-            </a:r>
-            <a:r>
-              <a:rPr/>
-              <a:t> mode.</a:t>
+              <a:t>Practical exericise 2</a:t>
+            </a:r>
+          </a:p>
+          <a:p>
+            <a:pPr lvl="0"/>
+            <a:r>
+              <a:rPr/>
+              <a:t>☐ Copy and paste the following into the YAML Header of your document</a:t>
+            </a:r>
+          </a:p>
+          <a:p>
+            <a:pPr lvl="0" indent="0">
+              <a:buNone/>
+            </a:pPr>
+            <a:r>
+              <a:rPr>
+                <a:solidFill>
+                  <a:srgbClr val="AD0000"/>
+                </a:solidFill>
+                <a:latin typeface="Courier"/>
+              </a:rPr>
+              <a:t>---</a:t>
+            </a:r>
+            <a:br/>
+            <a:r>
+              <a:rPr>
+                <a:solidFill>
+                  <a:srgbClr val="4758AB"/>
+                </a:solidFill>
+                <a:latin typeface="Courier"/>
+              </a:rPr>
+              <a:t>title</a:t>
+            </a:r>
+            <a:r>
+              <a:rPr b="1">
+                <a:solidFill>
+                  <a:srgbClr val="003B4F"/>
+                </a:solidFill>
+                <a:latin typeface="Courier"/>
+              </a:rPr>
+              <a:t>:</a:t>
+            </a:r>
+            <a:r>
+              <a:rPr>
+                <a:solidFill>
+                  <a:srgbClr val="657422"/>
+                </a:solidFill>
+                <a:latin typeface="Courier"/>
+              </a:rPr>
+              <a:t> </a:t>
+            </a:r>
+            <a:r>
+              <a:rPr>
+                <a:solidFill>
+                  <a:srgbClr val="20794D"/>
+                </a:solidFill>
+                <a:latin typeface="Courier"/>
+              </a:rPr>
+              <a:t>"ChickWeight Analysis"</a:t>
+            </a:r>
+            <a:br/>
+            <a:r>
+              <a:rPr>
+                <a:solidFill>
+                  <a:srgbClr val="4758AB"/>
+                </a:solidFill>
+                <a:latin typeface="Courier"/>
+              </a:rPr>
+              <a:t>author</a:t>
+            </a:r>
+            <a:r>
+              <a:rPr b="1">
+                <a:solidFill>
+                  <a:srgbClr val="003B4F"/>
+                </a:solidFill>
+                <a:latin typeface="Courier"/>
+              </a:rPr>
+              <a:t>:</a:t>
+            </a:r>
+            <a:r>
+              <a:rPr>
+                <a:solidFill>
+                  <a:srgbClr val="657422"/>
+                </a:solidFill>
+                <a:latin typeface="Courier"/>
+              </a:rPr>
+              <a:t> </a:t>
+            </a:r>
+            <a:r>
+              <a:rPr>
+                <a:solidFill>
+                  <a:srgbClr val="20794D"/>
+                </a:solidFill>
+                <a:latin typeface="Courier"/>
+              </a:rPr>
+              <a:t>"Your Name"</a:t>
+            </a:r>
+            <a:br/>
+            <a:r>
+              <a:rPr>
+                <a:solidFill>
+                  <a:srgbClr val="4758AB"/>
+                </a:solidFill>
+                <a:latin typeface="Courier"/>
+              </a:rPr>
+              <a:t>format</a:t>
+            </a:r>
+            <a:r>
+              <a:rPr b="1">
+                <a:solidFill>
+                  <a:srgbClr val="003B4F"/>
+                </a:solidFill>
+                <a:latin typeface="Courier"/>
+              </a:rPr>
+              <a:t>:</a:t>
+            </a:r>
+            <a:br/>
+            <a:r>
+              <a:rPr>
+                <a:solidFill>
+                  <a:srgbClr val="657422"/>
+                </a:solidFill>
+                <a:latin typeface="Courier"/>
+              </a:rPr>
+              <a:t>  </a:t>
+            </a:r>
+            <a:r>
+              <a:rPr>
+                <a:solidFill>
+                  <a:srgbClr val="4758AB"/>
+                </a:solidFill>
+                <a:latin typeface="Courier"/>
+              </a:rPr>
+              <a:t>html</a:t>
+            </a:r>
+            <a:r>
+              <a:rPr b="1">
+                <a:solidFill>
+                  <a:srgbClr val="003B4F"/>
+                </a:solidFill>
+                <a:latin typeface="Courier"/>
+              </a:rPr>
+              <a:t>:</a:t>
+            </a:r>
+            <a:br/>
+            <a:r>
+              <a:rPr>
+                <a:solidFill>
+                  <a:srgbClr val="657422"/>
+                </a:solidFill>
+                <a:latin typeface="Courier"/>
+              </a:rPr>
+              <a:t>    </a:t>
+            </a:r>
+            <a:r>
+              <a:rPr>
+                <a:solidFill>
+                  <a:srgbClr val="4758AB"/>
+                </a:solidFill>
+                <a:latin typeface="Courier"/>
+              </a:rPr>
+              <a:t>code-fold</a:t>
+            </a:r>
+            <a:r>
+              <a:rPr b="1">
+                <a:solidFill>
+                  <a:srgbClr val="003B4F"/>
+                </a:solidFill>
+                <a:latin typeface="Courier"/>
+              </a:rPr>
+              <a:t>:</a:t>
+            </a:r>
+            <a:r>
+              <a:rPr>
+                <a:solidFill>
+                  <a:srgbClr val="657422"/>
+                </a:solidFill>
+                <a:latin typeface="Courier"/>
+              </a:rPr>
+              <a:t> </a:t>
+            </a:r>
+            <a:r>
+              <a:rPr>
+                <a:solidFill>
+                  <a:srgbClr val="20794D"/>
+                </a:solidFill>
+                <a:latin typeface="Courier"/>
+              </a:rPr>
+              <a:t>false</a:t>
+            </a:r>
+            <a:br/>
+            <a:r>
+              <a:rPr>
+                <a:solidFill>
+                  <a:srgbClr val="657422"/>
+                </a:solidFill>
+                <a:latin typeface="Courier"/>
+              </a:rPr>
+              <a:t>    </a:t>
+            </a:r>
+            <a:r>
+              <a:rPr>
+                <a:solidFill>
+                  <a:srgbClr val="4758AB"/>
+                </a:solidFill>
+                <a:latin typeface="Courier"/>
+              </a:rPr>
+              <a:t>toc</a:t>
+            </a:r>
+            <a:r>
+              <a:rPr b="1">
+                <a:solidFill>
+                  <a:srgbClr val="003B4F"/>
+                </a:solidFill>
+                <a:latin typeface="Courier"/>
+              </a:rPr>
+              <a:t>:</a:t>
+            </a:r>
+            <a:r>
+              <a:rPr>
+                <a:solidFill>
+                  <a:srgbClr val="657422"/>
+                </a:solidFill>
+                <a:latin typeface="Courier"/>
+              </a:rPr>
+              <a:t> </a:t>
+            </a:r>
+            <a:r>
+              <a:rPr>
+                <a:solidFill>
+                  <a:srgbClr val="20794D"/>
+                </a:solidFill>
+                <a:latin typeface="Courier"/>
+              </a:rPr>
+              <a:t>true</a:t>
+            </a:r>
+            <a:br/>
+            <a:r>
+              <a:rPr>
+                <a:solidFill>
+                  <a:srgbClr val="AD0000"/>
+                </a:solidFill>
+                <a:latin typeface="Courier"/>
+              </a:rPr>
+              <a:t>---</a:t>
+            </a:r>
+          </a:p>
+          <a:p>
+            <a:pPr lvl="0" indent="0" marL="1270000">
+              <a:buNone/>
+            </a:pPr>
+            <a:r>
+              <a:rPr sz="2000" b="1"/>
+              <a:t>Output format</a:t>
+            </a:r>
+          </a:p>
+          <a:p>
+            <a:pPr lvl="0" indent="0" marL="1270000">
+              <a:buNone/>
+            </a:pPr>
+            <a:r>
+              <a:rPr sz="2000"/>
+              <a:t>You can replace “html” to render the document to a different format.</a:t>
+            </a:r>
+          </a:p>
+          <a:p>
+            <a:pPr lvl="0" indent="0" marL="1270000">
+              <a:buNone/>
+            </a:pPr>
+            <a:r>
+              <a:rPr sz="2000"/>
+              <a:t>Here is a link to a list of the different output formats.</a:t>
             </a:r>
           </a:p>
         </p:txBody>
@@ -11169,251 +11639,120 @@
             </a:pPr>
             <a:r>
               <a:rPr b="1"/>
-              <a:t>Practical exericise 2</a:t>
+              <a:t>Authoring: Text formatting</a:t>
+            </a:r>
+          </a:p>
+          <a:p>
+            <a:pPr lvl="0" indent="0" marL="0">
+              <a:buNone/>
+            </a:pPr>
+            <a:r>
+              <a:rPr b="1"/>
+              <a:t>Basic Markdown Text Formatting</a:t>
             </a:r>
           </a:p>
           <a:p>
             <a:pPr lvl="0"/>
             <a:r>
-              <a:rPr/>
-              <a:t>☐ Copy &amp; paste the following into the YAML Header of your document</a:t>
-            </a:r>
-          </a:p>
-          <a:p>
-            <a:pPr lvl="0" indent="0">
-              <a:buNone/>
-            </a:pPr>
+              <a:rPr b="1"/>
+              <a:t>Bold:</a:t>
+            </a:r>
+            <a:r>
+              <a:rPr/>
+              <a:t> </a:t>
+            </a:r>
             <a:r>
               <a:rPr>
-                <a:solidFill>
-                  <a:srgbClr val="AD0000"/>
-                </a:solidFill>
                 <a:latin typeface="Courier"/>
               </a:rPr>
-              <a:t>---</a:t>
-            </a:r>
-            <a:br/>
+              <a:t>**bold**</a:t>
+            </a:r>
+            <a:r>
+              <a:rPr/>
+              <a:t> → </a:t>
+            </a:r>
+            <a:r>
+              <a:rPr b="1"/>
+              <a:t>bold</a:t>
+            </a:r>
+          </a:p>
+          <a:p>
+            <a:pPr lvl="0"/>
+            <a:r>
+              <a:rPr i="1"/>
+              <a:t>Italic:</a:t>
+            </a:r>
+            <a:r>
+              <a:rPr/>
+              <a:t> </a:t>
+            </a:r>
             <a:r>
               <a:rPr>
-                <a:solidFill>
-                  <a:srgbClr val="4758AB"/>
-                </a:solidFill>
                 <a:latin typeface="Courier"/>
               </a:rPr>
-              <a:t>title</a:t>
-            </a:r>
-            <a:r>
-              <a:rPr b="1">
-                <a:solidFill>
-                  <a:srgbClr val="003B4F"/>
-                </a:solidFill>
+              <a:t>*italic*</a:t>
+            </a:r>
+            <a:r>
+              <a:rPr/>
+              <a:t> → </a:t>
+            </a:r>
+            <a:r>
+              <a:rPr i="1"/>
+              <a:t>italic</a:t>
+            </a:r>
+          </a:p>
+          <a:p>
+            <a:pPr lvl="0"/>
+            <a:r>
+              <a:rPr strike="sngStrike"/>
+              <a:t>Strikethrough:</a:t>
+            </a:r>
+            <a:r>
+              <a:rPr/>
+              <a:t> </a:t>
+            </a:r>
+            <a:r>
+              <a:rPr>
                 <a:latin typeface="Courier"/>
               </a:rPr>
-              <a:t>:</a:t>
-            </a:r>
+              <a:t>~~text~~</a:t>
+            </a:r>
+            <a:r>
+              <a:rPr/>
+              <a:t> → </a:t>
+            </a:r>
+            <a:r>
+              <a:rPr strike="sngStrike"/>
+              <a:t>text</a:t>
+            </a:r>
+          </a:p>
+          <a:p>
+            <a:pPr lvl="0"/>
             <a:r>
               <a:rPr>
-                <a:solidFill>
-                  <a:srgbClr val="657422"/>
-                </a:solidFill>
                 <a:latin typeface="Courier"/>
               </a:rPr>
+              <a:t>Inline code:</a:t>
+            </a:r>
+            <a:r>
+              <a:rPr/>
               <a:t> </a:t>
             </a:r>
             <a:r>
               <a:rPr>
-                <a:solidFill>
-                  <a:srgbClr val="20794D"/>
-                </a:solidFill>
                 <a:latin typeface="Courier"/>
               </a:rPr>
-              <a:t>"ChickWeight Analysis"</a:t>
-            </a:r>
-            <a:br/>
+              <a:t>`code`</a:t>
+            </a:r>
+            <a:r>
+              <a:rPr/>
+              <a:t> → </a:t>
+            </a:r>
             <a:r>
               <a:rPr>
-                <a:solidFill>
-                  <a:srgbClr val="4758AB"/>
-                </a:solidFill>
                 <a:latin typeface="Courier"/>
               </a:rPr>
-              <a:t>author</a:t>
-            </a:r>
-            <a:r>
-              <a:rPr b="1">
-                <a:solidFill>
-                  <a:srgbClr val="003B4F"/>
-                </a:solidFill>
-                <a:latin typeface="Courier"/>
-              </a:rPr>
-              <a:t>:</a:t>
-            </a:r>
-            <a:r>
-              <a:rPr>
-                <a:solidFill>
-                  <a:srgbClr val="657422"/>
-                </a:solidFill>
-                <a:latin typeface="Courier"/>
-              </a:rPr>
-              <a:t> </a:t>
-            </a:r>
-            <a:r>
-              <a:rPr>
-                <a:solidFill>
-                  <a:srgbClr val="20794D"/>
-                </a:solidFill>
-                <a:latin typeface="Courier"/>
-              </a:rPr>
-              <a:t>"Your Name"</a:t>
-            </a:r>
-            <a:br/>
-            <a:r>
-              <a:rPr>
-                <a:solidFill>
-                  <a:srgbClr val="4758AB"/>
-                </a:solidFill>
-                <a:latin typeface="Courier"/>
-              </a:rPr>
-              <a:t>format</a:t>
-            </a:r>
-            <a:r>
-              <a:rPr b="1">
-                <a:solidFill>
-                  <a:srgbClr val="003B4F"/>
-                </a:solidFill>
-                <a:latin typeface="Courier"/>
-              </a:rPr>
-              <a:t>:</a:t>
-            </a:r>
-            <a:br/>
-            <a:r>
-              <a:rPr>
-                <a:solidFill>
-                  <a:srgbClr val="657422"/>
-                </a:solidFill>
-                <a:latin typeface="Courier"/>
-              </a:rPr>
-              <a:t>  </a:t>
-            </a:r>
-            <a:r>
-              <a:rPr>
-                <a:solidFill>
-                  <a:srgbClr val="4758AB"/>
-                </a:solidFill>
-                <a:latin typeface="Courier"/>
-              </a:rPr>
-              <a:t>html</a:t>
-            </a:r>
-            <a:r>
-              <a:rPr b="1">
-                <a:solidFill>
-                  <a:srgbClr val="003B4F"/>
-                </a:solidFill>
-                <a:latin typeface="Courier"/>
-              </a:rPr>
-              <a:t>:</a:t>
-            </a:r>
-            <a:br/>
-            <a:r>
-              <a:rPr>
-                <a:solidFill>
-                  <a:srgbClr val="657422"/>
-                </a:solidFill>
-                <a:latin typeface="Courier"/>
-              </a:rPr>
-              <a:t>    </a:t>
-            </a:r>
-            <a:r>
-              <a:rPr>
-                <a:solidFill>
-                  <a:srgbClr val="4758AB"/>
-                </a:solidFill>
-                <a:latin typeface="Courier"/>
-              </a:rPr>
-              <a:t>code-fold</a:t>
-            </a:r>
-            <a:r>
-              <a:rPr b="1">
-                <a:solidFill>
-                  <a:srgbClr val="003B4F"/>
-                </a:solidFill>
-                <a:latin typeface="Courier"/>
-              </a:rPr>
-              <a:t>:</a:t>
-            </a:r>
-            <a:r>
-              <a:rPr>
-                <a:solidFill>
-                  <a:srgbClr val="657422"/>
-                </a:solidFill>
-                <a:latin typeface="Courier"/>
-              </a:rPr>
-              <a:t> </a:t>
-            </a:r>
-            <a:r>
-              <a:rPr>
-                <a:solidFill>
-                  <a:srgbClr val="20794D"/>
-                </a:solidFill>
-                <a:latin typeface="Courier"/>
-              </a:rPr>
-              <a:t>false</a:t>
-            </a:r>
-            <a:br/>
-            <a:r>
-              <a:rPr>
-                <a:solidFill>
-                  <a:srgbClr val="657422"/>
-                </a:solidFill>
-                <a:latin typeface="Courier"/>
-              </a:rPr>
-              <a:t>    </a:t>
-            </a:r>
-            <a:r>
-              <a:rPr>
-                <a:solidFill>
-                  <a:srgbClr val="4758AB"/>
-                </a:solidFill>
-                <a:latin typeface="Courier"/>
-              </a:rPr>
-              <a:t>toc</a:t>
-            </a:r>
-            <a:r>
-              <a:rPr b="1">
-                <a:solidFill>
-                  <a:srgbClr val="003B4F"/>
-                </a:solidFill>
-                <a:latin typeface="Courier"/>
-              </a:rPr>
-              <a:t>:</a:t>
-            </a:r>
-            <a:r>
-              <a:rPr>
-                <a:solidFill>
-                  <a:srgbClr val="657422"/>
-                </a:solidFill>
-                <a:latin typeface="Courier"/>
-              </a:rPr>
-              <a:t> </a:t>
-            </a:r>
-            <a:r>
-              <a:rPr>
-                <a:solidFill>
-                  <a:srgbClr val="20794D"/>
-                </a:solidFill>
-                <a:latin typeface="Courier"/>
-              </a:rPr>
-              <a:t>true</a:t>
-            </a:r>
-            <a:br/>
-            <a:r>
-              <a:rPr>
-                <a:solidFill>
-                  <a:srgbClr val="AD0000"/>
-                </a:solidFill>
-                <a:latin typeface="Courier"/>
-              </a:rPr>
-              <a:t>---</a:t>
+              <a:t>code</a:t>
             </a:r>
           </a:p>
           <a:p>
@@ -11422,7 +11761,7 @@
             </a:pPr>
             <a:r>
               <a:rPr sz="2000" b="1"/>
-              <a:t>Output format</a:t>
+              <a:t>Markdown text shortcuts</a:t>
             </a:r>
           </a:p>
           <a:p>
@@ -11431,16 +11770,7 @@
             </a:pPr>
             <a:r>
               <a:rPr sz="2000"/>
-              <a:t>You can replace “html” to render the document to a different format.</a:t>
-            </a:r>
-          </a:p>
-          <a:p>
-            <a:pPr lvl="0" indent="0" marL="1270000">
-              <a:buNone/>
-            </a:pPr>
-            <a:r>
-              <a:rPr sz="2000"/>
-              <a:t>Here is a link to a list of the different output formats.</a:t>
+              <a:t>Here is a link for the full list of markdown text shortcuts for formatting!</a:t>
             </a:r>
           </a:p>
         </p:txBody>
@@ -11490,138 +11820,136 @@
             </a:pPr>
             <a:r>
               <a:rPr b="1"/>
-              <a:t>3.2 Authoring</a:t>
-            </a:r>
-          </a:p>
-          <a:p>
-            <a:pPr lvl="0" indent="0" marL="0">
-              <a:buNone/>
-            </a:pPr>
-            <a:r>
-              <a:rPr b="1"/>
-              <a:t>Basic Markdown Text Formatting</a:t>
-            </a:r>
-          </a:p>
-          <a:p>
-            <a:pPr lvl="0"/>
-            <a:r>
-              <a:rPr b="1"/>
-              <a:t>Bold:</a:t>
-            </a:r>
-            <a:r>
-              <a:rPr/>
-              <a:t> </a:t>
-            </a:r>
+              <a:t>Authoring: Markdown text</a:t>
+            </a:r>
+          </a:p>
+          <a:p>
+            <a:pPr lvl="0" indent="0" marL="0">
+              <a:buNone/>
+            </a:pPr>
+          </a:p>
+          <a:p>
+            <a:pPr lvl="0" indent="0">
+              <a:buNone/>
+            </a:pPr>
             <a:r>
               <a:rPr>
+                <a:solidFill>
+                  <a:srgbClr val="003B4F"/>
+                </a:solidFill>
                 <a:latin typeface="Courier"/>
               </a:rPr>
-              <a:t>**bold**</a:t>
-            </a:r>
-            <a:r>
-              <a:rPr/>
-              <a:t> → </a:t>
-            </a:r>
-            <a:r>
-              <a:rPr b="1"/>
-              <a:t>bold</a:t>
-            </a:r>
-          </a:p>
-          <a:p>
-            <a:pPr lvl="0"/>
-            <a:r>
-              <a:rPr i="1"/>
-              <a:t>Italic:</a:t>
-            </a:r>
-            <a:r>
-              <a:rPr/>
-              <a:t> </a:t>
-            </a:r>
+              <a:t>Have you ever wondered what affects a chick's weight? </a:t>
+            </a:r>
+            <a:br/>
             <a:r>
               <a:rPr>
+                <a:solidFill>
+                  <a:srgbClr val="003B4F"/>
+                </a:solidFill>
                 <a:latin typeface="Courier"/>
               </a:rPr>
-              <a:t>*italic*</a:t>
-            </a:r>
-            <a:r>
-              <a:rPr/>
-              <a:t> → </a:t>
-            </a:r>
-            <a:r>
-              <a:rPr i="1"/>
-              <a:t>italic</a:t>
-            </a:r>
-          </a:p>
-          <a:p>
-            <a:pPr lvl="0"/>
-            <a:r>
-              <a:rPr strike="sngStrike"/>
-              <a:t>Strikethrough:</a:t>
-            </a:r>
-            <a:r>
-              <a:rPr/>
-              <a:t> </a:t>
-            </a:r>
+              <a:t>This document explores the ChickWeight dataset using R.  </a:t>
+            </a:r>
+            <a:br/>
             <a:r>
               <a:rPr>
+                <a:solidFill>
+                  <a:srgbClr val="003B4F"/>
+                </a:solidFill>
                 <a:latin typeface="Courier"/>
               </a:rPr>
-              <a:t>~~text~~</a:t>
-            </a:r>
-            <a:r>
-              <a:rPr/>
-              <a:t> → </a:t>
-            </a:r>
-            <a:r>
-              <a:rPr strike="sngStrike"/>
-              <a:t>text</a:t>
-            </a:r>
-          </a:p>
-          <a:p>
-            <a:pPr lvl="0"/>
+              <a:t>The goal is to compare chick weight across different diets and time points.  </a:t>
+            </a:r>
+            <a:br/>
             <a:r>
               <a:rPr>
+                <a:solidFill>
+                  <a:srgbClr val="003B4F"/>
+                </a:solidFill>
                 <a:latin typeface="Courier"/>
               </a:rPr>
-              <a:t>Inline code:</a:t>
-            </a:r>
-            <a:r>
-              <a:rPr/>
-              <a:t> </a:t>
-            </a:r>
+              <a:t>Key steps include:</a:t>
+            </a:r>
+            <a:br/>
+            <a:br/>
             <a:r>
               <a:rPr>
+                <a:solidFill>
+                  <a:srgbClr val="20794D"/>
+                </a:solidFill>
                 <a:latin typeface="Courier"/>
               </a:rPr>
-              <a:t>`code`</a:t>
-            </a:r>
-            <a:r>
-              <a:rPr/>
-              <a:t> → </a:t>
+              <a:t>- </a:t>
             </a:r>
             <a:r>
               <a:rPr>
+                <a:solidFill>
+                  <a:srgbClr val="003B4F"/>
+                </a:solidFill>
                 <a:latin typeface="Courier"/>
               </a:rPr>
-              <a:t>code</a:t>
-            </a:r>
-          </a:p>
-          <a:p>
-            <a:pPr lvl="0" indent="0" marL="1270000">
-              <a:buNone/>
-            </a:pPr>
-            <a:r>
-              <a:rPr sz="2000" b="1"/>
-              <a:t>Markdown shortcuts</a:t>
-            </a:r>
-          </a:p>
-          <a:p>
-            <a:pPr lvl="0" indent="0" marL="1270000">
-              <a:buNone/>
-            </a:pPr>
-            <a:r>
-              <a:rPr sz="2000"/>
-              <a:t>Here is a link for the full list of markdown shortcuts for formatting!</a:t>
+              <a:t>Loading the dataset  </a:t>
+            </a:r>
+            <a:br/>
+            <a:r>
+              <a:rPr>
+                <a:solidFill>
+                  <a:srgbClr val="20794D"/>
+                </a:solidFill>
+                <a:latin typeface="Courier"/>
+              </a:rPr>
+              <a:t>- </a:t>
+            </a:r>
+            <a:r>
+              <a:rPr>
+                <a:solidFill>
+                  <a:srgbClr val="003B4F"/>
+                </a:solidFill>
+                <a:latin typeface="Courier"/>
+              </a:rPr>
+              <a:t>Visualizing growth trends  </a:t>
+            </a:r>
+            <a:br/>
+            <a:r>
+              <a:rPr>
+                <a:solidFill>
+                  <a:srgbClr val="20794D"/>
+                </a:solidFill>
+                <a:latin typeface="Courier"/>
+              </a:rPr>
+              <a:t>- </a:t>
+            </a:r>
+            <a:r>
+              <a:rPr>
+                <a:solidFill>
+                  <a:srgbClr val="003B4F"/>
+                </a:solidFill>
+                <a:latin typeface="Courier"/>
+              </a:rPr>
+              <a:t>Summarizing results</a:t>
+            </a:r>
+          </a:p>
+          <a:p>
+            <a:pPr lvl="0" indent="0" marL="0">
+              <a:buNone/>
+            </a:pPr>
+          </a:p>
+          <a:p>
+            <a:pPr lvl="0" indent="0" marL="0">
+              <a:buNone/>
+            </a:pPr>
+            <a:r>
+              <a:rPr/>
+              <a:t>This is an example of </a:t>
+            </a:r>
+            <a:r>
+              <a:rPr b="1"/>
+              <a:t>markdown text</a:t>
+            </a:r>
+            <a:r>
+              <a:rPr/>
+              <a:t>. Let’s use it to continue authoring and building our document.</a:t>
             </a:r>
           </a:p>
         </p:txBody>
@@ -11671,136 +11999,36 @@
             </a:pPr>
             <a:r>
               <a:rPr b="1"/>
-              <a:t>3.3 Authoring</a:t>
-            </a:r>
-          </a:p>
-          <a:p>
-            <a:pPr lvl="0" indent="0" marL="0">
-              <a:buNone/>
-            </a:pPr>
-          </a:p>
-          <a:p>
-            <a:pPr lvl="0" indent="0">
-              <a:buNone/>
-            </a:pPr>
-            <a:r>
-              <a:rPr>
-                <a:solidFill>
-                  <a:srgbClr val="003B4F"/>
-                </a:solidFill>
-                <a:latin typeface="Courier"/>
-              </a:rPr>
-              <a:t>Have you ever wondered what affects a chick's weight? </a:t>
-            </a:r>
-            <a:br/>
-            <a:r>
-              <a:rPr>
-                <a:solidFill>
-                  <a:srgbClr val="003B4F"/>
-                </a:solidFill>
-                <a:latin typeface="Courier"/>
-              </a:rPr>
-              <a:t>This document explores the ChickWeight dataset using R.  </a:t>
-            </a:r>
-            <a:br/>
-            <a:r>
-              <a:rPr>
-                <a:solidFill>
-                  <a:srgbClr val="003B4F"/>
-                </a:solidFill>
-                <a:latin typeface="Courier"/>
-              </a:rPr>
-              <a:t>The goal is to compare chick weight across different diets and time points.  </a:t>
-            </a:r>
-            <a:br/>
-            <a:r>
-              <a:rPr>
-                <a:solidFill>
-                  <a:srgbClr val="003B4F"/>
-                </a:solidFill>
-                <a:latin typeface="Courier"/>
-              </a:rPr>
-              <a:t>Key steps include:</a:t>
-            </a:r>
-            <a:br/>
-            <a:br/>
-            <a:r>
-              <a:rPr>
-                <a:solidFill>
-                  <a:srgbClr val="20794D"/>
-                </a:solidFill>
-                <a:latin typeface="Courier"/>
-              </a:rPr>
-              <a:t>- </a:t>
-            </a:r>
-            <a:r>
-              <a:rPr>
-                <a:solidFill>
-                  <a:srgbClr val="003B4F"/>
-                </a:solidFill>
-                <a:latin typeface="Courier"/>
-              </a:rPr>
-              <a:t>Loading the dataset  </a:t>
-            </a:r>
-            <a:br/>
-            <a:r>
-              <a:rPr>
-                <a:solidFill>
-                  <a:srgbClr val="20794D"/>
-                </a:solidFill>
-                <a:latin typeface="Courier"/>
-              </a:rPr>
-              <a:t>- </a:t>
-            </a:r>
-            <a:r>
-              <a:rPr>
-                <a:solidFill>
-                  <a:srgbClr val="003B4F"/>
-                </a:solidFill>
-                <a:latin typeface="Courier"/>
-              </a:rPr>
-              <a:t>Visualizing growth trends  </a:t>
-            </a:r>
-            <a:br/>
-            <a:r>
-              <a:rPr>
-                <a:solidFill>
-                  <a:srgbClr val="20794D"/>
-                </a:solidFill>
-                <a:latin typeface="Courier"/>
-              </a:rPr>
-              <a:t>- </a:t>
-            </a:r>
-            <a:r>
-              <a:rPr>
-                <a:solidFill>
-                  <a:srgbClr val="003B4F"/>
-                </a:solidFill>
-                <a:latin typeface="Courier"/>
-              </a:rPr>
-              <a:t>Summarizing results</a:t>
-            </a:r>
-          </a:p>
-          <a:p>
-            <a:pPr lvl="0" indent="0" marL="0">
-              <a:buNone/>
-            </a:pPr>
-          </a:p>
-          <a:p>
-            <a:pPr lvl="0" indent="0" marL="0">
-              <a:buNone/>
-            </a:pPr>
-            <a:r>
-              <a:rPr/>
-              <a:t>This is an example of </a:t>
-            </a:r>
-            <a:r>
-              <a:rPr b="1"/>
-              <a:t>markdown text</a:t>
-            </a:r>
-            <a:r>
-              <a:rPr/>
-              <a:t>. Let’s use it to continue authoring and building our document.</a:t>
+              <a:t>Practical exercise 3</a:t>
+            </a:r>
+          </a:p>
+          <a:p>
+            <a:pPr lvl="0"/>
+            <a:r>
+              <a:rPr/>
+              <a:t>☐ Copy the markdown text from the previous slide and paste it to your document</a:t>
+            </a:r>
+          </a:p>
+          <a:p>
+            <a:pPr lvl="0"/>
+            <a:r>
+              <a:rPr/>
+              <a:t>☐ Bold the word </a:t>
+            </a:r>
+            <a:r>
+              <a:rPr i="1"/>
+              <a:t>“ChickWeight”</a:t>
+            </a:r>
+          </a:p>
+          <a:p>
+            <a:pPr lvl="0"/>
+            <a:r>
+              <a:rPr/>
+              <a:t>☐ Italicize the phrase </a:t>
+            </a:r>
+            <a:r>
+              <a:rPr i="1"/>
+              <a:t>“growth trends”</a:t>
             </a:r>
           </a:p>
         </p:txBody>
@@ -11850,36 +12078,92 @@
             </a:pPr>
             <a:r>
               <a:rPr b="1"/>
-              <a:t>Practical exercise 3</a:t>
-            </a:r>
-          </a:p>
-          <a:p>
-            <a:pPr lvl="0"/>
-            <a:r>
-              <a:rPr/>
-              <a:t>☐ Copy the markdown text from the previous slide and paste it to your document</a:t>
-            </a:r>
-          </a:p>
-          <a:p>
-            <a:pPr lvl="0"/>
-            <a:r>
-              <a:rPr/>
-              <a:t>☐ Bold the word </a:t>
-            </a:r>
-            <a:r>
-              <a:rPr i="1"/>
-              <a:t>“ChickWeight”</a:t>
-            </a:r>
-          </a:p>
-          <a:p>
-            <a:pPr lvl="0"/>
-            <a:r>
-              <a:rPr/>
-              <a:t>☐ Italicize the phrase </a:t>
-            </a:r>
-            <a:r>
-              <a:rPr i="1"/>
-              <a:t>“growth trends”</a:t>
+              <a:t>Authoring: Callout boxes</a:t>
+            </a:r>
+          </a:p>
+          <a:p>
+            <a:pPr lvl="0" indent="0" marL="0">
+              <a:buNone/>
+            </a:pPr>
+            <a:r>
+              <a:rPr/>
+              <a:t>Highlighting particularly important aspects with </a:t>
+            </a:r>
+            <a:r>
+              <a:rPr b="1"/>
+              <a:t>Quarto callout boxes</a:t>
+            </a:r>
+          </a:p>
+          <a:p>
+            <a:pPr lvl="0" indent="0" marL="1270000">
+              <a:buNone/>
+            </a:pPr>
+            <a:r>
+              <a:rPr sz="2000" b="1"/>
+              <a:t>Important with Title</a:t>
+            </a:r>
+          </a:p>
+          <a:p>
+            <a:pPr lvl="0" indent="0" marL="1270000">
+              <a:buNone/>
+            </a:pPr>
+            <a:r>
+              <a:rPr sz="2000"/>
+              <a:t>This is an example of a callout box to highlight particularly important information using </a:t>
+            </a:r>
+            <a:r>
+              <a:rPr sz="2000">
+                <a:latin typeface="Courier"/>
+              </a:rPr>
+              <a:t>callout-important</a:t>
+            </a:r>
+          </a:p>
+          <a:p>
+            <a:pPr lvl="0" indent="0" marL="1270000">
+              <a:buNone/>
+            </a:pPr>
+            <a:r>
+              <a:rPr sz="2000" b="1"/>
+              <a:t>Tip with Title</a:t>
+            </a:r>
+          </a:p>
+          <a:p>
+            <a:pPr lvl="0" indent="0" marL="1270000">
+              <a:buNone/>
+            </a:pPr>
+            <a:r>
+              <a:rPr sz="2000"/>
+              <a:t>This is an example of a callout box to give important tips using </a:t>
+            </a:r>
+            <a:r>
+              <a:rPr sz="2000">
+                <a:latin typeface="Courier"/>
+              </a:rPr>
+              <a:t>callout-tip</a:t>
+            </a:r>
+          </a:p>
+          <a:p>
+            <a:pPr lvl="0" indent="0" marL="1270000">
+              <a:buNone/>
+            </a:pPr>
+            <a:r>
+              <a:rPr sz="2000" b="1"/>
+              <a:t>Note with Title</a:t>
+            </a:r>
+          </a:p>
+          <a:p>
+            <a:pPr lvl="0" indent="0" marL="1270000">
+              <a:buNone/>
+            </a:pPr>
+            <a:r>
+              <a:rPr sz="2000"/>
+              <a:t>This is an example of a callout box to include an additional note using </a:t>
+            </a:r>
+            <a:r>
+              <a:rPr sz="2000">
+                <a:latin typeface="Courier"/>
+              </a:rPr>
+              <a:t>callout-note</a:t>
             </a:r>
           </a:p>
         </p:txBody>
@@ -11929,92 +12213,69 @@
             </a:pPr>
             <a:r>
               <a:rPr b="1"/>
-              <a:t>3.4 Authoring</a:t>
-            </a:r>
-          </a:p>
-          <a:p>
-            <a:pPr lvl="0" indent="0" marL="0">
-              <a:buNone/>
-            </a:pPr>
-            <a:r>
-              <a:rPr/>
-              <a:t>Highlighting particularly important aspects with </a:t>
-            </a:r>
-            <a:r>
-              <a:rPr b="1"/>
-              <a:t>Quarto callout boxes</a:t>
-            </a:r>
-          </a:p>
-          <a:p>
-            <a:pPr lvl="0" indent="0" marL="1270000">
-              <a:buNone/>
-            </a:pPr>
-            <a:r>
-              <a:rPr sz="2000" b="1"/>
-              <a:t>Important with Title</a:t>
-            </a:r>
-          </a:p>
-          <a:p>
-            <a:pPr lvl="0" indent="0" marL="1270000">
-              <a:buNone/>
-            </a:pPr>
-            <a:r>
-              <a:rPr sz="2000"/>
-              <a:t>This is an example of a callout box to highlight particularly important information using </a:t>
-            </a:r>
-            <a:r>
-              <a:rPr sz="2000">
+              <a:t>Authoring: Inserting callout boxes</a:t>
+            </a:r>
+          </a:p>
+          <a:p>
+            <a:pPr lvl="0" indent="0" marL="0">
+              <a:buNone/>
+            </a:pPr>
+            <a:r>
+              <a:rPr/>
+              <a:t>Here is the markdown text for inserting a </a:t>
+            </a:r>
+            <a:r>
+              <a:rPr b="1"/>
+              <a:t>callout note</a:t>
+            </a:r>
+            <a:r>
+              <a:rPr/>
+              <a:t> box:</a:t>
+            </a:r>
+          </a:p>
+          <a:p>
+            <a:pPr lvl="0" indent="0">
+              <a:buNone/>
+            </a:pPr>
+            <a:r>
+              <a:rPr>
+                <a:solidFill>
+                  <a:srgbClr val="003B4F"/>
+                </a:solidFill>
                 <a:latin typeface="Courier"/>
               </a:rPr>
-              <a:t>callout-important</a:t>
-            </a:r>
-          </a:p>
-          <a:p>
-            <a:pPr lvl="0" indent="0" marL="1270000">
-              <a:buNone/>
-            </a:pPr>
-            <a:r>
-              <a:rPr sz="2000" b="1"/>
-              <a:t>Tip with Title</a:t>
-            </a:r>
-          </a:p>
-          <a:p>
-            <a:pPr lvl="0" indent="0" marL="1270000">
-              <a:buNone/>
-            </a:pPr>
-            <a:r>
-              <a:rPr sz="2000"/>
-              <a:t>This is an example of a callout box to give important tips using </a:t>
-            </a:r>
-            <a:r>
-              <a:rPr sz="2000">
+              <a:t>::: callout-note</a:t>
+            </a:r>
+            <a:br/>
+            <a:r>
+              <a:rPr>
+                <a:solidFill>
+                  <a:srgbClr val="4758AB"/>
+                </a:solidFill>
                 <a:latin typeface="Courier"/>
               </a:rPr>
-              <a:t>callout-tip</a:t>
-            </a:r>
-          </a:p>
-          <a:p>
-            <a:pPr lvl="0" indent="0" marL="1270000">
-              <a:buNone/>
-            </a:pPr>
-            <a:r>
-              <a:rPr sz="2000" b="1"/>
-              <a:t>Note with Title</a:t>
-            </a:r>
-          </a:p>
-          <a:p>
-            <a:pPr lvl="0" indent="0" marL="1270000">
-              <a:buNone/>
-            </a:pPr>
-            <a:r>
-              <a:rPr sz="2000"/>
-              <a:t>This is an example of a callout box to include an additional note using </a:t>
-            </a:r>
-            <a:r>
-              <a:rPr sz="2000">
+              <a:t>## Based on Real Data</a:t>
+            </a:r>
+            <a:br/>
+            <a:br/>
+            <a:r>
+              <a:rPr>
+                <a:solidFill>
+                  <a:srgbClr val="003B4F"/>
+                </a:solidFill>
                 <a:latin typeface="Courier"/>
               </a:rPr>
-              <a:t>callout-note</a:t>
+              <a:t>The ChickWeight dataset in R is based on real experimental data.</a:t>
+            </a:r>
+            <a:br/>
+            <a:r>
+              <a:rPr>
+                <a:solidFill>
+                  <a:srgbClr val="003B4F"/>
+                </a:solidFill>
+                <a:latin typeface="Courier"/>
+              </a:rPr>
+              <a:t>:::</a:t>
             </a:r>
           </a:p>
         </p:txBody>
@@ -12064,78 +12325,14 @@
             </a:pPr>
             <a:r>
               <a:rPr b="1"/>
-              <a:t>3.5 Authoring</a:t>
-            </a:r>
-          </a:p>
-          <a:p>
-            <a:pPr lvl="0" indent="0" marL="0">
-              <a:buNone/>
-            </a:pPr>
-            <a:r>
-              <a:rPr b="1"/>
-              <a:t>Adding a Callout Box</a:t>
-            </a:r>
-          </a:p>
-          <a:p>
-            <a:pPr lvl="0" indent="0" marL="0">
-              <a:buNone/>
-            </a:pPr>
-            <a:r>
-              <a:rPr/>
-              <a:t>Here is the markdown text for inserting a </a:t>
-            </a:r>
-            <a:r>
-              <a:rPr b="1"/>
-              <a:t>callout note</a:t>
-            </a:r>
-            <a:r>
-              <a:rPr/>
-              <a:t> box:</a:t>
-            </a:r>
-          </a:p>
-          <a:p>
-            <a:pPr lvl="0" indent="0">
-              <a:buNone/>
-            </a:pPr>
-            <a:r>
-              <a:rPr>
-                <a:solidFill>
-                  <a:srgbClr val="003B4F"/>
-                </a:solidFill>
-                <a:latin typeface="Courier"/>
-              </a:rPr>
-              <a:t>::: callout-note</a:t>
-            </a:r>
-            <a:br/>
-            <a:r>
-              <a:rPr>
-                <a:solidFill>
-                  <a:srgbClr val="4758AB"/>
-                </a:solidFill>
-                <a:latin typeface="Courier"/>
-              </a:rPr>
-              <a:t>## Based on Real Data</a:t>
-            </a:r>
-            <a:br/>
-            <a:br/>
-            <a:r>
-              <a:rPr>
-                <a:solidFill>
-                  <a:srgbClr val="003B4F"/>
-                </a:solidFill>
-                <a:latin typeface="Courier"/>
-              </a:rPr>
-              <a:t>The ChickWeight dataset in R is based on real experimental data.</a:t>
-            </a:r>
-            <a:br/>
-            <a:r>
-              <a:rPr>
-                <a:solidFill>
-                  <a:srgbClr val="003B4F"/>
-                </a:solidFill>
-                <a:latin typeface="Courier"/>
-              </a:rPr>
-              <a:t>:::</a:t>
+              <a:t>Practical exercise 4</a:t>
+            </a:r>
+          </a:p>
+          <a:p>
+            <a:pPr lvl="0"/>
+            <a:r>
+              <a:rPr/>
+              <a:t>☐ Copy and paste the markdown text from the previous slide into your Quarto document to add this callout note box.</a:t>
             </a:r>
           </a:p>
         </p:txBody>
@@ -12185,14 +12382,47 @@
             </a:pPr>
             <a:r>
               <a:rPr b="1"/>
-              <a:t>Practical exercise 4</a:t>
+              <a:t>Code chunks</a:t>
+            </a:r>
+          </a:p>
+          <a:p>
+            <a:pPr lvl="0" indent="0" marL="0">
+              <a:buNone/>
+            </a:pPr>
+            <a:r>
+              <a:rPr/>
+              <a:t>There are two ways to insert </a:t>
+            </a:r>
+            <a:r>
+              <a:rPr b="1"/>
+              <a:t>code chunks</a:t>
+            </a:r>
+            <a:r>
+              <a:rPr/>
+              <a:t>:</a:t>
             </a:r>
           </a:p>
           <a:p>
             <a:pPr lvl="0"/>
             <a:r>
               <a:rPr/>
-              <a:t>☐ Copy &amp; paste the markdown text from the previous slide into your Quarto document to add this callout note box.</a:t>
+              <a:t>Manually type 3 back ticks ``` then {r} to start a coding chunk, enter your code, then end it with 3 back ticks</a:t>
+            </a:r>
+          </a:p>
+          <a:p>
+            <a:pPr lvl="0" indent="0" marL="0">
+              <a:buNone/>
+            </a:pPr>
+            <a:r>
+              <a:rPr/>
+              <a:t>OR</a:t>
+            </a:r>
+          </a:p>
+          <a:p>
+            <a:pPr lvl="0"/>
+            <a:r>
+              <a:rPr/>
+              <a:t>Use the keyboard shortcut Ctrl + Alt + I (Windows/Linux) or Cmd + Option + I (Mac) to insert a code chunk then simply enter your code</a:t>
             </a:r>
           </a:p>
         </p:txBody>
@@ -12242,47 +12472,97 @@
             </a:pPr>
             <a:r>
               <a:rPr b="1"/>
-              <a:t>4.1 Code chunks</a:t>
-            </a:r>
-          </a:p>
-          <a:p>
-            <a:pPr lvl="0" indent="0" marL="0">
-              <a:buNone/>
-            </a:pPr>
-            <a:r>
-              <a:rPr/>
-              <a:t>There are two ways to insert </a:t>
-            </a:r>
-            <a:r>
-              <a:rPr b="1"/>
-              <a:t>code chunks</a:t>
-            </a:r>
-            <a:r>
-              <a:rPr/>
-              <a:t>:</a:t>
-            </a:r>
-          </a:p>
-          <a:p>
-            <a:pPr lvl="0"/>
-            <a:r>
-              <a:rPr/>
-              <a:t>Manually type 3 back ticks ``` then {r} to start a coding chunk, enter your code, then end it with 3 back ticks</a:t>
-            </a:r>
-          </a:p>
-          <a:p>
-            <a:pPr lvl="0" indent="0" marL="0">
-              <a:buNone/>
-            </a:pPr>
-            <a:r>
-              <a:rPr/>
-              <a:t>OR</a:t>
-            </a:r>
-          </a:p>
-          <a:p>
-            <a:pPr lvl="0"/>
-            <a:r>
-              <a:rPr/>
-              <a:t>Use the keyboard shortcut Ctrl + Alt + I (Windows/Linux) or Cmd + Option + I (Mac) to insert a code chunk then simply enter your code</a:t>
+              <a:t>Inserting code chunks</a:t>
+            </a:r>
+          </a:p>
+          <a:p>
+            <a:pPr lvl="0" indent="0" marL="0">
+              <a:buNone/>
+            </a:pPr>
+          </a:p>
+          <a:p>
+            <a:pPr lvl="0" indent="0">
+              <a:buNone/>
+            </a:pPr>
+            <a:r>
+              <a:rPr>
+                <a:solidFill>
+                  <a:srgbClr val="003B4F"/>
+                </a:solidFill>
+                <a:latin typeface="Courier"/>
+              </a:rPr>
+              <a:t>summary(ChickWeight)</a:t>
+            </a:r>
+          </a:p>
+          <a:p>
+            <a:pPr lvl="0" indent="0" marL="0">
+              <a:buNone/>
+            </a:pPr>
+          </a:p>
+          <a:p>
+            <a:pPr lvl="0" indent="0">
+              <a:buNone/>
+            </a:pPr>
+            <a:r>
+              <a:rPr>
+                <a:solidFill>
+                  <a:srgbClr val="003B4F"/>
+                </a:solidFill>
+                <a:latin typeface="Courier"/>
+              </a:rPr>
+              <a:t>library(ggplot2)</a:t>
+            </a:r>
+            <a:br/>
+            <a:r>
+              <a:rPr>
+                <a:solidFill>
+                  <a:srgbClr val="003B4F"/>
+                </a:solidFill>
+                <a:latin typeface="Courier"/>
+              </a:rPr>
+              <a:t>ggplot(ChickWeight, aes(x = Time, y = weight, color = Diet)) +</a:t>
+            </a:r>
+            <a:br/>
+            <a:r>
+              <a:rPr>
+                <a:solidFill>
+                  <a:srgbClr val="003B4F"/>
+                </a:solidFill>
+                <a:latin typeface="Courier"/>
+              </a:rPr>
+              <a:t>  geom_line(aes(group = Chick)) +</a:t>
+            </a:r>
+            <a:br/>
+            <a:r>
+              <a:rPr>
+                <a:solidFill>
+                  <a:srgbClr val="003B4F"/>
+                </a:solidFill>
+                <a:latin typeface="Courier"/>
+              </a:rPr>
+              <a:t>  labs(title = "Chick Growth Over Time")</a:t>
+            </a:r>
+          </a:p>
+          <a:p>
+            <a:pPr lvl="0" indent="0" marL="0">
+              <a:buNone/>
+            </a:pPr>
+          </a:p>
+          <a:p>
+            <a:pPr lvl="0" indent="0" marL="0">
+              <a:buNone/>
+            </a:pPr>
+            <a:r>
+              <a:rPr/>
+              <a:t>These are examples of </a:t>
+            </a:r>
+            <a:r>
+              <a:rPr b="1"/>
+              <a:t>R code</a:t>
+            </a:r>
+            <a:r>
+              <a:rPr/>
+              <a:t>. Let’s use it to insert code chunks in our document.</a:t>
             </a:r>
           </a:p>
         </p:txBody>
@@ -12332,97 +12612,18 @@
             </a:pPr>
             <a:r>
               <a:rPr b="1"/>
-              <a:t>4.2 Code chunks</a:t>
-            </a:r>
-          </a:p>
-          <a:p>
-            <a:pPr lvl="0" indent="0" marL="0">
-              <a:buNone/>
-            </a:pPr>
-          </a:p>
-          <a:p>
-            <a:pPr lvl="0" indent="0">
-              <a:buNone/>
-            </a:pPr>
-            <a:r>
-              <a:rPr>
-                <a:solidFill>
-                  <a:srgbClr val="003B4F"/>
-                </a:solidFill>
-                <a:latin typeface="Courier"/>
-              </a:rPr>
-              <a:t>summary(ChickWeight)</a:t>
-            </a:r>
-          </a:p>
-          <a:p>
-            <a:pPr lvl="0" indent="0" marL="0">
-              <a:buNone/>
-            </a:pPr>
-          </a:p>
-          <a:p>
-            <a:pPr lvl="0" indent="0">
-              <a:buNone/>
-            </a:pPr>
-            <a:r>
-              <a:rPr>
-                <a:solidFill>
-                  <a:srgbClr val="003B4F"/>
-                </a:solidFill>
-                <a:latin typeface="Courier"/>
-              </a:rPr>
-              <a:t>library(ggplot2)</a:t>
-            </a:r>
-            <a:br/>
-            <a:r>
-              <a:rPr>
-                <a:solidFill>
-                  <a:srgbClr val="003B4F"/>
-                </a:solidFill>
-                <a:latin typeface="Courier"/>
-              </a:rPr>
-              <a:t>ggplot(ChickWeight, aes(x = Time, y = weight, color = Diet)) +</a:t>
-            </a:r>
-            <a:br/>
-            <a:r>
-              <a:rPr>
-                <a:solidFill>
-                  <a:srgbClr val="003B4F"/>
-                </a:solidFill>
-                <a:latin typeface="Courier"/>
-              </a:rPr>
-              <a:t>  geom_line(aes(group = Chick)) +</a:t>
-            </a:r>
-            <a:br/>
-            <a:r>
-              <a:rPr>
-                <a:solidFill>
-                  <a:srgbClr val="003B4F"/>
-                </a:solidFill>
-                <a:latin typeface="Courier"/>
-              </a:rPr>
-              <a:t>  labs(title = "Chick Growth Over Time")</a:t>
-            </a:r>
-          </a:p>
-          <a:p>
-            <a:pPr lvl="0" indent="0" marL="0">
-              <a:buNone/>
-            </a:pPr>
-          </a:p>
-          <a:p>
-            <a:pPr lvl="0" indent="0" marL="0">
-              <a:buNone/>
-            </a:pPr>
-            <a:r>
-              <a:rPr/>
-              <a:t>These are examples of </a:t>
-            </a:r>
-            <a:r>
-              <a:rPr b="1"/>
-              <a:t>R code</a:t>
-            </a:r>
-            <a:r>
-              <a:rPr/>
-              <a:t>. Let’s use it to insert code chunks in our document.</a:t>
+              <a:t>Practical exercise 5</a:t>
+            </a:r>
+          </a:p>
+          <a:p>
+            <a:pPr lvl="0"/>
+            <a:r>
+              <a:rPr/>
+              <a:t>☐ Insert the code from the previous slide in </a:t>
+            </a:r>
+            <a:r>
+              <a:rPr i="1"/>
+              <a:t>two separate code chunks</a:t>
             </a:r>
           </a:p>
         </p:txBody>
@@ -12493,15 +12694,6 @@
               <a:t>Before completing this submodule, please carefully read about the necessary prerequisites.</a:t>
             </a:r>
           </a:p>
-          <a:p>
-            <a:pPr lvl="0" indent="0" marL="0">
-              <a:buNone/>
-            </a:pPr>
-            <a:r>
-              <a:rPr/>
-              <a:t>From SvG: What do you think about these prerequisites? Are we missing something? Beth: Added zotero</a:t>
-            </a:r>
-          </a:p>
         </p:txBody>
       </p:sp>
     </p:spTree>
@@ -12549,18 +12741,38 @@
             </a:pPr>
             <a:r>
               <a:rPr b="1"/>
-              <a:t>Practical exercise 5</a:t>
-            </a:r>
+              <a:t>Adjusting the code chunks</a:t>
+            </a:r>
+          </a:p>
+          <a:p>
+            <a:pPr lvl="0" indent="0" marL="0">
+              <a:buNone/>
+            </a:pPr>
+            <a:r>
+              <a:rPr/>
+              <a:t>Adjust how the code is portrayed by editing the YAML header:</a:t>
+            </a:r>
+          </a:p>
+          <a:p>
+            <a:pPr lvl="0" indent="0" marL="0">
+              <a:buNone/>
+            </a:pPr>
           </a:p>
           <a:p>
             <a:pPr lvl="0"/>
             <a:r>
               <a:rPr/>
-              <a:t>☐ Insert the code from the previous slide in </a:t>
-            </a:r>
-            <a:r>
-              <a:rPr i="1"/>
-              <a:t>two separate code chunks</a:t>
+              <a:t>Currently in our YAML header, we have it set to </a:t>
+            </a:r>
+            <a:r>
+              <a:rPr>
+                <a:latin typeface="Courier"/>
+              </a:rPr>
+              <a:t>code-fold: false</a:t>
+            </a:r>
+            <a:r>
+              <a:rPr/>
+              <a:t> which means the code is visible and not collapsible.</a:t>
             </a:r>
           </a:p>
         </p:txBody>
@@ -12610,40 +12822,80 @@
             </a:pPr>
             <a:r>
               <a:rPr b="1"/>
-              <a:t>4.3 Code chunks</a:t>
-            </a:r>
-          </a:p>
-          <a:p>
-            <a:pPr lvl="0" indent="0" marL="0">
-              <a:buNone/>
-            </a:pPr>
-            <a:r>
-              <a:rPr/>
-              <a:t>Adjust how the code is portrayed by editing the YAML header:</a:t>
-            </a:r>
-          </a:p>
-          <a:p>
-            <a:pPr lvl="0" indent="0" marL="0">
-              <a:buNone/>
-            </a:pPr>
-          </a:p>
-          <a:p>
-            <a:pPr lvl="0" indent="0" marL="0">
-              <a:buNone/>
-            </a:pPr>
-            <a:r>
-              <a:rPr/>
-              <a:t>Currently in our YAML header, we have it set to </a:t>
-            </a:r>
+              <a:t>Code chunks display settings</a:t>
+            </a:r>
+          </a:p>
+          <a:p>
+            <a:pPr lvl="0" indent="0" marL="0">
+              <a:buNone/>
+            </a:pPr>
+            <a:r>
+              <a:rPr/>
+              <a:t>Here are some other code display settings that we can incorporate into our YAML header:</a:t>
+            </a:r>
+          </a:p>
+          <a:p>
+            <a:pPr lvl="0"/>
             <a:r>
               <a:rPr>
                 <a:latin typeface="Courier"/>
               </a:rPr>
-              <a:t>code-fold: false</a:t>
-            </a:r>
-            <a:r>
-              <a:rPr/>
-              <a:t> which means the code is visible and not collapsible.</a:t>
+              <a:t>code-fold: true</a:t>
+            </a:r>
+            <a:r>
+              <a:rPr/>
+              <a:t> collapses the code so the reader can expand it</a:t>
+            </a:r>
+          </a:p>
+          <a:p>
+            <a:pPr lvl="0"/>
+            <a:r>
+              <a:rPr>
+                <a:latin typeface="Courier"/>
+              </a:rPr>
+              <a:t>code-tools: true</a:t>
+            </a:r>
+            <a:r>
+              <a:rPr/>
+              <a:t> adds the functions “show code” at the top of the page and “copy” next to the chunks</a:t>
+            </a:r>
+          </a:p>
+          <a:p>
+            <a:pPr lvl="0"/>
+            <a:r>
+              <a:rPr>
+                <a:latin typeface="Courier"/>
+              </a:rPr>
+              <a:t>echo: true</a:t>
+            </a:r>
+            <a:r>
+              <a:rPr/>
+              <a:t> both the code and the output is visible</a:t>
+            </a:r>
+          </a:p>
+          <a:p>
+            <a:pPr lvl="0" indent="0" marL="0">
+              <a:buNone/>
+            </a:pPr>
+            <a:r>
+              <a:rPr/>
+              <a:t>Let’s edit the YAML header to make the code chunks </a:t>
+            </a:r>
+            <a:r>
+              <a:rPr b="1"/>
+              <a:t>collapsible</a:t>
+            </a:r>
+            <a:r>
+              <a:rPr/>
+              <a:t> and add </a:t>
+            </a:r>
+            <a:r>
+              <a:rPr b="1"/>
+              <a:t>code tools</a:t>
+            </a:r>
+            <a:r>
+              <a:rPr/>
+              <a:t>.</a:t>
             </a:r>
           </a:p>
         </p:txBody>
@@ -12693,80 +12945,52 @@
             </a:pPr>
             <a:r>
               <a:rPr b="1"/>
-              <a:t>4.4 Code chunks</a:t>
-            </a:r>
-          </a:p>
-          <a:p>
-            <a:pPr lvl="0" indent="0" marL="0">
-              <a:buNone/>
-            </a:pPr>
-            <a:r>
-              <a:rPr/>
-              <a:t>Here are some other code display settings that we can incorporate into our YAML header:</a:t>
+              <a:t>Practical exercise 6</a:t>
+            </a:r>
+          </a:p>
+          <a:p>
+            <a:pPr lvl="0" indent="0" marL="0">
+              <a:buNone/>
+            </a:pPr>
+            <a:r>
+              <a:rPr/>
+              <a:t>In the YAML header:</a:t>
             </a:r>
           </a:p>
           <a:p>
             <a:pPr lvl="0"/>
+            <a:r>
+              <a:rPr/>
+              <a:t>☐ Change </a:t>
+            </a:r>
+            <a:r>
+              <a:rPr>
+                <a:latin typeface="Courier"/>
+              </a:rPr>
+              <a:t>code-fold: false</a:t>
+            </a:r>
+            <a:r>
+              <a:rPr/>
+              <a:t> to </a:t>
+            </a:r>
             <a:r>
               <a:rPr>
                 <a:latin typeface="Courier"/>
               </a:rPr>
               <a:t>code-fold: true</a:t>
             </a:r>
-            <a:r>
-              <a:rPr/>
-              <a:t> collapses the code so the reader can expand it</a:t>
-            </a:r>
           </a:p>
           <a:p>
             <a:pPr lvl="0"/>
+            <a:r>
+              <a:rPr/>
+              <a:t>☐ Add </a:t>
+            </a:r>
             <a:r>
               <a:rPr>
                 <a:latin typeface="Courier"/>
               </a:rPr>
               <a:t>code-tools: true</a:t>
-            </a:r>
-            <a:r>
-              <a:rPr/>
-              <a:t> adds the functions “show code” at the top of the page and “copy” next to the chunks</a:t>
-            </a:r>
-          </a:p>
-          <a:p>
-            <a:pPr lvl="0"/>
-            <a:r>
-              <a:rPr>
-                <a:latin typeface="Courier"/>
-              </a:rPr>
-              <a:t>echo: true</a:t>
-            </a:r>
-            <a:r>
-              <a:rPr/>
-              <a:t> both the code and the output is visible</a:t>
-            </a:r>
-          </a:p>
-          <a:p>
-            <a:pPr lvl="0" indent="0" marL="0">
-              <a:buNone/>
-            </a:pPr>
-            <a:r>
-              <a:rPr/>
-              <a:t>Let’s edit the YAML header to make the code chunks </a:t>
-            </a:r>
-            <a:r>
-              <a:rPr b="1"/>
-              <a:t>collapsible</a:t>
-            </a:r>
-            <a:r>
-              <a:rPr/>
-              <a:t> and add </a:t>
-            </a:r>
-            <a:r>
-              <a:rPr b="1"/>
-              <a:t>code tools</a:t>
-            </a:r>
-            <a:r>
-              <a:rPr/>
-              <a:t>.</a:t>
             </a:r>
           </a:p>
         </p:txBody>
@@ -12816,52 +13040,7 @@
             </a:pPr>
             <a:r>
               <a:rPr b="1"/>
-              <a:t>Practical exercise 6</a:t>
-            </a:r>
-          </a:p>
-          <a:p>
-            <a:pPr lvl="0" indent="0" marL="0">
-              <a:buNone/>
-            </a:pPr>
-            <a:r>
-              <a:rPr/>
-              <a:t>In the YAML header:</a:t>
-            </a:r>
-          </a:p>
-          <a:p>
-            <a:pPr lvl="0"/>
-            <a:r>
-              <a:rPr/>
-              <a:t>☐ Change </a:t>
-            </a:r>
-            <a:r>
-              <a:rPr>
-                <a:latin typeface="Courier"/>
-              </a:rPr>
-              <a:t>code-fold: false</a:t>
-            </a:r>
-            <a:r>
-              <a:rPr/>
-              <a:t> to </a:t>
-            </a:r>
-            <a:r>
-              <a:rPr>
-                <a:latin typeface="Courier"/>
-              </a:rPr>
-              <a:t>code-fold: true</a:t>
-            </a:r>
-          </a:p>
-          <a:p>
-            <a:pPr lvl="0"/>
-            <a:r>
-              <a:rPr/>
-              <a:t>☐ Add </a:t>
-            </a:r>
-            <a:r>
-              <a:rPr>
-                <a:latin typeface="Courier"/>
-              </a:rPr>
-              <a:t>code-tools: true</a:t>
+              <a:t>Pre-break survey</a:t>
             </a:r>
           </a:p>
         </p:txBody>
@@ -12904,14 +13083,51 @@
           <a:lstStyle/>
           <a:p>
             <a:pPr lvl="0" indent="0" marL="0">
-              <a:spcBef>
-                <a:spcPts val="3000"/>
-              </a:spcBef>
-              <a:buNone/>
-            </a:pPr>
-            <a:r>
-              <a:rPr b="1"/>
-              <a:t>Pre-break survey</a:t>
+              <a:buNone/>
+            </a:pPr>
+            <a:r>
+              <a:rPr b="1"/>
+              <a:t>What’s the name of Quarto Markdown document</a:t>
+            </a:r>
+            <a:r>
+              <a:rPr/>
+              <a:t>?</a:t>
+            </a:r>
+          </a:p>
+          <a:p>
+            <a:pPr lvl="0" indent="-342900" marL="342900">
+              <a:buAutoNum type="alphaLcPeriod"/>
+            </a:pPr>
+            <a:r>
+              <a:rPr/>
+              <a:t>.png file</a:t>
+            </a:r>
+          </a:p>
+          <a:p>
+            <a:pPr lvl="0" indent="-342900" marL="342900">
+              <a:buAutoNum type="alphaLcPeriod"/>
+            </a:pPr>
+            <a:r>
+              <a:rPr/>
+              <a:t>.qmd file ✅</a:t>
+            </a:r>
+          </a:p>
+          <a:p>
+            <a:pPr lvl="0" indent="-342900" marL="342900">
+              <a:buAutoNum type="alphaLcPeriod"/>
+            </a:pPr>
+            <a:r>
+              <a:rPr/>
+              <a:t>.doc file</a:t>
+            </a:r>
+          </a:p>
+          <a:p>
+            <a:pPr lvl="0" indent="-342900" marL="342900">
+              <a:buAutoNum type="alphaLcPeriod"/>
+            </a:pPr>
+            <a:r>
+              <a:rPr/>
+              <a:t>.mp3 file</a:t>
             </a:r>
           </a:p>
         </p:txBody>
@@ -12958,11 +13174,7 @@
             </a:pPr>
             <a:r>
               <a:rPr b="1"/>
-              <a:t>What’s the name of Quarto Markdown document</a:t>
-            </a:r>
-            <a:r>
-              <a:rPr/>
-              <a:t>?</a:t>
+              <a:t>What is the YAML header?</a:t>
             </a:r>
           </a:p>
           <a:p>
@@ -12971,7 +13183,7 @@
             </a:pPr>
             <a:r>
               <a:rPr/>
-              <a:t>.png file</a:t>
+              <a:t>summarizes the document into a single line</a:t>
             </a:r>
           </a:p>
           <a:p>
@@ -12980,7 +13192,7 @@
             </a:pPr>
             <a:r>
               <a:rPr/>
-              <a:t>.qmd file ✅</a:t>
+              <a:t>this is where you store notes and reminders</a:t>
             </a:r>
           </a:p>
           <a:p>
@@ -12989,7 +13201,7 @@
             </a:pPr>
             <a:r>
               <a:rPr/>
-              <a:t>.doc file</a:t>
+              <a:t>it’s like the “settings” of the document ✅</a:t>
             </a:r>
           </a:p>
           <a:p>
@@ -12998,7 +13210,7 @@
             </a:pPr>
             <a:r>
               <a:rPr/>
-              <a:t>.mp3 file</a:t>
+              <a:t>just the title of the document</a:t>
             </a:r>
           </a:p>
         </p:txBody>
@@ -13045,7 +13257,7 @@
             </a:pPr>
             <a:r>
               <a:rPr b="1"/>
-              <a:t>What is the YAML header?</a:t>
+              <a:t>Which of the following is used to format content (like paragraphs and bullet points)?</a:t>
             </a:r>
           </a:p>
           <a:p>
@@ -13054,7 +13266,7 @@
             </a:pPr>
             <a:r>
               <a:rPr/>
-              <a:t>summarizes the document into a single line</a:t>
+              <a:t>Code chunks</a:t>
             </a:r>
           </a:p>
           <a:p>
@@ -13063,7 +13275,7 @@
             </a:pPr>
             <a:r>
               <a:rPr/>
-              <a:t>this is where you store notes and reminders</a:t>
+              <a:t>YAML header</a:t>
             </a:r>
           </a:p>
           <a:p>
@@ -13072,7 +13284,7 @@
             </a:pPr>
             <a:r>
               <a:rPr/>
-              <a:t>it’s like the “settings” of the document ✅</a:t>
+              <a:t>Markdown text ✅</a:t>
             </a:r>
           </a:p>
           <a:p>
@@ -13081,7 +13293,7 @@
             </a:pPr>
             <a:r>
               <a:rPr/>
-              <a:t>just the title of the document</a:t>
+              <a:t>All of the above</a:t>
             </a:r>
           </a:p>
         </p:txBody>
@@ -13128,43 +13340,16 @@
             </a:pPr>
             <a:r>
               <a:rPr b="1"/>
-              <a:t>Which of the following is used to format content (like paragraphs and bullet points)?</a:t>
-            </a:r>
-          </a:p>
-          <a:p>
-            <a:pPr lvl="0" indent="-342900" marL="342900">
-              <a:buAutoNum type="alphaLcPeriod"/>
-            </a:pPr>
-            <a:r>
-              <a:rPr/>
-              <a:t>Code chunks</a:t>
-            </a:r>
-          </a:p>
-          <a:p>
-            <a:pPr lvl="0" indent="-342900" marL="342900">
-              <a:buAutoNum type="alphaLcPeriod"/>
-            </a:pPr>
-            <a:r>
-              <a:rPr/>
-              <a:t>YAML header</a:t>
-            </a:r>
-          </a:p>
-          <a:p>
-            <a:pPr lvl="0" indent="-342900" marL="342900">
-              <a:buAutoNum type="alphaLcPeriod"/>
-            </a:pPr>
-            <a:r>
-              <a:rPr/>
-              <a:t>Markdown text ✅</a:t>
-            </a:r>
-          </a:p>
-          <a:p>
-            <a:pPr lvl="0" indent="-342900" marL="342900">
-              <a:buAutoNum type="alphaLcPeriod"/>
-            </a:pPr>
-            <a:r>
-              <a:rPr/>
-              <a:t>All of the above</a:t>
+              <a:t>What are the two components of the Authoring process?</a:t>
+            </a:r>
+          </a:p>
+          <a:p>
+            <a:pPr lvl="0" indent="0" marL="0">
+              <a:buNone/>
+            </a:pPr>
+            <a:r>
+              <a:rPr/>
+              <a:t>From SvG: Are there answers to this question and the one on the next slide? </a:t>
             </a:r>
           </a:p>
         </p:txBody>
@@ -13211,7 +13396,7 @@
             </a:pPr>
             <a:r>
               <a:rPr b="1"/>
-              <a:t>What are the 2 components of the Authoring process?</a:t>
+              <a:t>How to create a code chunk in a Quarto Document?</a:t>
             </a:r>
           </a:p>
         </p:txBody>
@@ -13240,25 +13425,25 @@
       </p:grpSpPr>
       <p:sp>
         <p:nvSpPr>
-          <p:cNvPr id="3" name="Content Placeholder 2"/>
-          <p:cNvSpPr>
-            <a:spLocks noGrp="1"/>
-          </p:cNvSpPr>
-          <p:nvPr>
-            <p:ph idx="1"/>
-          </p:nvPr>
-        </p:nvSpPr>
-        <p:spPr/>
-        <p:txBody>
-          <a:bodyPr/>
-          <a:lstStyle/>
-          <a:p>
-            <a:pPr lvl="0" indent="0" marL="0">
-              <a:buNone/>
-            </a:pPr>
-            <a:r>
-              <a:rPr b="1"/>
-              <a:t>How to create a code chunk in a Quarto Document?</a:t>
+          <p:cNvPr id="2" name="Title 1"/>
+          <p:cNvSpPr>
+            <a:spLocks noGrp="1"/>
+          </p:cNvSpPr>
+          <p:nvPr>
+            <p:ph type="title"/>
+          </p:nvPr>
+        </p:nvSpPr>
+        <p:spPr/>
+        <p:txBody>
+          <a:bodyPr/>
+          <a:lstStyle/>
+          <a:p>
+            <a:pPr lvl="0" indent="0" marL="0">
+              <a:buNone/>
+            </a:pPr>
+            <a:r>
+              <a:rPr/>
+              <a:t>Break! 5 minutes</a:t>
             </a:r>
           </a:p>
         </p:txBody>
@@ -13337,25 +13522,28 @@
       </p:grpSpPr>
       <p:sp>
         <p:nvSpPr>
-          <p:cNvPr id="2" name="Title 1"/>
-          <p:cNvSpPr>
-            <a:spLocks noGrp="1"/>
-          </p:cNvSpPr>
-          <p:nvPr>
-            <p:ph type="title"/>
-          </p:nvPr>
-        </p:nvSpPr>
-        <p:spPr/>
-        <p:txBody>
-          <a:bodyPr/>
-          <a:lstStyle/>
-          <a:p>
-            <a:pPr lvl="0" indent="0" marL="0">
-              <a:buNone/>
-            </a:pPr>
-            <a:r>
-              <a:rPr/>
-              <a:t>Break! 10 minutes</a:t>
+          <p:cNvPr id="3" name="Content Placeholder 2"/>
+          <p:cNvSpPr>
+            <a:spLocks noGrp="1"/>
+          </p:cNvSpPr>
+          <p:nvPr>
+            <p:ph idx="1"/>
+          </p:nvPr>
+        </p:nvSpPr>
+        <p:spPr/>
+        <p:txBody>
+          <a:bodyPr/>
+          <a:lstStyle/>
+          <a:p>
+            <a:pPr lvl="0" indent="0" marL="0">
+              <a:spcBef>
+                <a:spcPts val="3000"/>
+              </a:spcBef>
+              <a:buNone/>
+            </a:pPr>
+            <a:r>
+              <a:rPr b="1"/>
+              <a:t>Post-break survey discussion</a:t>
             </a:r>
           </a:p>
         </p:txBody>
@@ -13405,7 +13593,91 @@
             </a:pPr>
             <a:r>
               <a:rPr b="1"/>
-              <a:t>Post-break survey discussion</a:t>
+              <a:t>Additional authoring features</a:t>
+            </a:r>
+          </a:p>
+          <a:p>
+            <a:pPr lvl="0" indent="0" marL="0">
+              <a:buNone/>
+            </a:pPr>
+            <a:r>
+              <a:rPr/>
+              <a:t>Quarto offers additional </a:t>
+            </a:r>
+            <a:r>
+              <a:rPr b="1"/>
+              <a:t>authoring features</a:t>
+            </a:r>
+            <a:r>
+              <a:rPr/>
+              <a:t> that make it more versatile and comprehensive. These include:</a:t>
+            </a:r>
+          </a:p>
+          <a:p>
+            <a:pPr lvl="0"/>
+            <a:r>
+              <a:rPr/>
+              <a:t>Adding </a:t>
+            </a:r>
+            <a:r>
+              <a:rPr b="1"/>
+              <a:t>links</a:t>
+            </a:r>
+            <a:r>
+              <a:rPr/>
+              <a:t> and </a:t>
+            </a:r>
+            <a:r>
+              <a:rPr b="1"/>
+              <a:t>hyperlinking</a:t>
+            </a:r>
+            <a:r>
+              <a:rPr/>
+              <a:t> text</a:t>
+            </a:r>
+          </a:p>
+          <a:p>
+            <a:pPr lvl="0"/>
+            <a:r>
+              <a:rPr/>
+              <a:t>Embedding </a:t>
+            </a:r>
+            <a:r>
+              <a:rPr b="1"/>
+              <a:t>media</a:t>
+            </a:r>
+          </a:p>
+          <a:p>
+            <a:pPr lvl="0"/>
+            <a:r>
+              <a:rPr/>
+              <a:t>Creating </a:t>
+            </a:r>
+            <a:r>
+              <a:rPr b="1"/>
+              <a:t>multi-column layouts</a:t>
+            </a:r>
+            <a:r>
+              <a:rPr/>
+              <a:t> and more.</a:t>
+            </a:r>
+          </a:p>
+          <a:p>
+            <a:pPr lvl="0" indent="0" marL="1270000">
+              <a:buNone/>
+            </a:pPr>
+            <a:r>
+              <a:rPr sz="2000" b="1"/>
+              <a:t>Commonly used authoring features</a:t>
+            </a:r>
+          </a:p>
+          <a:p>
+            <a:pPr lvl="0" indent="0" marL="1270000">
+              <a:buNone/>
+            </a:pPr>
+            <a:r>
+              <a:rPr sz="2000"/>
+              <a:t>Here is a link for commonly used markdown syntax for additional authoring features.</a:t>
             </a:r>
           </a:p>
         </p:txBody>
@@ -13455,100 +13727,113 @@
             </a:pPr>
             <a:r>
               <a:rPr b="1"/>
-              <a:t>5.1 Additional authoring features</a:t>
-            </a:r>
-          </a:p>
-          <a:p>
-            <a:pPr lvl="0" indent="0" marL="0">
-              <a:buNone/>
-            </a:pPr>
-            <a:r>
-              <a:rPr/>
-              <a:t>Quarto offers additional </a:t>
-            </a:r>
-            <a:r>
-              <a:rPr b="1"/>
-              <a:t>authoring features</a:t>
-            </a:r>
-            <a:r>
-              <a:rPr/>
-              <a:t> that make it more versatile and comprehensive.</a:t>
-            </a:r>
-          </a:p>
-          <a:p>
-            <a:pPr lvl="0" indent="0" marL="0">
-              <a:buNone/>
-            </a:pPr>
-            <a:r>
-              <a:rPr/>
-              <a:t>These include:</a:t>
+              <a:t>Inserting links</a:t>
+            </a:r>
+          </a:p>
+          <a:p>
+            <a:pPr lvl="0" indent="0" marL="0">
+              <a:buNone/>
+            </a:pPr>
+            <a:r>
+              <a:rPr/>
+              <a:t>Link with title: </a:t>
+            </a:r>
+            <a:r>
+              <a:rPr>
+                <a:latin typeface="Courier"/>
+              </a:rPr>
+              <a:t>[title](link)</a:t>
             </a:r>
           </a:p>
           <a:p>
             <a:pPr lvl="0"/>
             <a:r>
-              <a:rPr/>
-              <a:t>Adding </a:t>
-            </a:r>
-            <a:r>
-              <a:rPr b="1"/>
-              <a:t>links</a:t>
-            </a:r>
-            <a:r>
-              <a:rPr/>
-              <a:t> and </a:t>
-            </a:r>
-            <a:r>
-              <a:rPr b="1"/>
-              <a:t>hyperlinking</a:t>
-            </a:r>
-            <a:r>
-              <a:rPr/>
-              <a:t> text</a:t>
+              <a:rPr>
+                <a:latin typeface="Courier"/>
+              </a:rPr>
+              <a:t>[Quarto Website](https://quarto.org)</a:t>
+            </a:r>
+            <a:r>
+              <a:rPr/>
+              <a:t> → </a:t>
+            </a:r>
+            <a:r>
+              <a:rPr>
+                <a:hlinkClick r:id="rId3"/>
+              </a:rPr>
+              <a:t>Quarto Website</a:t>
             </a:r>
           </a:p>
           <a:p>
             <a:pPr lvl="0"/>
             <a:r>
-              <a:rPr/>
-              <a:t>Embedding </a:t>
-            </a:r>
-            <a:r>
-              <a:rPr b="1"/>
-              <a:t>media</a:t>
+              <a:rPr>
+                <a:latin typeface="Courier"/>
+              </a:rPr>
+              <a:t>[Click here to see more information on reveal.js](https://revealjs.com)</a:t>
+            </a:r>
+            <a:r>
+              <a:rPr/>
+              <a:t> → </a:t>
+            </a:r>
+            <a:r>
+              <a:rPr>
+                <a:hlinkClick r:id="rId4"/>
+              </a:rPr>
+              <a:t>Click here to see more information on reveal.js</a:t>
+            </a:r>
+          </a:p>
+          <a:p>
+            <a:pPr lvl="0" indent="0" marL="0">
+              <a:buNone/>
+            </a:pPr>
+            <a:r>
+              <a:rPr/>
+              <a:t>Link without title: </a:t>
+            </a:r>
+            <a:r>
+              <a:rPr>
+                <a:latin typeface="Courier"/>
+              </a:rPr>
+              <a:t>&lt;https://link&gt;</a:t>
             </a:r>
           </a:p>
           <a:p>
             <a:pPr lvl="0"/>
             <a:r>
-              <a:rPr/>
-              <a:t>Creating </a:t>
-            </a:r>
-            <a:r>
-              <a:rPr b="1"/>
-              <a:t>multi-column layouts</a:t>
-            </a:r>
-            <a:r>
-              <a:rPr/>
-              <a:t> and more.</a:t>
-            </a:r>
-          </a:p>
-          <a:p>
-            <a:pPr lvl="0" indent="0" marL="1270000">
-              <a:buNone/>
-            </a:pPr>
-            <a:r>
-              <a:rPr sz="2000" b="1"/>
-              <a:t>Commonly used authoring features</a:t>
-            </a:r>
-          </a:p>
-          <a:p>
-            <a:pPr lvl="0" indent="0" marL="1270000">
-              <a:buNone/>
-            </a:pPr>
-            <a:r>
-              <a:rPr sz="2000"/>
-              <a:t>Here is a link for commonly used markdown syntax for additional authoring features.</a:t>
+              <a:rPr>
+                <a:latin typeface="Courier"/>
+              </a:rPr>
+              <a:t>&lt;https://www.markdownguide.org/&gt;</a:t>
+            </a:r>
+            <a:r>
+              <a:rPr/>
+              <a:t> → </a:t>
+            </a:r>
+            <a:r>
+              <a:rPr>
+                <a:hlinkClick r:id="rId5"/>
+              </a:rPr>
+              <a:t>https://www.markdownguide.org/</a:t>
+            </a:r>
+          </a:p>
+          <a:p>
+            <a:pPr lvl="0"/>
+            <a:r>
+              <a:rPr>
+                <a:latin typeface="Courier"/>
+              </a:rPr>
+              <a:t>&lt;https://github.com/&gt;</a:t>
+            </a:r>
+            <a:r>
+              <a:rPr/>
+              <a:t> → </a:t>
+            </a:r>
+            <a:r>
+              <a:rPr>
+                <a:hlinkClick r:id="rId6"/>
+              </a:rPr>
+              <a:t>https://github.com/</a:t>
             </a:r>
           </a:p>
         </p:txBody>
@@ -13577,12 +13862,12 @@
       </p:grpSpPr>
       <p:sp>
         <p:nvSpPr>
-          <p:cNvPr id="3" name="Content Placeholder 2"/>
-          <p:cNvSpPr>
-            <a:spLocks noGrp="1"/>
-          </p:cNvSpPr>
-          <p:nvPr>
-            <p:ph idx="1"/>
+          <p:cNvPr id="4" name="Text Placeholder 3"/>
+          <p:cNvSpPr>
+            <a:spLocks noGrp="1"/>
+          </p:cNvSpPr>
+          <p:nvPr>
+            <p:ph idx="2" sz="half" type="body"/>
           </p:nvPr>
         </p:nvSpPr>
         <p:spPr/>
@@ -13598,163 +13883,7 @@
             </a:pPr>
             <a:r>
               <a:rPr b="1"/>
-              <a:t>5.2 Inserting links</a:t>
-            </a:r>
-          </a:p>
-          <a:p>
-            <a:pPr lvl="0" indent="0" marL="0">
-              <a:buNone/>
-            </a:pPr>
-            <a:r>
-              <a:rPr/>
-              <a:t>Link with title: </a:t>
-            </a:r>
-            <a:r>
-              <a:rPr>
-                <a:latin typeface="Courier"/>
-              </a:rPr>
-              <a:t>[title](link)</a:t>
-            </a:r>
-          </a:p>
-          <a:p>
-            <a:pPr lvl="0"/>
-            <a:r>
-              <a:rPr>
-                <a:latin typeface="Courier"/>
-              </a:rPr>
-              <a:t>[Quarto Website](https://quarto.org)</a:t>
-            </a:r>
-            <a:r>
-              <a:rPr/>
-              <a:t> → </a:t>
-            </a:r>
-            <a:r>
-              <a:rPr>
-                <a:hlinkClick r:id="rId3"/>
-              </a:rPr>
-              <a:t>Quarto Website</a:t>
-            </a:r>
-          </a:p>
-          <a:p>
-            <a:pPr lvl="0"/>
-            <a:r>
-              <a:rPr>
-                <a:latin typeface="Courier"/>
-              </a:rPr>
-              <a:t>[Click here to see more information on reveal.js](https://revealjs.com)</a:t>
-            </a:r>
-            <a:r>
-              <a:rPr/>
-              <a:t> → </a:t>
-            </a:r>
-            <a:r>
-              <a:rPr>
-                <a:hlinkClick r:id="rId4"/>
-              </a:rPr>
-              <a:t>Click here to see more information on reveal.js</a:t>
-            </a:r>
-          </a:p>
-          <a:p>
-            <a:pPr lvl="0" indent="0" marL="0">
-              <a:buNone/>
-            </a:pPr>
-            <a:r>
-              <a:rPr/>
-              <a:t>Link without title: </a:t>
-            </a:r>
-            <a:r>
-              <a:rPr>
-                <a:latin typeface="Courier"/>
-              </a:rPr>
-              <a:t>&lt;https://link&gt;</a:t>
-            </a:r>
-          </a:p>
-          <a:p>
-            <a:pPr lvl="0"/>
-            <a:r>
-              <a:rPr>
-                <a:latin typeface="Courier"/>
-              </a:rPr>
-              <a:t>&lt;https://www.markdownguide.org/&gt;</a:t>
-            </a:r>
-            <a:r>
-              <a:rPr/>
-              <a:t> → </a:t>
-            </a:r>
-            <a:r>
-              <a:rPr>
-                <a:hlinkClick r:id="rId5"/>
-              </a:rPr>
-              <a:t>https://www.markdownguide.org/</a:t>
-            </a:r>
-          </a:p>
-          <a:p>
-            <a:pPr lvl="0"/>
-            <a:r>
-              <a:rPr>
-                <a:latin typeface="Courier"/>
-              </a:rPr>
-              <a:t>&lt;https://github.com/&gt;</a:t>
-            </a:r>
-            <a:r>
-              <a:rPr/>
-              <a:t> → </a:t>
-            </a:r>
-            <a:r>
-              <a:rPr>
-                <a:hlinkClick r:id="rId6"/>
-              </a:rPr>
-              <a:t>https://github.com/</a:t>
-            </a:r>
-          </a:p>
-        </p:txBody>
-      </p:sp>
-    </p:spTree>
-  </p:cSld>
-</p:sld>
-</file>
-
-<file path=ppt/slides/slide44.xml><?xml version="1.0" encoding="utf-8"?>
-<p:sld xmlns:a="http://schemas.openxmlformats.org/drawingml/2006/main" xmlns:r="http://schemas.openxmlformats.org/officeDocument/2006/relationships" xmlns:p="http://schemas.openxmlformats.org/presentationml/2006/main">
-  <p:cSld>
-    <p:spTree>
-      <p:nvGrpSpPr>
-        <p:cNvPr id="1" name=""/>
-        <p:cNvGrpSpPr/>
-        <p:nvPr/>
-      </p:nvGrpSpPr>
-      <p:grpSpPr>
-        <a:xfrm>
-          <a:off x="0" y="0"/>
-          <a:ext cx="0" cy="0"/>
-          <a:chOff x="0" y="0"/>
-          <a:chExt cx="0" cy="0"/>
-        </a:xfrm>
-      </p:grpSpPr>
-      <p:sp>
-        <p:nvSpPr>
-          <p:cNvPr id="4" name="Text Placeholder 3"/>
-          <p:cNvSpPr>
-            <a:spLocks noGrp="1"/>
-          </p:cNvSpPr>
-          <p:nvPr>
-            <p:ph idx="2" sz="half" type="body"/>
-          </p:nvPr>
-        </p:nvSpPr>
-        <p:spPr/>
-        <p:txBody>
-          <a:bodyPr/>
-          <a:lstStyle/>
-          <a:p>
-            <a:pPr lvl="0" indent="0" marL="0">
-              <a:spcBef>
-                <a:spcPts val="3000"/>
-              </a:spcBef>
-              <a:buNone/>
-            </a:pPr>
-            <a:r>
-              <a:rPr b="1"/>
-              <a:t>5.3 Inserting images</a:t>
+              <a:t>Inserting images</a:t>
             </a:r>
           </a:p>
           <a:p>
@@ -13807,7 +13936,7 @@
 </p:sld>
 </file>
 
-<file path=ppt/slides/slide45.xml><?xml version="1.0" encoding="utf-8"?>
+<file path=ppt/slides/slide44.xml><?xml version="1.0" encoding="utf-8"?>
 <p:sld xmlns:a="http://schemas.openxmlformats.org/drawingml/2006/main" xmlns:r="http://schemas.openxmlformats.org/officeDocument/2006/relationships" xmlns:p="http://schemas.openxmlformats.org/presentationml/2006/main">
   <p:cSld>
     <p:spTree>
@@ -13847,7 +13976,7 @@
             </a:pPr>
             <a:r>
               <a:rPr b="1"/>
-              <a:t>5.4 Inserting images</a:t>
+              <a:t>Inserting images</a:t>
             </a:r>
           </a:p>
           <a:p>
@@ -13930,7 +14059,7 @@
 </p:sld>
 </file>
 
-<file path=ppt/slides/slide46.xml><?xml version="1.0" encoding="utf-8"?>
+<file path=ppt/slides/slide45.xml><?xml version="1.0" encoding="utf-8"?>
 <p:sld xmlns:a="http://schemas.openxmlformats.org/drawingml/2006/main" xmlns:r="http://schemas.openxmlformats.org/officeDocument/2006/relationships" xmlns:p="http://schemas.openxmlformats.org/presentationml/2006/main">
   <p:cSld>
     <p:spTree>
@@ -13970,7 +14099,7 @@
             </a:pPr>
             <a:r>
               <a:rPr b="1"/>
-              <a:t>5.5 Inserting images</a:t>
+              <a:t>Inserting images</a:t>
             </a:r>
           </a:p>
           <a:p>
@@ -14025,6 +14154,91 @@
 </p:sld>
 </file>
 
+<file path=ppt/slides/slide46.xml><?xml version="1.0" encoding="utf-8"?>
+<p:sld xmlns:a="http://schemas.openxmlformats.org/drawingml/2006/main" xmlns:r="http://schemas.openxmlformats.org/officeDocument/2006/relationships" xmlns:p="http://schemas.openxmlformats.org/presentationml/2006/main">
+  <p:cSld>
+    <p:spTree>
+      <p:nvGrpSpPr>
+        <p:cNvPr id="1" name=""/>
+        <p:cNvGrpSpPr/>
+        <p:nvPr/>
+      </p:nvGrpSpPr>
+      <p:grpSpPr>
+        <a:xfrm>
+          <a:off x="0" y="0"/>
+          <a:ext cx="0" cy="0"/>
+          <a:chOff x="0" y="0"/>
+          <a:chExt cx="0" cy="0"/>
+        </a:xfrm>
+      </p:grpSpPr>
+      <p:sp>
+        <p:nvSpPr>
+          <p:cNvPr id="3" name="Content Placeholder 2"/>
+          <p:cNvSpPr>
+            <a:spLocks noGrp="1"/>
+          </p:cNvSpPr>
+          <p:nvPr>
+            <p:ph idx="1"/>
+          </p:nvPr>
+        </p:nvSpPr>
+        <p:spPr/>
+        <p:txBody>
+          <a:bodyPr/>
+          <a:lstStyle/>
+          <a:p>
+            <a:pPr lvl="0" indent="0" marL="0">
+              <a:spcBef>
+                <a:spcPts val="3000"/>
+              </a:spcBef>
+              <a:buNone/>
+            </a:pPr>
+            <a:r>
+              <a:rPr b="1"/>
+              <a:t>Practical exercise 7</a:t>
+            </a:r>
+          </a:p>
+          <a:p>
+            <a:pPr lvl="0"/>
+            <a:r>
+              <a:rPr/>
+              <a:t>☐ Click this link to download the image</a:t>
+            </a:r>
+          </a:p>
+          <a:p>
+            <a:pPr lvl="0"/>
+            <a:r>
+              <a:rPr/>
+              <a:t>☐ Save the image to the main folder of the Quarto document files</a:t>
+            </a:r>
+          </a:p>
+          <a:p>
+            <a:pPr lvl="0" indent="0">
+              <a:buNone/>
+            </a:pPr>
+            <a:r>
+              <a:rPr>
+                <a:solidFill>
+                  <a:srgbClr val="AD0000"/>
+                </a:solidFill>
+                <a:latin typeface="Courier"/>
+              </a:rPr>
+              <a:t>![No chicks were harmed in the making of this document.](images/chickpic1.png)</a:t>
+            </a:r>
+          </a:p>
+          <a:p>
+            <a:pPr lvl="0"/>
+            <a:r>
+              <a:rPr/>
+              <a:t>☐ Copy and paste the markdown text above to insert an image with a caption (edit path if needed)</a:t>
+            </a:r>
+          </a:p>
+        </p:txBody>
+      </p:sp>
+    </p:spTree>
+  </p:cSld>
+</p:sld>
+</file>
+
 <file path=ppt/slides/slide47.xml><?xml version="1.0" encoding="utf-8"?>
 <p:sld xmlns:a="http://schemas.openxmlformats.org/drawingml/2006/main" xmlns:r="http://schemas.openxmlformats.org/officeDocument/2006/relationships" xmlns:p="http://schemas.openxmlformats.org/presentationml/2006/main">
   <p:cSld>
@@ -14065,42 +14279,144 @@
             </a:pPr>
             <a:r>
               <a:rPr b="1"/>
-              <a:t>Practical exercise 7</a:t>
+              <a:t>Creating columns on the slide</a:t>
+            </a:r>
+          </a:p>
+          <a:p>
+            <a:pPr lvl="0" indent="0" marL="0">
+              <a:buNone/>
+            </a:pPr>
+            <a:r>
+              <a:rPr/>
+              <a:t>You can change the layout of a section using </a:t>
+            </a:r>
+            <a:r>
+              <a:rPr b="1"/>
+              <a:t>columns</a:t>
+            </a:r>
+            <a:r>
+              <a:rPr/>
+              <a:t>:</a:t>
             </a:r>
           </a:p>
           <a:p>
             <a:pPr lvl="0"/>
             <a:r>
               <a:rPr/>
-              <a:t>☐ Click this link to download the image</a:t>
-            </a:r>
-          </a:p>
-          <a:p>
-            <a:pPr lvl="0"/>
-            <a:r>
-              <a:rPr/>
-              <a:t>☐ Save the image to the main folder of the Quarto document files</a:t>
-            </a:r>
-          </a:p>
-          <a:p>
-            <a:pPr lvl="0" indent="0">
-              <a:buNone/>
-            </a:pPr>
+              <a:t>Start the column layout by writing “</a:t>
+            </a:r>
             <a:r>
               <a:rPr>
-                <a:solidFill>
-                  <a:srgbClr val="AD0000"/>
-                </a:solidFill>
                 <a:latin typeface="Courier"/>
               </a:rPr>
-              <a:t>![No chicks were harmed in the making of this document.](images/chickpic1.png)</a:t>
+              <a:t>:::::: columns</a:t>
+            </a:r>
+            <a:r>
+              <a:rPr/>
+              <a:t>”</a:t>
             </a:r>
           </a:p>
           <a:p>
             <a:pPr lvl="0"/>
             <a:r>
               <a:rPr/>
-              <a:t>☐ Copy &amp; paste the markdown text above to insert an image with a caption (edit path if needed)</a:t>
+              <a:t>→ Begin the first column with “</a:t>
+            </a:r>
+            <a:r>
+              <a:rPr>
+                <a:latin typeface="Courier"/>
+              </a:rPr>
+              <a:t>::: column</a:t>
+            </a:r>
+            <a:r>
+              <a:rPr/>
+              <a:t>”</a:t>
+            </a:r>
+          </a:p>
+          <a:p>
+            <a:pPr lvl="0"/>
+            <a:r>
+              <a:rPr/>
+              <a:t>→ Add content and end it with “</a:t>
+            </a:r>
+            <a:r>
+              <a:rPr>
+                <a:latin typeface="Courier"/>
+              </a:rPr>
+              <a:t>:::</a:t>
+            </a:r>
+            <a:r>
+              <a:rPr/>
+              <a:t>”</a:t>
+            </a:r>
+          </a:p>
+          <a:p>
+            <a:pPr lvl="0"/>
+            <a:r>
+              <a:rPr/>
+              <a:t>→ Begin second coloumn with “</a:t>
+            </a:r>
+            <a:r>
+              <a:rPr>
+                <a:latin typeface="Courier"/>
+              </a:rPr>
+              <a:t>::: column</a:t>
+            </a:r>
+            <a:r>
+              <a:rPr/>
+              <a:t>”</a:t>
+            </a:r>
+          </a:p>
+          <a:p>
+            <a:pPr lvl="0"/>
+            <a:r>
+              <a:rPr/>
+              <a:t>→ Add content and end it with “</a:t>
+            </a:r>
+            <a:r>
+              <a:rPr>
+                <a:latin typeface="Courier"/>
+              </a:rPr>
+              <a:t>:::</a:t>
+            </a:r>
+            <a:r>
+              <a:rPr/>
+              <a:t>”</a:t>
+            </a:r>
+          </a:p>
+          <a:p>
+            <a:pPr lvl="0"/>
+            <a:r>
+              <a:rPr/>
+              <a:t>→ End section with a final “</a:t>
+            </a:r>
+            <a:r>
+              <a:rPr>
+                <a:latin typeface="Courier"/>
+              </a:rPr>
+              <a:t>::::::</a:t>
+            </a:r>
+            <a:r>
+              <a:rPr/>
+              <a:t>”</a:t>
+            </a:r>
+          </a:p>
+          <a:p>
+            <a:pPr lvl="0" indent="0" marL="1270000">
+              <a:buNone/>
+            </a:pPr>
+            <a:r>
+              <a:rPr sz="2000" b="1"/>
+              <a:t>List of page layout options</a:t>
+            </a:r>
+          </a:p>
+          <a:p>
+            <a:pPr lvl="0" indent="0" marL="1270000">
+              <a:buNone/>
+            </a:pPr>
+            <a:r>
+              <a:rPr sz="2000"/>
+              <a:t>Here is a link for page layout options to author how content looks on your document.</a:t>
             </a:r>
           </a:p>
         </p:txBody>
@@ -14150,144 +14466,39 @@
             </a:pPr>
             <a:r>
               <a:rPr b="1"/>
-              <a:t>5.6 Creating columns on the slide</a:t>
-            </a:r>
-          </a:p>
-          <a:p>
-            <a:pPr lvl="0" indent="0" marL="0">
-              <a:buNone/>
-            </a:pPr>
-            <a:r>
-              <a:rPr/>
-              <a:t>You can change the layout of a section using </a:t>
-            </a:r>
-            <a:r>
-              <a:rPr b="1"/>
-              <a:t>columns</a:t>
-            </a:r>
-            <a:r>
-              <a:rPr/>
-              <a:t>:</a:t>
+              <a:t>Practical exercise 8</a:t>
+            </a:r>
+          </a:p>
+          <a:p>
+            <a:pPr lvl="0" indent="0" marL="0">
+              <a:buNone/>
+            </a:pPr>
+            <a:r>
+              <a:rPr b="1"/>
+              <a:t>Side-by-side image and bullet points with columns</a:t>
+            </a:r>
+          </a:p>
+          <a:p>
+            <a:pPr lvl="0" indent="0" marL="0">
+              <a:buNone/>
+            </a:pPr>
+            <a:r>
+              <a:rPr/>
+              <a:t>Let’s use columns to add bullet points next to an image.</a:t>
             </a:r>
           </a:p>
           <a:p>
             <a:pPr lvl="0"/>
             <a:r>
               <a:rPr/>
-              <a:t>Start the column layout by writing “</a:t>
-            </a:r>
-            <a:r>
-              <a:rPr>
-                <a:latin typeface="Courier"/>
-              </a:rPr>
-              <a:t>:::::: columns</a:t>
-            </a:r>
-            <a:r>
-              <a:rPr/>
-              <a:t>”</a:t>
+              <a:t>☐ Click this link to download another image</a:t>
             </a:r>
           </a:p>
           <a:p>
             <a:pPr lvl="0"/>
             <a:r>
               <a:rPr/>
-              <a:t>→ Begin the first column with “</a:t>
-            </a:r>
-            <a:r>
-              <a:rPr>
-                <a:latin typeface="Courier"/>
-              </a:rPr>
-              <a:t>::: column</a:t>
-            </a:r>
-            <a:r>
-              <a:rPr/>
-              <a:t>”</a:t>
-            </a:r>
-          </a:p>
-          <a:p>
-            <a:pPr lvl="0"/>
-            <a:r>
-              <a:rPr/>
-              <a:t>→ Add content and end it with “</a:t>
-            </a:r>
-            <a:r>
-              <a:rPr>
-                <a:latin typeface="Courier"/>
-              </a:rPr>
-              <a:t>:::</a:t>
-            </a:r>
-            <a:r>
-              <a:rPr/>
-              <a:t>”</a:t>
-            </a:r>
-          </a:p>
-          <a:p>
-            <a:pPr lvl="0"/>
-            <a:r>
-              <a:rPr/>
-              <a:t>→ Begin second coloumn with “</a:t>
-            </a:r>
-            <a:r>
-              <a:rPr>
-                <a:latin typeface="Courier"/>
-              </a:rPr>
-              <a:t>::: column</a:t>
-            </a:r>
-            <a:r>
-              <a:rPr/>
-              <a:t>”</a:t>
-            </a:r>
-          </a:p>
-          <a:p>
-            <a:pPr lvl="0"/>
-            <a:r>
-              <a:rPr/>
-              <a:t>→ Add content and end it with “</a:t>
-            </a:r>
-            <a:r>
-              <a:rPr>
-                <a:latin typeface="Courier"/>
-              </a:rPr>
-              <a:t>:::</a:t>
-            </a:r>
-            <a:r>
-              <a:rPr/>
-              <a:t>”</a:t>
-            </a:r>
-          </a:p>
-          <a:p>
-            <a:pPr lvl="0"/>
-            <a:r>
-              <a:rPr/>
-              <a:t>→ End section with a final “</a:t>
-            </a:r>
-            <a:r>
-              <a:rPr>
-                <a:latin typeface="Courier"/>
-              </a:rPr>
-              <a:t>::::::</a:t>
-            </a:r>
-            <a:r>
-              <a:rPr/>
-              <a:t>”</a:t>
-            </a:r>
-          </a:p>
-          <a:p>
-            <a:pPr lvl="0" indent="0" marL="1270000">
-              <a:buNone/>
-            </a:pPr>
-            <a:r>
-              <a:rPr sz="2000" b="1"/>
-              <a:t>List of page layout options</a:t>
-            </a:r>
-          </a:p>
-          <a:p>
-            <a:pPr lvl="0" indent="0" marL="1270000">
-              <a:buNone/>
-            </a:pPr>
-            <a:r>
-              <a:rPr sz="2000"/>
-              <a:t>Here is a link for page layout options to author how content looks on your document.</a:t>
+              <a:t>☐ Save the image to the main folder of the Quarto document files</a:t>
             </a:r>
           </a:p>
         </p:txBody>
@@ -14341,35 +14552,126 @@
             </a:r>
           </a:p>
           <a:p>
-            <a:pPr lvl="0" indent="0" marL="0">
-              <a:buNone/>
-            </a:pPr>
-            <a:r>
-              <a:rPr b="1"/>
-              <a:t>Side-by-side image and bullet points with columns</a:t>
-            </a:r>
-          </a:p>
-          <a:p>
-            <a:pPr lvl="0" indent="0" marL="0">
-              <a:buNone/>
-            </a:pPr>
-            <a:r>
-              <a:rPr/>
-              <a:t>Let’s use columns to add bullet points next to an image.</a:t>
+            <a:pPr lvl="0" indent="0">
+              <a:buNone/>
+            </a:pPr>
+            <a:r>
+              <a:rPr>
+                <a:solidFill>
+                  <a:srgbClr val="003B4F"/>
+                </a:solidFill>
+                <a:latin typeface="Courier"/>
+              </a:rPr>
+              <a:t>:::::: columns</a:t>
+            </a:r>
+            <a:br/>
+            <a:r>
+              <a:rPr>
+                <a:solidFill>
+                  <a:srgbClr val="003B4F"/>
+                </a:solidFill>
+                <a:latin typeface="Courier"/>
+              </a:rPr>
+              <a:t>::: column</a:t>
+            </a:r>
+            <a:br/>
+            <a:br/>
+            <a:r>
+              <a:rPr>
+                <a:solidFill>
+                  <a:srgbClr val="AD0000"/>
+                </a:solidFill>
+                <a:latin typeface="Courier"/>
+              </a:rPr>
+              <a:t>![](images/chickpic2.png)</a:t>
+            </a:r>
+            <a:br/>
+            <a:br/>
+            <a:r>
+              <a:rPr>
+                <a:solidFill>
+                  <a:srgbClr val="003B4F"/>
+                </a:solidFill>
+                <a:latin typeface="Courier"/>
+              </a:rPr>
+              <a:t>:::</a:t>
+            </a:r>
+            <a:br/>
+            <a:r>
+              <a:rPr>
+                <a:solidFill>
+                  <a:srgbClr val="003B4F"/>
+                </a:solidFill>
+                <a:latin typeface="Courier"/>
+              </a:rPr>
+              <a:t>::: column</a:t>
+            </a:r>
+            <a:br/>
+            <a:br/>
+            <a:r>
+              <a:rPr>
+                <a:solidFill>
+                  <a:srgbClr val="20794D"/>
+                </a:solidFill>
+                <a:latin typeface="Courier"/>
+              </a:rPr>
+              <a:t>-   </a:t>
+            </a:r>
+            <a:r>
+              <a:rPr>
+                <a:solidFill>
+                  <a:srgbClr val="003B4F"/>
+                </a:solidFill>
+                <a:latin typeface="Courier"/>
+              </a:rPr>
+              <a:t>Monitor growth trends over time</a:t>
+            </a:r>
+            <a:br/>
+            <a:r>
+              <a:rPr>
+                <a:solidFill>
+                  <a:srgbClr val="20794D"/>
+                </a:solidFill>
+                <a:latin typeface="Courier"/>
+              </a:rPr>
+              <a:t>-   </a:t>
+            </a:r>
+            <a:r>
+              <a:rPr>
+                <a:solidFill>
+                  <a:srgbClr val="003B4F"/>
+                </a:solidFill>
+                <a:latin typeface="Courier"/>
+              </a:rPr>
+              <a:t>Compare diets and weight gain</a:t>
+            </a:r>
+            <a:br/>
+            <a:br/>
+            <a:r>
+              <a:rPr>
+                <a:solidFill>
+                  <a:srgbClr val="003B4F"/>
+                </a:solidFill>
+                <a:latin typeface="Courier"/>
+              </a:rPr>
+              <a:t>:::</a:t>
+            </a:r>
+            <a:br/>
+            <a:r>
+              <a:rPr>
+                <a:solidFill>
+                  <a:srgbClr val="003B4F"/>
+                </a:solidFill>
+                <a:latin typeface="Courier"/>
+              </a:rPr>
+              <a:t>::::::</a:t>
             </a:r>
           </a:p>
           <a:p>
             <a:pPr lvl="0"/>
             <a:r>
               <a:rPr/>
-              <a:t>☐ Click this link to download another image</a:t>
-            </a:r>
-          </a:p>
-          <a:p>
-            <a:pPr lvl="0"/>
-            <a:r>
-              <a:rPr/>
-              <a:t>☐ Save the image to the main folder of the Quarto document files</a:t>
+              <a:t>☐ Copy and paste the markdown text to add an image with bullet points using columns (edit path if needed)</a:t>
             </a:r>
           </a:p>
         </p:txBody>
@@ -14427,16 +14729,12 @@
               <a:buNone/>
             </a:pPr>
             <a:r>
-              <a:rPr b="1"/>
-              <a:t>Where are we at?</a:t>
-            </a:r>
-            <a:r>
-              <a:rPr/>
-              <a:t>   Click on the following link or scan the QR code to test your prior Quarto knowledge: </a:t>
+              <a:rPr/>
+              <a:t>  Click on the following link or scan the QR code to test your prior Quarto knowledge: </a:t>
             </a:r>
             <a:r>
               <a:rPr>
-                <a:hlinkClick r:id="rId2"/>
+                <a:hlinkClick r:id="rId3"/>
               </a:rPr>
               <a:t>Quarto Survey</a:t>
             </a:r>
@@ -14452,7 +14750,7 @@
           <p:nvPr/>
         </p:nvPicPr>
         <p:blipFill>
-          <a:blip r:embed="rId3"/>
+          <a:blip r:embed="rId4"/>
           <a:stretch>
             <a:fillRect/>
           </a:stretch>
@@ -14518,130 +14816,44 @@
             </a:pPr>
             <a:r>
               <a:rPr b="1"/>
-              <a:t>Practical exercise 8</a:t>
-            </a:r>
-          </a:p>
-          <a:p>
-            <a:pPr lvl="0" indent="0">
-              <a:buNone/>
-            </a:pPr>
-            <a:r>
-              <a:rPr>
-                <a:solidFill>
-                  <a:srgbClr val="003B4F"/>
-                </a:solidFill>
-                <a:latin typeface="Courier"/>
-              </a:rPr>
-              <a:t>:::::: columns</a:t>
-            </a:r>
-            <a:br/>
-            <a:r>
-              <a:rPr>
-                <a:solidFill>
-                  <a:srgbClr val="003B4F"/>
-                </a:solidFill>
-                <a:latin typeface="Courier"/>
-              </a:rPr>
-              <a:t>::: column</a:t>
-            </a:r>
-            <a:br/>
-            <a:br/>
-            <a:r>
-              <a:rPr>
-                <a:solidFill>
-                  <a:srgbClr val="AD0000"/>
-                </a:solidFill>
-                <a:latin typeface="Courier"/>
-              </a:rPr>
-              <a:t>![](images/chickpic2.png)</a:t>
-            </a:r>
-            <a:br/>
-            <a:br/>
-            <a:r>
-              <a:rPr>
-                <a:solidFill>
-                  <a:srgbClr val="003B4F"/>
-                </a:solidFill>
-                <a:latin typeface="Courier"/>
-              </a:rPr>
-              <a:t>:::</a:t>
-            </a:r>
-            <a:br/>
-            <a:r>
-              <a:rPr>
-                <a:solidFill>
-                  <a:srgbClr val="003B4F"/>
-                </a:solidFill>
-                <a:latin typeface="Courier"/>
-              </a:rPr>
-              <a:t>::: column</a:t>
-            </a:r>
-            <a:br/>
-            <a:br/>
-            <a:r>
-              <a:rPr>
-                <a:solidFill>
-                  <a:srgbClr val="20794D"/>
-                </a:solidFill>
-                <a:latin typeface="Courier"/>
-              </a:rPr>
-              <a:t>-   </a:t>
-            </a:r>
-            <a:r>
-              <a:rPr>
-                <a:solidFill>
-                  <a:srgbClr val="003B4F"/>
-                </a:solidFill>
-                <a:latin typeface="Courier"/>
-              </a:rPr>
-              <a:t>Monitor growth trends over time</a:t>
-            </a:r>
-            <a:br/>
-            <a:r>
-              <a:rPr>
-                <a:solidFill>
-                  <a:srgbClr val="20794D"/>
-                </a:solidFill>
-                <a:latin typeface="Courier"/>
-              </a:rPr>
-              <a:t>-   </a:t>
-            </a:r>
-            <a:r>
-              <a:rPr>
-                <a:solidFill>
-                  <a:srgbClr val="003B4F"/>
-                </a:solidFill>
-                <a:latin typeface="Courier"/>
-              </a:rPr>
-              <a:t>Compare diets and weight gain</a:t>
-            </a:r>
-            <a:br/>
-            <a:br/>
-            <a:r>
-              <a:rPr>
-                <a:solidFill>
-                  <a:srgbClr val="003B4F"/>
-                </a:solidFill>
-                <a:latin typeface="Courier"/>
-              </a:rPr>
-              <a:t>:::</a:t>
-            </a:r>
-            <a:br/>
-            <a:r>
-              <a:rPr>
-                <a:solidFill>
-                  <a:srgbClr val="003B4F"/>
-                </a:solidFill>
-                <a:latin typeface="Courier"/>
-              </a:rPr>
-              <a:t>::::::</a:t>
+              <a:t>Adding citations</a:t>
+            </a:r>
+          </a:p>
+          <a:p>
+            <a:pPr lvl="0" indent="0" marL="0">
+              <a:buNone/>
+            </a:pPr>
+          </a:p>
+          <a:p>
+            <a:pPr lvl="0" indent="0" marL="0">
+              <a:buNone/>
+            </a:pPr>
+            <a:r>
+              <a:rPr/>
+              <a:t>What is </a:t>
+            </a:r>
+            <a:r>
+              <a:rPr b="1"/>
+              <a:t>Zotero</a:t>
+            </a:r>
+            <a:r>
+              <a:rPr/>
+              <a:t>? This is a free reference management tool to collect, organize, cite, and share research sources.</a:t>
             </a:r>
           </a:p>
           <a:p>
             <a:pPr lvl="0"/>
             <a:r>
               <a:rPr/>
-              <a:t>☐ Copy &amp; paste the markdown text to add an image with bullet points using columns (edit path if needed)</a:t>
+              <a:t>You can use </a:t>
+            </a:r>
+            <a:r>
+              <a:rPr b="1"/>
+              <a:t>Zotero</a:t>
+            </a:r>
+            <a:r>
+              <a:rPr/>
+              <a:t> in RStudio to easily insert citations into your Quarto document.</a:t>
             </a:r>
           </a:p>
         </p:txBody>
@@ -14670,12 +14882,12 @@
       </p:grpSpPr>
       <p:sp>
         <p:nvSpPr>
-          <p:cNvPr id="3" name="Content Placeholder 2"/>
-          <p:cNvSpPr>
-            <a:spLocks noGrp="1"/>
-          </p:cNvSpPr>
-          <p:nvPr>
-            <p:ph idx="1"/>
+          <p:cNvPr id="4" name="Text Placeholder 3"/>
+          <p:cNvSpPr>
+            <a:spLocks noGrp="1"/>
+          </p:cNvSpPr>
+          <p:nvPr>
+            <p:ph idx="2" sz="half" type="body"/>
           </p:nvPr>
         </p:nvSpPr>
         <p:spPr/>
@@ -14691,94 +14903,7 @@
             </a:pPr>
             <a:r>
               <a:rPr b="1"/>
-              <a:t>6.1 Adding citations</a:t>
-            </a:r>
-          </a:p>
-          <a:p>
-            <a:pPr lvl="0" indent="0" marL="0">
-              <a:buNone/>
-            </a:pPr>
-          </a:p>
-          <a:p>
-            <a:pPr lvl="0" indent="0" marL="0">
-              <a:buNone/>
-            </a:pPr>
-            <a:r>
-              <a:rPr/>
-              <a:t>What is </a:t>
-            </a:r>
-            <a:r>
-              <a:rPr b="1"/>
-              <a:t>Zotero</a:t>
-            </a:r>
-            <a:r>
-              <a:rPr/>
-              <a:t>? This is a free reference management tool to collect, organize, cite, and share research sources.</a:t>
-            </a:r>
-          </a:p>
-          <a:p>
-            <a:pPr lvl="0"/>
-            <a:r>
-              <a:rPr/>
-              <a:t>You can use </a:t>
-            </a:r>
-            <a:r>
-              <a:rPr b="1"/>
-              <a:t>Zotero</a:t>
-            </a:r>
-            <a:r>
-              <a:rPr/>
-              <a:t> in RStudio to easily insert citations into your Quarto document.</a:t>
-            </a:r>
-          </a:p>
-        </p:txBody>
-      </p:sp>
-    </p:spTree>
-  </p:cSld>
-</p:sld>
-</file>
-
-<file path=ppt/slides/slide52.xml><?xml version="1.0" encoding="utf-8"?>
-<p:sld xmlns:a="http://schemas.openxmlformats.org/drawingml/2006/main" xmlns:r="http://schemas.openxmlformats.org/officeDocument/2006/relationships" xmlns:p="http://schemas.openxmlformats.org/presentationml/2006/main">
-  <p:cSld>
-    <p:spTree>
-      <p:nvGrpSpPr>
-        <p:cNvPr id="1" name=""/>
-        <p:cNvGrpSpPr/>
-        <p:nvPr/>
-      </p:nvGrpSpPr>
-      <p:grpSpPr>
-        <a:xfrm>
-          <a:off x="0" y="0"/>
-          <a:ext cx="0" cy="0"/>
-          <a:chOff x="0" y="0"/>
-          <a:chExt cx="0" cy="0"/>
-        </a:xfrm>
-      </p:grpSpPr>
-      <p:sp>
-        <p:nvSpPr>
-          <p:cNvPr id="4" name="Text Placeholder 3"/>
-          <p:cNvSpPr>
-            <a:spLocks noGrp="1"/>
-          </p:cNvSpPr>
-          <p:nvPr>
-            <p:ph idx="2" sz="half" type="body"/>
-          </p:nvPr>
-        </p:nvSpPr>
-        <p:spPr/>
-        <p:txBody>
-          <a:bodyPr/>
-          <a:lstStyle/>
-          <a:p>
-            <a:pPr lvl="0" indent="0" marL="0">
-              <a:spcBef>
-                <a:spcPts val="3000"/>
-              </a:spcBef>
-              <a:buNone/>
-            </a:pPr>
-            <a:r>
-              <a:rPr b="1"/>
-              <a:t>6.2 Adding citations with Zotero</a:t>
+              <a:t>Adding citations with Zotero</a:t>
             </a:r>
           </a:p>
         </p:txBody>
@@ -14818,6 +14943,100 @@
 </p:sld>
 </file>
 
+<file path=ppt/slides/slide52.xml><?xml version="1.0" encoding="utf-8"?>
+<p:sld xmlns:a="http://schemas.openxmlformats.org/drawingml/2006/main" xmlns:r="http://schemas.openxmlformats.org/officeDocument/2006/relationships" xmlns:p="http://schemas.openxmlformats.org/presentationml/2006/main">
+  <p:cSld>
+    <p:spTree>
+      <p:nvGrpSpPr>
+        <p:cNvPr id="1" name=""/>
+        <p:cNvGrpSpPr/>
+        <p:nvPr/>
+      </p:nvGrpSpPr>
+      <p:grpSpPr>
+        <a:xfrm>
+          <a:off x="0" y="0"/>
+          <a:ext cx="0" cy="0"/>
+          <a:chOff x="0" y="0"/>
+          <a:chExt cx="0" cy="0"/>
+        </a:xfrm>
+      </p:grpSpPr>
+      <p:sp>
+        <p:nvSpPr>
+          <p:cNvPr id="3" name="Content Placeholder 2"/>
+          <p:cNvSpPr>
+            <a:spLocks noGrp="1"/>
+          </p:cNvSpPr>
+          <p:nvPr>
+            <p:ph idx="1"/>
+          </p:nvPr>
+        </p:nvSpPr>
+        <p:spPr/>
+        <p:txBody>
+          <a:bodyPr/>
+          <a:lstStyle/>
+          <a:p>
+            <a:pPr lvl="0" indent="0" marL="0">
+              <a:buNone/>
+            </a:pPr>
+            <a:r>
+              <a:rPr/>
+              <a:t>To insert a citation:</a:t>
+            </a:r>
+          </a:p>
+          <a:p>
+            <a:pPr lvl="0"/>
+            <a:r>
+              <a:rPr/>
+              <a:t>Open Zotero on your device</a:t>
+            </a:r>
+          </a:p>
+          <a:p>
+            <a:pPr lvl="0"/>
+            <a:r>
+              <a:rPr/>
+              <a:t>→ Switch to the “Visual Editor” mode</a:t>
+            </a:r>
+          </a:p>
+          <a:p>
+            <a:pPr lvl="0"/>
+            <a:r>
+              <a:rPr/>
+              <a:t>→ Add </a:t>
+            </a:r>
+            <a:r>
+              <a:rPr>
+                <a:latin typeface="Courier"/>
+              </a:rPr>
+              <a:t>bibliography: references.bib</a:t>
+            </a:r>
+            <a:r>
+              <a:rPr/>
+              <a:t> in the YAML header</a:t>
+            </a:r>
+          </a:p>
+          <a:p>
+            <a:pPr lvl="0"/>
+            <a:r>
+              <a:rPr/>
+              <a:t>→ Press the “Insert” button in the toolbar and select “Citation”</a:t>
+            </a:r>
+          </a:p>
+          <a:p>
+            <a:pPr lvl="0" indent="0" marL="0">
+              <a:buNone/>
+            </a:pPr>
+            <a:r>
+              <a:rPr/>
+              <a:t>A reference list or bibliography is automatically generated at the end of the document with all the citations used.</a:t>
+            </a:r>
+          </a:p>
+        </p:txBody>
+      </p:sp>
+    </p:spTree>
+  </p:cSld>
+</p:sld>
+</file>
+
 <file path=ppt/slides/slide53.xml><?xml version="1.0" encoding="utf-8"?>
 <p:sld xmlns:a="http://schemas.openxmlformats.org/drawingml/2006/main" xmlns:r="http://schemas.openxmlformats.org/officeDocument/2006/relationships" xmlns:p="http://schemas.openxmlformats.org/presentationml/2006/main">
   <p:cSld>
@@ -14851,58 +15070,44 @@
           <a:lstStyle/>
           <a:p>
             <a:pPr lvl="0" indent="0" marL="0">
-              <a:buNone/>
-            </a:pPr>
-            <a:r>
-              <a:rPr/>
-              <a:t>To insert a citation:</a:t>
-            </a:r>
+              <a:spcBef>
+                <a:spcPts val="3000"/>
+              </a:spcBef>
+              <a:buNone/>
+            </a:pPr>
+            <a:r>
+              <a:rPr b="1"/>
+              <a:t>Adding citations with Zotero</a:t>
+            </a:r>
+          </a:p>
+          <a:p>
+            <a:pPr lvl="0" indent="0" marL="0">
+              <a:buNone/>
+            </a:pPr>
           </a:p>
           <a:p>
             <a:pPr lvl="0"/>
             <a:r>
               <a:rPr/>
-              <a:t>Open Zotero on your device</a:t>
+              <a:t>→ Select citations straight from the folders in your </a:t>
+            </a:r>
+            <a:r>
+              <a:rPr b="1"/>
+              <a:t>Zotero library</a:t>
             </a:r>
           </a:p>
           <a:p>
             <a:pPr lvl="0"/>
             <a:r>
               <a:rPr/>
-              <a:t>→ Switch to the “Visual Editor” mode</a:t>
+              <a:t>Each citation is assigned a short citation key based on the author and year (for example, “pauwels2015”).</a:t>
             </a:r>
           </a:p>
           <a:p>
             <a:pPr lvl="0"/>
             <a:r>
               <a:rPr/>
-              <a:t>→ Add </a:t>
-            </a:r>
-            <a:r>
-              <a:rPr>
-                <a:latin typeface="Courier"/>
-              </a:rPr>
-              <a:t>bibliography: references.bib</a:t>
-            </a:r>
-            <a:r>
-              <a:rPr/>
-              <a:t> in the YAML header</a:t>
-            </a:r>
-          </a:p>
-          <a:p>
-            <a:pPr lvl="0"/>
-            <a:r>
-              <a:rPr/>
-              <a:t>→ Press the “Insert” button in the toolbar and select “Citation”</a:t>
-            </a:r>
-          </a:p>
-          <a:p>
-            <a:pPr lvl="0" indent="0" marL="0">
-              <a:buNone/>
-            </a:pPr>
-            <a:r>
-              <a:rPr/>
-              <a:t>A reference list or bibliography is automatically generated at the end of the document with all the citations used.</a:t>
+              <a:t>You can quickly cite it in your document by typing @ followed by the citation key.</a:t>
             </a:r>
           </a:p>
         </p:txBody>
@@ -14952,86 +15157,6 @@
             </a:pPr>
             <a:r>
               <a:rPr b="1"/>
-              <a:t>6.3 Adding citations with Zotero</a:t>
-            </a:r>
-          </a:p>
-          <a:p>
-            <a:pPr lvl="0" indent="0" marL="0">
-              <a:buNone/>
-            </a:pPr>
-          </a:p>
-          <a:p>
-            <a:pPr lvl="0"/>
-            <a:r>
-              <a:rPr/>
-              <a:t>→ Select citations straight from the folders in your </a:t>
-            </a:r>
-            <a:r>
-              <a:rPr b="1"/>
-              <a:t>Zotero library</a:t>
-            </a:r>
-          </a:p>
-          <a:p>
-            <a:pPr lvl="0"/>
-            <a:r>
-              <a:rPr/>
-              <a:t>Each citation is assigned a short citation key based on the author and year (e.g., pauwels2015).</a:t>
-            </a:r>
-          </a:p>
-          <a:p>
-            <a:pPr lvl="0"/>
-            <a:r>
-              <a:rPr/>
-              <a:t>You can quickly cite it in your document by typing @ followed by the citation key.</a:t>
-            </a:r>
-          </a:p>
-        </p:txBody>
-      </p:sp>
-    </p:spTree>
-  </p:cSld>
-</p:sld>
-</file>
-
-<file path=ppt/slides/slide55.xml><?xml version="1.0" encoding="utf-8"?>
-<p:sld xmlns:a="http://schemas.openxmlformats.org/drawingml/2006/main" xmlns:r="http://schemas.openxmlformats.org/officeDocument/2006/relationships" xmlns:p="http://schemas.openxmlformats.org/presentationml/2006/main">
-  <p:cSld>
-    <p:spTree>
-      <p:nvGrpSpPr>
-        <p:cNvPr id="1" name=""/>
-        <p:cNvGrpSpPr/>
-        <p:nvPr/>
-      </p:nvGrpSpPr>
-      <p:grpSpPr>
-        <a:xfrm>
-          <a:off x="0" y="0"/>
-          <a:ext cx="0" cy="0"/>
-          <a:chOff x="0" y="0"/>
-          <a:chExt cx="0" cy="0"/>
-        </a:xfrm>
-      </p:grpSpPr>
-      <p:sp>
-        <p:nvSpPr>
-          <p:cNvPr id="3" name="Content Placeholder 2"/>
-          <p:cNvSpPr>
-            <a:spLocks noGrp="1"/>
-          </p:cNvSpPr>
-          <p:nvPr>
-            <p:ph idx="1"/>
-          </p:nvPr>
-        </p:nvSpPr>
-        <p:spPr/>
-        <p:txBody>
-          <a:bodyPr/>
-          <a:lstStyle/>
-          <a:p>
-            <a:pPr lvl="0" indent="0" marL="0">
-              <a:spcBef>
-                <a:spcPts val="3000"/>
-              </a:spcBef>
-              <a:buNone/>
-            </a:pPr>
-            <a:r>
-              <a:rPr b="1"/>
               <a:t>Practical exercise 9</a:t>
             </a:r>
           </a:p>
@@ -15114,7 +15239,7 @@
             <a:pPr lvl="0"/>
             <a:r>
               <a:rPr/>
-              <a:t>☐ Copy &amp; paste the text above and place the cursor at the end of the sentence</a:t>
+              <a:t>☐ Copy and paste the text above and place the cursor at the end of the sentence</a:t>
             </a:r>
           </a:p>
         </p:txBody>
@@ -15124,7 +15249,7 @@
 </p:sld>
 </file>
 
-<file path=ppt/slides/slide56.xml><?xml version="1.0" encoding="utf-8"?>
+<file path=ppt/slides/slide55.xml><?xml version="1.0" encoding="utf-8"?>
 <p:sld xmlns:a="http://schemas.openxmlformats.org/drawingml/2006/main" xmlns:r="http://schemas.openxmlformats.org/officeDocument/2006/relationships" xmlns:p="http://schemas.openxmlformats.org/presentationml/2006/main">
   <p:cSld>
     <p:spTree>
@@ -15256,7 +15381,7 @@
 </p:sld>
 </file>
 
-<file path=ppt/slides/slide57.xml><?xml version="1.0" encoding="utf-8"?>
+<file path=ppt/slides/slide56.xml><?xml version="1.0" encoding="utf-8"?>
 <p:sld xmlns:a="http://schemas.openxmlformats.org/drawingml/2006/main" xmlns:r="http://schemas.openxmlformats.org/officeDocument/2006/relationships" xmlns:p="http://schemas.openxmlformats.org/presentationml/2006/main">
   <p:cSld>
     <p:spTree>
@@ -15364,7 +15489,7 @@
 </p:sld>
 </file>
 
-<file path=ppt/slides/slide58.xml><?xml version="1.0" encoding="utf-8"?>
+<file path=ppt/slides/slide57.xml><?xml version="1.0" encoding="utf-8"?>
 <p:sld xmlns:a="http://schemas.openxmlformats.org/drawingml/2006/main" xmlns:r="http://schemas.openxmlformats.org/officeDocument/2006/relationships" xmlns:p="http://schemas.openxmlformats.org/presentationml/2006/main">
   <p:cSld>
     <p:spTree>
@@ -15458,6 +15583,51 @@
 </p:sld>
 </file>
 
+<file path=ppt/slides/slide58.xml><?xml version="1.0" encoding="utf-8"?>
+<p:sld xmlns:a="http://schemas.openxmlformats.org/drawingml/2006/main" xmlns:r="http://schemas.openxmlformats.org/officeDocument/2006/relationships" xmlns:p="http://schemas.openxmlformats.org/presentationml/2006/main">
+  <p:cSld>
+    <p:spTree>
+      <p:nvGrpSpPr>
+        <p:cNvPr id="1" name=""/>
+        <p:cNvGrpSpPr/>
+        <p:nvPr/>
+      </p:nvGrpSpPr>
+      <p:grpSpPr>
+        <a:xfrm>
+          <a:off x="0" y="0"/>
+          <a:ext cx="0" cy="0"/>
+          <a:chOff x="0" y="0"/>
+          <a:chExt cx="0" cy="0"/>
+        </a:xfrm>
+      </p:grpSpPr>
+      <p:sp>
+        <p:nvSpPr>
+          <p:cNvPr id="3" name="Content Placeholder 2"/>
+          <p:cNvSpPr>
+            <a:spLocks noGrp="1"/>
+          </p:cNvSpPr>
+          <p:nvPr>
+            <p:ph idx="1"/>
+          </p:nvPr>
+        </p:nvSpPr>
+        <p:spPr/>
+        <p:txBody>
+          <a:bodyPr/>
+          <a:lstStyle/>
+          <a:p>
+            <a:pPr lvl="0"/>
+            <a:r>
+              <a:rPr/>
+              <a:t>☐ Click “Insert” to add the citation</a:t>
+            </a:r>
+          </a:p>
+        </p:txBody>
+      </p:sp>
+    </p:spTree>
+  </p:cSld>
+</p:sld>
+</file>
+
 <file path=ppt/slides/slide59.xml><?xml version="1.0" encoding="utf-8"?>
 <p:sld xmlns:a="http://schemas.openxmlformats.org/drawingml/2006/main" xmlns:r="http://schemas.openxmlformats.org/officeDocument/2006/relationships" xmlns:p="http://schemas.openxmlformats.org/presentationml/2006/main">
   <p:cSld>
@@ -15490,10 +15660,15 @@
           <a:bodyPr/>
           <a:lstStyle/>
           <a:p>
-            <a:pPr lvl="0"/>
-            <a:r>
-              <a:rPr/>
-              <a:t>☐ Click “Insert” to add the citation</a:t>
+            <a:pPr lvl="0" indent="0" marL="0">
+              <a:spcBef>
+                <a:spcPts val="3000"/>
+              </a:spcBef>
+              <a:buNone/>
+            </a:pPr>
+            <a:r>
+              <a:rPr b="1"/>
+              <a:t>Adding citations with Zotero</a:t>
             </a:r>
           </a:p>
         </p:txBody>
@@ -15536,11 +15711,23 @@
           <a:lstStyle/>
           <a:p>
             <a:pPr lvl="0" indent="0" marL="0">
-              <a:buNone/>
-            </a:pPr>
-            <a:r>
-              <a:rPr/>
-              <a:t>From SvG: We have an OSC account where you can generate a room for this - let us leave it like this for now but we will need to be systematic about these QR codes and surveys - a discussion for a team!</a:t>
+              <a:spcBef>
+                <a:spcPts val="3000"/>
+              </a:spcBef>
+              <a:buNone/>
+            </a:pPr>
+            <a:r>
+              <a:rPr b="1"/>
+              <a:t>Discussion of survey results</a:t>
+            </a:r>
+          </a:p>
+          <a:p>
+            <a:pPr lvl="0" indent="0" marL="0">
+              <a:buNone/>
+            </a:pPr>
+            <a:r>
+              <a:rPr b="1"/>
+              <a:t>What can we take from this?</a:t>
             </a:r>
           </a:p>
         </p:txBody>
@@ -15551,56 +15738,6 @@
 </file>
 
 <file path=ppt/slides/slide60.xml><?xml version="1.0" encoding="utf-8"?>
-<p:sld xmlns:a="http://schemas.openxmlformats.org/drawingml/2006/main" xmlns:r="http://schemas.openxmlformats.org/officeDocument/2006/relationships" xmlns:p="http://schemas.openxmlformats.org/presentationml/2006/main">
-  <p:cSld>
-    <p:spTree>
-      <p:nvGrpSpPr>
-        <p:cNvPr id="1" name=""/>
-        <p:cNvGrpSpPr/>
-        <p:nvPr/>
-      </p:nvGrpSpPr>
-      <p:grpSpPr>
-        <a:xfrm>
-          <a:off x="0" y="0"/>
-          <a:ext cx="0" cy="0"/>
-          <a:chOff x="0" y="0"/>
-          <a:chExt cx="0" cy="0"/>
-        </a:xfrm>
-      </p:grpSpPr>
-      <p:sp>
-        <p:nvSpPr>
-          <p:cNvPr id="3" name="Content Placeholder 2"/>
-          <p:cNvSpPr>
-            <a:spLocks noGrp="1"/>
-          </p:cNvSpPr>
-          <p:nvPr>
-            <p:ph idx="1"/>
-          </p:nvPr>
-        </p:nvSpPr>
-        <p:spPr/>
-        <p:txBody>
-          <a:bodyPr/>
-          <a:lstStyle/>
-          <a:p>
-            <a:pPr lvl="0" indent="0" marL="0">
-              <a:spcBef>
-                <a:spcPts val="3000"/>
-              </a:spcBef>
-              <a:buNone/>
-            </a:pPr>
-            <a:r>
-              <a:rPr b="1"/>
-              <a:t>6.4 Adding citations with Zotero</a:t>
-            </a:r>
-          </a:p>
-        </p:txBody>
-      </p:sp>
-    </p:spTree>
-  </p:cSld>
-</p:sld>
-</file>
-
-<file path=ppt/slides/slide61.xml><?xml version="1.0" encoding="utf-8"?>
 <p:sld xmlns:a="http://schemas.openxmlformats.org/drawingml/2006/main" xmlns:r="http://schemas.openxmlformats.org/officeDocument/2006/relationships" xmlns:p="http://schemas.openxmlformats.org/presentationml/2006/main">
   <p:cSld>
     <p:spTree>
@@ -15698,6 +15835,72 @@
 </p:sld>
 </file>
 
+<file path=ppt/slides/slide61.xml><?xml version="1.0" encoding="utf-8"?>
+<p:sld xmlns:a="http://schemas.openxmlformats.org/drawingml/2006/main" xmlns:r="http://schemas.openxmlformats.org/officeDocument/2006/relationships" xmlns:p="http://schemas.openxmlformats.org/presentationml/2006/main">
+  <p:cSld>
+    <p:spTree>
+      <p:nvGrpSpPr>
+        <p:cNvPr id="1" name=""/>
+        <p:cNvGrpSpPr/>
+        <p:nvPr/>
+      </p:nvGrpSpPr>
+      <p:grpSpPr>
+        <a:xfrm>
+          <a:off x="0" y="0"/>
+          <a:ext cx="0" cy="0"/>
+          <a:chOff x="0" y="0"/>
+          <a:chExt cx="0" cy="0"/>
+        </a:xfrm>
+      </p:grpSpPr>
+      <p:sp>
+        <p:nvSpPr>
+          <p:cNvPr id="3" name="Content Placeholder 2"/>
+          <p:cNvSpPr>
+            <a:spLocks noGrp="1"/>
+          </p:cNvSpPr>
+          <p:nvPr>
+            <p:ph idx="1"/>
+          </p:nvPr>
+        </p:nvSpPr>
+        <p:spPr/>
+        <p:txBody>
+          <a:bodyPr/>
+          <a:lstStyle/>
+          <a:p>
+            <a:pPr lvl="0" indent="0" marL="1270000">
+              <a:buNone/>
+            </a:pPr>
+            <a:r>
+              <a:rPr sz="2000" b="1"/>
+              <a:t>Changing the citation style</a:t>
+            </a:r>
+          </a:p>
+          <a:p>
+            <a:pPr lvl="0" indent="0" marL="1270000">
+              <a:buNone/>
+            </a:pPr>
+            <a:r>
+              <a:rPr sz="2000"/>
+              <a:t>You can change the citation style by using csl files directly from the Zotero website. For example, putting “</a:t>
+            </a:r>
+            <a:r>
+              <a:rPr sz="2000">
+                <a:latin typeface="Courier"/>
+              </a:rPr>
+              <a:t>csl: https://www.zotero.org/styles/apa</a:t>
+            </a:r>
+            <a:r>
+              <a:rPr sz="2000"/>
+              <a:t>” in your YAML changes the citation style to APA.</a:t>
+            </a:r>
+          </a:p>
+        </p:txBody>
+      </p:sp>
+    </p:spTree>
+  </p:cSld>
+</p:sld>
+</file>
+
 <file path=ppt/slides/slide62.xml><?xml version="1.0" encoding="utf-8"?>
 <p:sld xmlns:a="http://schemas.openxmlformats.org/drawingml/2006/main" xmlns:r="http://schemas.openxmlformats.org/officeDocument/2006/relationships" xmlns:p="http://schemas.openxmlformats.org/presentationml/2006/main">
   <p:cSld>
@@ -15730,12 +15933,69 @@
           <a:bodyPr/>
           <a:lstStyle/>
           <a:p>
+            <a:pPr lvl="0" indent="0" marL="0">
+              <a:spcBef>
+                <a:spcPts val="3000"/>
+              </a:spcBef>
+              <a:buNone/>
+            </a:pPr>
+            <a:r>
+              <a:rPr b="1"/>
+              <a:t>Publishing</a:t>
+            </a:r>
+          </a:p>
+          <a:p>
+            <a:pPr lvl="0" indent="0" marL="0">
+              <a:buNone/>
+            </a:pPr>
+            <a:r>
+              <a:rPr/>
+              <a:t>What is </a:t>
+            </a:r>
+            <a:r>
+              <a:rPr b="1"/>
+              <a:t>publishing</a:t>
+            </a:r>
+            <a:r>
+              <a:rPr/>
+              <a:t> with Quarto? The process of sharing the rendered documents or projects online so it can become accessible to others.</a:t>
+            </a:r>
+          </a:p>
+          <a:p>
+            <a:pPr lvl="0"/>
+            <a:r>
+              <a:rPr/>
+              <a:t>You can publish to:</a:t>
+            </a:r>
+          </a:p>
+          <a:p>
+            <a:pPr lvl="1"/>
+            <a:r>
+              <a:rPr/>
+              <a:t>GitHub Pages</a:t>
+            </a:r>
+          </a:p>
+          <a:p>
+            <a:pPr lvl="1"/>
+            <a:r>
+              <a:rPr/>
+              <a:t>Quarto Pub</a:t>
+            </a:r>
+          </a:p>
+          <a:p>
+            <a:pPr lvl="1"/>
+            <a:r>
+              <a:rPr/>
+              <a:t>A personal website</a:t>
+            </a:r>
+          </a:p>
+          <a:p>
             <a:pPr lvl="0" indent="0" marL="1270000">
               <a:buNone/>
             </a:pPr>
             <a:r>
               <a:rPr sz="2000" b="1"/>
-              <a:t>Changing the citation style</a:t>
+              <a:t>List of publishing services</a:t>
             </a:r>
           </a:p>
           <a:p>
@@ -15744,17 +16004,7 @@
             </a:pPr>
             <a:r>
               <a:rPr sz="2000"/>
-              <a:t>You can change the citation style by using csl files directly from the Zotero website. For e.g., putting “</a:t>
-            </a:r>
-            <a:r>
-              <a:rPr sz="2000">
-                <a:latin typeface="Courier"/>
-              </a:rPr>
-              <a:t>csl: https://www.zotero.org/styles/apa</a:t>
-            </a:r>
-            <a:r>
-              <a:rPr sz="2000"/>
-              <a:t>” in your YAML changes the citation style to APA.</a:t>
+              <a:t>Here is a link for a list of publishing services and more information!</a:t>
             </a:r>
           </a:p>
         </p:txBody>
@@ -15804,52 +16054,45 @@
             </a:pPr>
             <a:r>
               <a:rPr b="1"/>
-              <a:t>7.1 Publishing</a:t>
-            </a:r>
-          </a:p>
-          <a:p>
-            <a:pPr lvl="0" indent="0" marL="0">
-              <a:buNone/>
-            </a:pPr>
-            <a:r>
-              <a:rPr/>
-              <a:t>What is </a:t>
-            </a:r>
-            <a:r>
-              <a:rPr b="1"/>
-              <a:t>publishing</a:t>
-            </a:r>
-            <a:r>
-              <a:rPr/>
-              <a:t> with Quarto? The process of sharing the rendered documents or projects online so it can become accessible to others.</a:t>
+              <a:t>Publishing</a:t>
+            </a:r>
+          </a:p>
+          <a:p>
+            <a:pPr lvl="0" indent="0" marL="0">
+              <a:buNone/>
+            </a:pPr>
+            <a:r>
+              <a:rPr/>
+              <a:t>When sharing your work, it’s important to follow established </a:t>
+            </a:r>
+            <a:r>
+              <a:rPr b="1"/>
+              <a:t>rules and standards</a:t>
+            </a:r>
+            <a:r>
+              <a:rPr/>
+              <a:t>. This includes:</a:t>
             </a:r>
           </a:p>
           <a:p>
             <a:pPr lvl="0"/>
             <a:r>
               <a:rPr/>
-              <a:t>You can publish to:</a:t>
-            </a:r>
-          </a:p>
-          <a:p>
-            <a:pPr lvl="1"/>
-            <a:r>
-              <a:rPr/>
-              <a:t>GitHub Pages</a:t>
-            </a:r>
-          </a:p>
-          <a:p>
-            <a:pPr lvl="1"/>
-            <a:r>
-              <a:rPr/>
-              <a:t>Quarto Pub</a:t>
-            </a:r>
-          </a:p>
-          <a:p>
-            <a:pPr lvl="1"/>
-            <a:r>
-              <a:rPr/>
-              <a:t>A personal website</a:t>
+              <a:t>Considering the legal aspects</a:t>
+            </a:r>
+          </a:p>
+          <a:p>
+            <a:pPr lvl="0"/>
+            <a:r>
+              <a:rPr/>
+              <a:t>Applying appropriate licenses</a:t>
+            </a:r>
+          </a:p>
+          <a:p>
+            <a:pPr lvl="0"/>
+            <a:r>
+              <a:rPr/>
+              <a:t>Proper archiving</a:t>
             </a:r>
           </a:p>
           <a:p>
@@ -15867,7 +16110,7 @@
             </a:pPr>
             <a:r>
               <a:rPr sz="2000"/>
-              <a:t>Here is a link for a list of publishing services and more information!</a:t>
+              <a:t>Click here for the LMU OSC page on all you need to know about sharing, copyright, best practices and more.</a:t>
             </a:r>
           </a:p>
         </p:txBody>
@@ -15917,7 +16160,7 @@
             </a:pPr>
             <a:r>
               <a:rPr b="1"/>
-              <a:t>7.2 Publishing to GitHub</a:t>
+              <a:t>Publishing to GitHub</a:t>
             </a:r>
           </a:p>
           <a:p>
@@ -16021,7 +16264,7 @@
             </a:pPr>
             <a:r>
               <a:rPr b="1"/>
-              <a:t>7.3 Publishing to GitHub</a:t>
+              <a:t>Publishing to GitHub</a:t>
             </a:r>
           </a:p>
           <a:p>
@@ -16038,9 +16281,7 @@
             </a:r>
           </a:p>
           <a:p>
-            <a:pPr lvl="0" indent="0" marL="0">
-              <a:buNone/>
-            </a:pPr>
+            <a:pPr lvl="0"/>
             <a:r>
               <a:rPr b="1"/>
               <a:t>3 methods</a:t>
@@ -16051,7 +16292,7 @@
             </a:r>
           </a:p>
           <a:p>
-            <a:pPr lvl="0" indent="-342900" marL="342900">
+            <a:pPr lvl="1" indent="-342900" marL="685800">
               <a:buAutoNum type="arabicPeriod"/>
             </a:pPr>
             <a:r>
@@ -16070,7 +16311,7 @@
             </a:r>
           </a:p>
           <a:p>
-            <a:pPr lvl="0" indent="-342900" marL="342900">
+            <a:pPr lvl="1" indent="-342900" marL="685800">
               <a:buAutoNum type="arabicPeriod"/>
             </a:pPr>
             <a:r>
@@ -16089,7 +16330,7 @@
             </a:r>
           </a:p>
           <a:p>
-            <a:pPr lvl="0" indent="-342900" marL="342900">
+            <a:pPr lvl="1" indent="-342900" marL="685800">
               <a:buAutoNum type="arabicPeriod"/>
             </a:pPr>
             <a:r>
@@ -16144,7 +16385,7 @@
             </a:pPr>
             <a:r>
               <a:rPr b="1"/>
-              <a:t>7.4 Publishing to GitHub</a:t>
+              <a:t>Publishing to GitHub</a:t>
             </a:r>
           </a:p>
           <a:p>
@@ -16218,7 +16459,7 @@
             </a:pPr>
             <a:r>
               <a:rPr b="1"/>
-              <a:t>7.5 Publishing to GitHub</a:t>
+              <a:t>Publishing to GitHub</a:t>
             </a:r>
           </a:p>
           <a:p>
@@ -16427,16 +16668,66 @@
             </a:pPr>
             <a:r>
               <a:rPr b="1"/>
-              <a:t>Discussion of survey results</a:t>
-            </a:r>
-          </a:p>
-          <a:p>
-            <a:pPr lvl="0" indent="0" marL="0">
-              <a:buNone/>
-            </a:pPr>
-            <a:r>
-              <a:rPr b="1"/>
-              <a:t>What can we take from this?</a:t>
+              <a:t>Where are we at?</a:t>
+            </a:r>
+          </a:p>
+          <a:p>
+            <a:pPr lvl="0" indent="0" marL="0">
+              <a:buNone/>
+            </a:pPr>
+            <a:r>
+              <a:rPr b="1"/>
+              <a:t>Open Research</a:t>
+            </a:r>
+            <a:r>
+              <a:rPr/>
+              <a:t> is about sharing data, methods, and results to promote collaboration in science. </a:t>
+            </a:r>
+          </a:p>
+          <a:p>
+            <a:pPr lvl="0" indent="0" marL="0">
+              <a:buNone/>
+            </a:pPr>
+            <a:r>
+              <a:rPr i="1"/>
+              <a:t>So, why Quarto?</a:t>
+            </a:r>
+          </a:p>
+          <a:p>
+            <a:pPr lvl="0"/>
+            <a:r>
+              <a:rPr/>
+              <a:t>Allows for work with text, code, and media all in one place</a:t>
+            </a:r>
+          </a:p>
+          <a:p>
+            <a:pPr lvl="0"/>
+            <a:r>
+              <a:rPr/>
+              <a:t>Makes workflows transparent and reproducible</a:t>
+            </a:r>
+          </a:p>
+          <a:p>
+            <a:pPr lvl="0"/>
+            <a:r>
+              <a:rPr/>
+              <a:t>Integrates citation tools to manage references more efficiently</a:t>
+            </a:r>
+          </a:p>
+          <a:p>
+            <a:pPr lvl="0"/>
+            <a:r>
+              <a:rPr/>
+              <a:t>Promotes accessibility through options for openly sharing work to others</a:t>
+            </a:r>
+          </a:p>
+          <a:p>
+            <a:pPr lvl="0" indent="0" marL="0">
+              <a:buNone/>
+            </a:pPr>
+            <a:r>
+              <a:rPr/>
+              <a:t>Quarto is a tool that can help us connect ideas, data, and people through open and reproducible research.</a:t>
             </a:r>
           </a:p>
         </p:txBody>
@@ -16627,7 +16918,7 @@
             </a:r>
             <a:r>
               <a:rPr/>
-              <a:t> file by copying &amp; pasting the above in the Terminal</a:t>
+              <a:t> file by copying and pasting the above in the Terminal</a:t>
             </a:r>
           </a:p>
           <a:p>
@@ -16648,7 +16939,7 @@
             <a:pPr lvl="0"/>
             <a:r>
               <a:rPr/>
-              <a:t>☐ Copy &amp; paste the above into the Terminal to add a </a:t>
+              <a:t>☐ Copy and paste the above into the Terminal to add a </a:t>
             </a:r>
             <a:r>
               <a:rPr>
@@ -16763,7 +17054,7 @@
             <a:pPr lvl="0"/>
             <a:r>
               <a:rPr/>
-              <a:t>☐ Copy &amp; paste the above into Terminal to generate HTML in the </a:t>
+              <a:t>☐ Copy and paste the above into Terminal to generate HTML in the </a:t>
             </a:r>
             <a:r>
               <a:rPr>
@@ -16804,7 +17095,7 @@
             <a:pPr lvl="0"/>
             <a:r>
               <a:rPr/>
-              <a:t>☐ Copy &amp; paste the above into Terminal to initialize Git and rename “master” to “main”</a:t>
+              <a:t>☐ Copy and paste the above into Terminal to initialize Git and rename “master” to “main”</a:t>
             </a:r>
           </a:p>
         </p:txBody>
@@ -16888,7 +17179,7 @@
             </a:r>
             <a:r>
               <a:rPr/>
-              <a:t>” + the repo’s HTTPS URL (e.g., “</a:t>
+              <a:t>” + the repo’s HTTPS URL (for example, “</a:t>
             </a:r>
             <a:r>
               <a:rPr>
@@ -16949,7 +17240,7 @@
             <a:pPr lvl="0"/>
             <a:r>
               <a:rPr/>
-              <a:t>☐ Copy &amp; paste the above into Terminal to render your site and push it to GitHub</a:t>
+              <a:t>☐ Copy and paste the above into Terminal to render your site and push it to GitHub</a:t>
             </a:r>
           </a:p>
           <a:p>
@@ -17058,9 +17349,7 @@
             </a:pPr>
           </a:p>
           <a:p>
-            <a:pPr lvl="0" indent="0" marL="0">
-              <a:buNone/>
-            </a:pPr>
+            <a:pPr lvl="0"/>
             <a:r>
               <a:rPr/>
               <a:t>After 1-2 minutes, you will see that your site will be </a:t>
@@ -17296,7 +17585,7 @@
             <a:pPr lvl="0"/>
             <a:r>
               <a:rPr/>
-              <a:t>Code chunks can be customized in the YAML header (e.g., </a:t>
+              <a:t>Code chunks can be customized in the YAML header (for example, </a:t>
             </a:r>
             <a:r>
               <a:rPr>
@@ -17383,7 +17672,7 @@
             </a:pPr>
             <a:r>
               <a:rPr/>
-              <a:t>For a summary of what we learned and applied using Quarto, click here to download a cheat sheet.</a:t>
+              <a:t>For a summary of what we learned and applied using Quarto, click here to download a cheatsheet.</a:t>
             </a:r>
           </a:p>
           <a:p>
@@ -17629,35 +17918,42 @@
             </a:r>
           </a:p>
           <a:p>
+            <a:pPr lvl="0" indent="0" marL="0">
+              <a:buNone/>
+            </a:pPr>
+            <a:r>
+              <a:rPr/>
+              <a:t>After learning about Quarto in today’s lesson, use this homework assignment to:</a:t>
+            </a:r>
+          </a:p>
+          <a:p>
             <a:pPr lvl="0"/>
             <a:r>
-              <a:rPr b="1"/>
-              <a:t>Aim</a:t>
-            </a:r>
-            <a:r>
-              <a:rPr/>
-              <a:t>: Explain the homework assignment and the rationale behind the homework.</a:t>
+              <a:rPr/>
+              <a:t>Practice your Quarto skills</a:t>
             </a:r>
           </a:p>
           <a:p>
             <a:pPr lvl="0"/>
             <a:r>
               <a:rPr/>
-              <a:t>Examine whether/how it will be assessed</a:t>
+              <a:t>Explore what more can be added to your documents</a:t>
             </a:r>
           </a:p>
           <a:p>
             <a:pPr lvl="0"/>
             <a:r>
               <a:rPr/>
-              <a:t>Mention scoring rubrics, if applicable</a:t>
-            </a:r>
-          </a:p>
-          <a:p>
-            <a:pPr lvl="0"/>
-            <a:r>
-              <a:rPr/>
-              <a:t>Design a peer-review system for assignments to place students in role of reviewer and author</a:t>
+              <a:t>Build confidence in editing YAML header, adding code chunks, and customizing the layout</a:t>
+            </a:r>
+          </a:p>
+          <a:p>
+            <a:pPr lvl="0" indent="0" marL="0">
+              <a:buNone/>
+            </a:pPr>
+            <a:r>
+              <a:rPr/>
+              <a:t>For the assignment, click here to download the homework sheet.</a:t>
             </a:r>
           </a:p>
         </p:txBody>
@@ -17707,16 +18003,94 @@
             </a:pPr>
             <a:r>
               <a:rPr b="1"/>
-              <a:t>Where are we at?</a:t>
-            </a:r>
-          </a:p>
-          <a:p>
-            <a:pPr lvl="0" indent="0" marL="0">
-              <a:buNone/>
-            </a:pPr>
-            <a:r>
-              <a:rPr/>
-              <a:t>From SvG: Add this when slides are final</a:t>
+              <a:t>What is Quarto?</a:t>
+            </a:r>
+          </a:p>
+          <a:p>
+            <a:pPr lvl="0" indent="0" marL="0">
+              <a:buNone/>
+            </a:pPr>
+            <a:r>
+              <a:rPr/>
+              <a:t>An </a:t>
+            </a:r>
+            <a:r>
+              <a:rPr b="1"/>
+              <a:t>open-source scientific and publishing system</a:t>
+            </a:r>
+            <a:r>
+              <a:rPr/>
+              <a:t> that combines text, code and media to produce transparent and reproducible work that can be freely accessed by others.</a:t>
+            </a:r>
+          </a:p>
+          <a:p>
+            <a:pPr lvl="0" indent="0" marL="0">
+              <a:buNone/>
+            </a:pPr>
+            <a:r>
+              <a:rPr/>
+              <a:t>With Quarto, you can easily:</a:t>
+            </a:r>
+          </a:p>
+          <a:p>
+            <a:pPr lvl="0"/>
+            <a:r>
+              <a:rPr b="1"/>
+              <a:t>Analyze</a:t>
+            </a:r>
+            <a:r>
+              <a:rPr/>
+              <a:t> data, text, or research content</a:t>
+            </a:r>
+          </a:p>
+          <a:p>
+            <a:pPr lvl="0"/>
+            <a:r>
+              <a:rPr b="1"/>
+              <a:t>Share</a:t>
+            </a:r>
+            <a:r>
+              <a:rPr/>
+              <a:t> results and outputs like reports, slides, or websites</a:t>
+            </a:r>
+          </a:p>
+          <a:p>
+            <a:pPr lvl="0"/>
+            <a:r>
+              <a:rPr b="1"/>
+              <a:t>Reproduce</a:t>
+            </a:r>
+            <a:r>
+              <a:rPr/>
+              <a:t> entire workflows</a:t>
+            </a:r>
+          </a:p>
+          <a:p>
+            <a:pPr lvl="0" indent="0" marL="1270000">
+              <a:buNone/>
+            </a:pPr>
+            <a:r>
+              <a:rPr sz="2000" b="1"/>
+              <a:t>Quarto Website</a:t>
+            </a:r>
+          </a:p>
+          <a:p>
+            <a:pPr lvl="0" indent="0" marL="1270000">
+              <a:buNone/>
+            </a:pPr>
+            <a:r>
+              <a:rPr sz="2000"/>
+              <a:t>You can always check out the </a:t>
+            </a:r>
+            <a:r>
+              <a:rPr sz="2000">
+                <a:hlinkClick r:id="rId3"/>
+              </a:rPr>
+              <a:t>Quarto Website</a:t>
+            </a:r>
+            <a:r>
+              <a:rPr sz="2000"/>
+              <a:t> to learn more.</a:t>
             </a:r>
           </a:p>
         </p:txBody>
@@ -18545,94 +18919,98 @@
             </a:pPr>
             <a:r>
               <a:rPr b="1"/>
-              <a:t>What is Quarto?</a:t>
-            </a:r>
-          </a:p>
-          <a:p>
-            <a:pPr lvl="0" indent="0" marL="0">
-              <a:buNone/>
-            </a:pPr>
-            <a:r>
-              <a:rPr/>
-              <a:t>An </a:t>
-            </a:r>
-            <a:r>
-              <a:rPr b="1"/>
-              <a:t>open-source scientific and publishing system</a:t>
-            </a:r>
-            <a:r>
-              <a:rPr/>
-              <a:t> that combines text, code and media to produce transparent and reproducible work that can be freely accessed by others.</a:t>
-            </a:r>
-          </a:p>
-          <a:p>
-            <a:pPr lvl="0" indent="0" marL="0">
-              <a:buNone/>
-            </a:pPr>
-            <a:r>
-              <a:rPr/>
-              <a:t>With Quarto, you can easily:</a:t>
-            </a:r>
-          </a:p>
-          <a:p>
-            <a:pPr lvl="0"/>
-            <a:r>
-              <a:rPr b="1"/>
-              <a:t>Analyze</a:t>
-            </a:r>
-            <a:r>
-              <a:rPr/>
-              <a:t> data, text, or research content</a:t>
-            </a:r>
-          </a:p>
-          <a:p>
-            <a:pPr lvl="0"/>
-            <a:r>
-              <a:rPr b="1"/>
-              <a:t>Share</a:t>
-            </a:r>
-            <a:r>
-              <a:rPr/>
-              <a:t> results and outputs like reports, slides, or websites</a:t>
-            </a:r>
-          </a:p>
-          <a:p>
-            <a:pPr lvl="0"/>
-            <a:r>
-              <a:rPr b="1"/>
-              <a:t>Reproduce</a:t>
-            </a:r>
-            <a:r>
-              <a:rPr/>
-              <a:t> entire workflows</a:t>
-            </a:r>
-          </a:p>
-          <a:p>
-            <a:pPr lvl="0" indent="0" marL="1270000">
-              <a:buNone/>
-            </a:pPr>
-            <a:r>
-              <a:rPr sz="2000" b="1"/>
-              <a:t>Quarto Website</a:t>
-            </a:r>
-          </a:p>
-          <a:p>
-            <a:pPr lvl="0" indent="0" marL="1270000">
-              <a:buNone/>
-            </a:pPr>
-            <a:r>
-              <a:rPr sz="2000"/>
-              <a:t>You can always check out the </a:t>
-            </a:r>
-            <a:r>
-              <a:rPr sz="2000">
-                <a:hlinkClick r:id="rId3"/>
-              </a:rPr>
-              <a:t>Quarto Website</a:t>
-            </a:r>
-            <a:r>
-              <a:rPr sz="2000"/>
-              <a:t> to learn more.</a:t>
+              <a:t>Covered in this session</a:t>
+            </a:r>
+          </a:p>
+          <a:p>
+            <a:pPr lvl="0" indent="-342900" marL="342900">
+              <a:buAutoNum type="arabicPeriod"/>
+            </a:pPr>
+            <a:r>
+              <a:rPr b="1"/>
+              <a:t>Key Terms and Definitions</a:t>
+            </a:r>
+            <a:r>
+              <a:rPr/>
+              <a:t>: Understanding core concepts in Quarto</a:t>
+            </a:r>
+          </a:p>
+          <a:p>
+            <a:pPr lvl="0" indent="-342900" marL="342900">
+              <a:buAutoNum type="arabicPeriod"/>
+            </a:pPr>
+            <a:r>
+              <a:rPr b="1"/>
+              <a:t>Setting up Quarto</a:t>
+            </a:r>
+            <a:r>
+              <a:rPr/>
+              <a:t>: Opening a Quarto document in RStudio</a:t>
+            </a:r>
+          </a:p>
+          <a:p>
+            <a:pPr lvl="0" indent="-342900" marL="342900">
+              <a:buAutoNum type="arabicPeriod"/>
+            </a:pPr>
+            <a:r>
+              <a:rPr b="1"/>
+              <a:t>Authoring</a:t>
+            </a:r>
+            <a:r>
+              <a:rPr/>
+              <a:t>: Writing text and structuring content</a:t>
+            </a:r>
+          </a:p>
+          <a:p>
+            <a:pPr lvl="0" indent="-342900" marL="342900">
+              <a:buAutoNum type="arabicPeriod"/>
+            </a:pPr>
+            <a:r>
+              <a:rPr b="1"/>
+              <a:t>Code Chunks</a:t>
+            </a:r>
+            <a:r>
+              <a:rPr/>
+              <a:t>: Running and displaying code</a:t>
+            </a:r>
+          </a:p>
+          <a:p>
+            <a:pPr lvl="0" indent="-342900" marL="342900">
+              <a:buAutoNum type="arabicPeriod"/>
+            </a:pPr>
+            <a:r>
+              <a:rPr b="1"/>
+              <a:t>Additional Authoring Features</a:t>
+            </a:r>
+            <a:r>
+              <a:rPr/>
+              <a:t>: Using images, links, and columns</a:t>
+            </a:r>
+          </a:p>
+          <a:p>
+            <a:pPr lvl="0" indent="-342900" marL="342900">
+              <a:buAutoNum type="arabicPeriod"/>
+            </a:pPr>
+            <a:r>
+              <a:rPr b="1"/>
+              <a:t>Citations</a:t>
+            </a:r>
+            <a:r>
+              <a:rPr/>
+              <a:t>: Adding citations and bibliography with Zotero</a:t>
+            </a:r>
+          </a:p>
+          <a:p>
+            <a:pPr lvl="0" indent="-342900" marL="342900">
+              <a:buAutoNum type="arabicPeriod"/>
+            </a:pPr>
+            <a:r>
+              <a:rPr b="1"/>
+              <a:t>Publishing</a:t>
+            </a:r>
+            <a:r>
+              <a:rPr/>
+              <a:t>: Sharing your Quarto document to GitHub</a:t>
             </a:r>
           </a:p>
         </p:txBody>
@@ -19247,28 +19625,34 @@
             <a:pPr lvl="0"/>
             <a:r>
               <a:rPr/>
-              <a:t>This section is dedicated to ideas on how to incorporate pedagogical tools into teaching for this specific submodule topic. This could mean:</a:t>
-            </a:r>
-          </a:p>
-          <a:p>
-            <a:pPr lvl="1"/>
-            <a:r>
-              <a:rPr/>
-              <a:t>Information about the scientific evidence on the theory of the pedagogical add-on tool and the evidence for its efficacy.</a:t>
-            </a:r>
-          </a:p>
-          <a:p>
-            <a:pPr lvl="1"/>
-            <a:r>
-              <a:rPr/>
-              <a:t>Discussion/reflection on how tools can be incorporated into the teaching for this particular content.</a:t>
-            </a:r>
-          </a:p>
-          <a:p>
-            <a:pPr lvl="1"/>
-            <a:r>
-              <a:rPr/>
-              <a:t>Extra exercises for faster students.</a:t>
+              <a:t>Relevant practical exercises follow each section to encourage students to learn-by-doing</a:t>
+            </a:r>
+          </a:p>
+          <a:p>
+            <a:pPr lvl="0"/>
+            <a:r>
+              <a:rPr/>
+              <a:t>Downloadable cheatsheet as a PDF for a compact summary of all the topics covered in the session</a:t>
+            </a:r>
+          </a:p>
+          <a:p>
+            <a:pPr lvl="0"/>
+            <a:r>
+              <a:rPr/>
+              <a:t>Downloadable homework assignment sheet as a PDF to learn additional Quarto features, designed with slightly less guidance so that students are encouraged to apply their knowledge and skills more independently.</a:t>
+            </a:r>
+          </a:p>
+          <a:p>
+            <a:pPr lvl="0"/>
+            <a:r>
+              <a:rPr>
+                <a:hlinkClick r:id="rId2"/>
+              </a:rPr>
+              <a:t>Link to advanced Quarto activities</a:t>
+            </a:r>
+            <a:r>
+              <a:rPr/>
+              <a:t> for faster learners who want to gain deeper knowledge on Quarto and its possibilities</a:t>
             </a:r>
           </a:p>
           <a:p>

--- a/_site/materials/OS-M3/OS-M3-S6-Quarto/OS-M3-S6-Quarto-slides.pptx
+++ b/_site/materials/OS-M3/OS-M3-S6-Quarto/OS-M3-S6-Quarto-slides.pptx
@@ -10169,7 +10169,7 @@
             </a:pPr>
             <a:r>
               <a:rPr/>
-              <a:t>03/09/2025</a:t>
+              <a:t>04/09/2025</a:t>
             </a:r>
           </a:p>
         </p:txBody>
